--- a/textos/Vegetal.pptx
+++ b/textos/Vegetal.pptx
@@ -5,27 +5,21 @@
     <p:sldMasterId id="2147483852" r:id="rId4"/>
   </p:sldMasterIdLst>
   <p:notesMasterIdLst>
-    <p:notesMasterId r:id="rId20"/>
+    <p:notesMasterId r:id="rId14"/>
   </p:notesMasterIdLst>
   <p:handoutMasterIdLst>
-    <p:handoutMasterId r:id="rId21"/>
+    <p:handoutMasterId r:id="rId15"/>
   </p:handoutMasterIdLst>
   <p:sldIdLst>
     <p:sldId id="286" r:id="rId5"/>
-    <p:sldId id="287" r:id="rId6"/>
-    <p:sldId id="288" r:id="rId7"/>
-    <p:sldId id="282" r:id="rId8"/>
+    <p:sldId id="282" r:id="rId6"/>
+    <p:sldId id="301" r:id="rId7"/>
+    <p:sldId id="288" r:id="rId8"/>
     <p:sldId id="290" r:id="rId9"/>
-    <p:sldId id="294" r:id="rId10"/>
-    <p:sldId id="295" r:id="rId11"/>
-    <p:sldId id="298" r:id="rId12"/>
-    <p:sldId id="299" r:id="rId13"/>
-    <p:sldId id="300" r:id="rId14"/>
-    <p:sldId id="291" r:id="rId15"/>
-    <p:sldId id="293" r:id="rId16"/>
-    <p:sldId id="292" r:id="rId17"/>
-    <p:sldId id="280" r:id="rId18"/>
-    <p:sldId id="275" r:id="rId19"/>
+    <p:sldId id="291" r:id="rId10"/>
+    <p:sldId id="293" r:id="rId11"/>
+    <p:sldId id="292" r:id="rId12"/>
+    <p:sldId id="280" r:id="rId13"/>
   </p:sldIdLst>
   <p:sldSz cx="12192000" cy="6858000"/>
   <p:notesSz cx="6858000" cy="9144000"/>
@@ -240,7 +234,7 @@
           <a:p>
             <a:fld id="{FA2CC50A-43A6-4274-A20B-DB170B9EC534}" type="datetime1">
               <a:rPr lang="pt-BR" smtClean="0"/>
-              <a:t>25/11/2019</a:t>
+              <a:t>02/12/2019</a:t>
             </a:fld>
             <a:endParaRPr lang="pt-BR"/>
           </a:p>
@@ -420,7 +414,7 @@
             <a:pPr rtl="0"/>
             <a:fld id="{BD6D9943-5E6C-43EB-86FF-EFA0B9817233}" type="datetime1">
               <a:rPr lang="pt-BR" noProof="0" smtClean="0"/>
-              <a:t>25/11/2019</a:t>
+              <a:t>02/12/2019</a:t>
             </a:fld>
             <a:endParaRPr lang="pt-BR" noProof="0"/>
           </a:p>
@@ -757,7 +751,7 @@
             <a:pPr rtl="0"/>
             <a:fld id="{D2D76E09-41B7-FE4E-B099-04DFD58B8CF1}" type="slidenum">
               <a:rPr lang="pt-BR" noProof="0" smtClean="0"/>
-              <a:t>4</a:t>
+              <a:t>2</a:t>
             </a:fld>
             <a:endParaRPr lang="pt-BR" noProof="0"/>
           </a:p>
@@ -842,7 +836,7 @@
             <a:pPr rtl="0"/>
             <a:fld id="{D2D76E09-41B7-FE4E-B099-04DFD58B8CF1}" type="slidenum">
               <a:rPr lang="pt-BR" noProof="0" smtClean="0"/>
-              <a:t>6</a:t>
+              <a:t>3</a:t>
             </a:fld>
             <a:endParaRPr lang="pt-BR" noProof="0"/>
           </a:p>
@@ -851,7 +845,7 @@
     </p:spTree>
     <p:extLst>
       <p:ext uri="{BB962C8B-B14F-4D97-AF65-F5344CB8AC3E}">
-        <p14:creationId xmlns:p14="http://schemas.microsoft.com/office/powerpoint/2010/main" val="704503205"/>
+        <p14:creationId xmlns:p14="http://schemas.microsoft.com/office/powerpoint/2010/main" val="2874804445"/>
       </p:ext>
     </p:extLst>
   </p:cSld>
@@ -927,347 +921,7 @@
             <a:pPr rtl="0"/>
             <a:fld id="{D2D76E09-41B7-FE4E-B099-04DFD58B8CF1}" type="slidenum">
               <a:rPr lang="pt-BR" noProof="0" smtClean="0"/>
-              <a:t>7</a:t>
-            </a:fld>
-            <a:endParaRPr lang="pt-BR" noProof="0"/>
-          </a:p>
-        </p:txBody>
-      </p:sp>
-    </p:spTree>
-    <p:extLst>
-      <p:ext uri="{BB962C8B-B14F-4D97-AF65-F5344CB8AC3E}">
-        <p14:creationId xmlns:p14="http://schemas.microsoft.com/office/powerpoint/2010/main" val="2977895732"/>
-      </p:ext>
-    </p:extLst>
-  </p:cSld>
-  <p:clrMapOvr>
-    <a:masterClrMapping/>
-  </p:clrMapOvr>
-</p:notes>
-</file>
-
-<file path=ppt/notesSlides/notesSlide4.xml><?xml version="1.0" encoding="utf-8"?>
-<p:notes xmlns:a="http://schemas.openxmlformats.org/drawingml/2006/main" xmlns:r="http://schemas.openxmlformats.org/officeDocument/2006/relationships" xmlns:p="http://schemas.openxmlformats.org/presentationml/2006/main">
-  <p:cSld>
-    <p:spTree>
-      <p:nvGrpSpPr>
-        <p:cNvPr id="1" name=""/>
-        <p:cNvGrpSpPr/>
-        <p:nvPr/>
-      </p:nvGrpSpPr>
-      <p:grpSpPr>
-        <a:xfrm>
-          <a:off x="0" y="0"/>
-          <a:ext cx="0" cy="0"/>
-          <a:chOff x="0" y="0"/>
-          <a:chExt cx="0" cy="0"/>
-        </a:xfrm>
-      </p:grpSpPr>
-      <p:sp>
-        <p:nvSpPr>
-          <p:cNvPr id="2" name="Espaço Reservado para Imagem de Slide 1"/>
-          <p:cNvSpPr>
-            <a:spLocks noGrp="1" noRot="1" noChangeAspect="1"/>
-          </p:cNvSpPr>
-          <p:nvPr>
-            <p:ph type="sldImg"/>
-          </p:nvPr>
-        </p:nvSpPr>
-        <p:spPr/>
-      </p:sp>
-      <p:sp>
-        <p:nvSpPr>
-          <p:cNvPr id="3" name="Espaço Reservado para Anotações 2"/>
-          <p:cNvSpPr>
-            <a:spLocks noGrp="1"/>
-          </p:cNvSpPr>
-          <p:nvPr>
-            <p:ph type="body" idx="1"/>
-          </p:nvPr>
-        </p:nvSpPr>
-        <p:spPr/>
-        <p:txBody>
-          <a:bodyPr/>
-          <a:lstStyle/>
-          <a:p>
-            <a:endParaRPr lang="pt-BR"/>
-          </a:p>
-        </p:txBody>
-      </p:sp>
-      <p:sp>
-        <p:nvSpPr>
-          <p:cNvPr id="4" name="Espaço Reservado para Número de Slide 3"/>
-          <p:cNvSpPr>
-            <a:spLocks noGrp="1"/>
-          </p:cNvSpPr>
-          <p:nvPr>
-            <p:ph type="sldNum" sz="quarter" idx="5"/>
-          </p:nvPr>
-        </p:nvSpPr>
-        <p:spPr/>
-        <p:txBody>
-          <a:bodyPr/>
-          <a:lstStyle/>
-          <a:p>
-            <a:pPr rtl="0"/>
-            <a:fld id="{D2D76E09-41B7-FE4E-B099-04DFD58B8CF1}" type="slidenum">
-              <a:rPr lang="pt-BR" noProof="0" smtClean="0"/>
-              <a:t>8</a:t>
-            </a:fld>
-            <a:endParaRPr lang="pt-BR" noProof="0"/>
-          </a:p>
-        </p:txBody>
-      </p:sp>
-    </p:spTree>
-    <p:extLst>
-      <p:ext uri="{BB962C8B-B14F-4D97-AF65-F5344CB8AC3E}">
-        <p14:creationId xmlns:p14="http://schemas.microsoft.com/office/powerpoint/2010/main" val="223091014"/>
-      </p:ext>
-    </p:extLst>
-  </p:cSld>
-  <p:clrMapOvr>
-    <a:masterClrMapping/>
-  </p:clrMapOvr>
-</p:notes>
-</file>
-
-<file path=ppt/notesSlides/notesSlide5.xml><?xml version="1.0" encoding="utf-8"?>
-<p:notes xmlns:a="http://schemas.openxmlformats.org/drawingml/2006/main" xmlns:r="http://schemas.openxmlformats.org/officeDocument/2006/relationships" xmlns:p="http://schemas.openxmlformats.org/presentationml/2006/main">
-  <p:cSld>
-    <p:spTree>
-      <p:nvGrpSpPr>
-        <p:cNvPr id="1" name=""/>
-        <p:cNvGrpSpPr/>
-        <p:nvPr/>
-      </p:nvGrpSpPr>
-      <p:grpSpPr>
-        <a:xfrm>
-          <a:off x="0" y="0"/>
-          <a:ext cx="0" cy="0"/>
-          <a:chOff x="0" y="0"/>
-          <a:chExt cx="0" cy="0"/>
-        </a:xfrm>
-      </p:grpSpPr>
-      <p:sp>
-        <p:nvSpPr>
-          <p:cNvPr id="2" name="Espaço Reservado para Imagem de Slide 1"/>
-          <p:cNvSpPr>
-            <a:spLocks noGrp="1" noRot="1" noChangeAspect="1"/>
-          </p:cNvSpPr>
-          <p:nvPr>
-            <p:ph type="sldImg"/>
-          </p:nvPr>
-        </p:nvSpPr>
-        <p:spPr/>
-      </p:sp>
-      <p:sp>
-        <p:nvSpPr>
-          <p:cNvPr id="3" name="Espaço Reservado para Anotações 2"/>
-          <p:cNvSpPr>
-            <a:spLocks noGrp="1"/>
-          </p:cNvSpPr>
-          <p:nvPr>
-            <p:ph type="body" idx="1"/>
-          </p:nvPr>
-        </p:nvSpPr>
-        <p:spPr/>
-        <p:txBody>
-          <a:bodyPr/>
-          <a:lstStyle/>
-          <a:p>
-            <a:endParaRPr lang="pt-BR"/>
-          </a:p>
-        </p:txBody>
-      </p:sp>
-      <p:sp>
-        <p:nvSpPr>
-          <p:cNvPr id="4" name="Espaço Reservado para Número de Slide 3"/>
-          <p:cNvSpPr>
-            <a:spLocks noGrp="1"/>
-          </p:cNvSpPr>
-          <p:nvPr>
-            <p:ph type="sldNum" sz="quarter" idx="5"/>
-          </p:nvPr>
-        </p:nvSpPr>
-        <p:spPr/>
-        <p:txBody>
-          <a:bodyPr/>
-          <a:lstStyle/>
-          <a:p>
-            <a:pPr rtl="0"/>
-            <a:fld id="{D2D76E09-41B7-FE4E-B099-04DFD58B8CF1}" type="slidenum">
-              <a:rPr lang="pt-BR" noProof="0" smtClean="0"/>
               <a:t>9</a:t>
-            </a:fld>
-            <a:endParaRPr lang="pt-BR" noProof="0"/>
-          </a:p>
-        </p:txBody>
-      </p:sp>
-    </p:spTree>
-    <p:extLst>
-      <p:ext uri="{BB962C8B-B14F-4D97-AF65-F5344CB8AC3E}">
-        <p14:creationId xmlns:p14="http://schemas.microsoft.com/office/powerpoint/2010/main" val="3931037829"/>
-      </p:ext>
-    </p:extLst>
-  </p:cSld>
-  <p:clrMapOvr>
-    <a:masterClrMapping/>
-  </p:clrMapOvr>
-</p:notes>
-</file>
-
-<file path=ppt/notesSlides/notesSlide6.xml><?xml version="1.0" encoding="utf-8"?>
-<p:notes xmlns:a="http://schemas.openxmlformats.org/drawingml/2006/main" xmlns:r="http://schemas.openxmlformats.org/officeDocument/2006/relationships" xmlns:p="http://schemas.openxmlformats.org/presentationml/2006/main">
-  <p:cSld>
-    <p:spTree>
-      <p:nvGrpSpPr>
-        <p:cNvPr id="1" name=""/>
-        <p:cNvGrpSpPr/>
-        <p:nvPr/>
-      </p:nvGrpSpPr>
-      <p:grpSpPr>
-        <a:xfrm>
-          <a:off x="0" y="0"/>
-          <a:ext cx="0" cy="0"/>
-          <a:chOff x="0" y="0"/>
-          <a:chExt cx="0" cy="0"/>
-        </a:xfrm>
-      </p:grpSpPr>
-      <p:sp>
-        <p:nvSpPr>
-          <p:cNvPr id="2" name="Espaço Reservado para Imagem de Slide 1"/>
-          <p:cNvSpPr>
-            <a:spLocks noGrp="1" noRot="1" noChangeAspect="1"/>
-          </p:cNvSpPr>
-          <p:nvPr>
-            <p:ph type="sldImg"/>
-          </p:nvPr>
-        </p:nvSpPr>
-        <p:spPr/>
-      </p:sp>
-      <p:sp>
-        <p:nvSpPr>
-          <p:cNvPr id="3" name="Espaço Reservado para Anotações 2"/>
-          <p:cNvSpPr>
-            <a:spLocks noGrp="1"/>
-          </p:cNvSpPr>
-          <p:nvPr>
-            <p:ph type="body" idx="1"/>
-          </p:nvPr>
-        </p:nvSpPr>
-        <p:spPr/>
-        <p:txBody>
-          <a:bodyPr/>
-          <a:lstStyle/>
-          <a:p>
-            <a:endParaRPr lang="pt-BR"/>
-          </a:p>
-        </p:txBody>
-      </p:sp>
-      <p:sp>
-        <p:nvSpPr>
-          <p:cNvPr id="4" name="Espaço Reservado para Número de Slide 3"/>
-          <p:cNvSpPr>
-            <a:spLocks noGrp="1"/>
-          </p:cNvSpPr>
-          <p:nvPr>
-            <p:ph type="sldNum" sz="quarter" idx="5"/>
-          </p:nvPr>
-        </p:nvSpPr>
-        <p:spPr/>
-        <p:txBody>
-          <a:bodyPr/>
-          <a:lstStyle/>
-          <a:p>
-            <a:pPr rtl="0"/>
-            <a:fld id="{D2D76E09-41B7-FE4E-B099-04DFD58B8CF1}" type="slidenum">
-              <a:rPr lang="pt-BR" noProof="0" smtClean="0"/>
-              <a:t>10</a:t>
-            </a:fld>
-            <a:endParaRPr lang="pt-BR" noProof="0"/>
-          </a:p>
-        </p:txBody>
-      </p:sp>
-    </p:spTree>
-    <p:extLst>
-      <p:ext uri="{BB962C8B-B14F-4D97-AF65-F5344CB8AC3E}">
-        <p14:creationId xmlns:p14="http://schemas.microsoft.com/office/powerpoint/2010/main" val="772971401"/>
-      </p:ext>
-    </p:extLst>
-  </p:cSld>
-  <p:clrMapOvr>
-    <a:masterClrMapping/>
-  </p:clrMapOvr>
-</p:notes>
-</file>
-
-<file path=ppt/notesSlides/notesSlide7.xml><?xml version="1.0" encoding="utf-8"?>
-<p:notes xmlns:a="http://schemas.openxmlformats.org/drawingml/2006/main" xmlns:r="http://schemas.openxmlformats.org/officeDocument/2006/relationships" xmlns:p="http://schemas.openxmlformats.org/presentationml/2006/main">
-  <p:cSld>
-    <p:spTree>
-      <p:nvGrpSpPr>
-        <p:cNvPr id="1" name=""/>
-        <p:cNvGrpSpPr/>
-        <p:nvPr/>
-      </p:nvGrpSpPr>
-      <p:grpSpPr>
-        <a:xfrm>
-          <a:off x="0" y="0"/>
-          <a:ext cx="0" cy="0"/>
-          <a:chOff x="0" y="0"/>
-          <a:chExt cx="0" cy="0"/>
-        </a:xfrm>
-      </p:grpSpPr>
-      <p:sp>
-        <p:nvSpPr>
-          <p:cNvPr id="2" name="Espaço Reservado para Imagem de Slide 1"/>
-          <p:cNvSpPr>
-            <a:spLocks noGrp="1" noRot="1" noChangeAspect="1"/>
-          </p:cNvSpPr>
-          <p:nvPr>
-            <p:ph type="sldImg"/>
-          </p:nvPr>
-        </p:nvSpPr>
-        <p:spPr/>
-      </p:sp>
-      <p:sp>
-        <p:nvSpPr>
-          <p:cNvPr id="3" name="Espaço Reservado para Anotações 2"/>
-          <p:cNvSpPr>
-            <a:spLocks noGrp="1"/>
-          </p:cNvSpPr>
-          <p:nvPr>
-            <p:ph type="body" idx="1"/>
-          </p:nvPr>
-        </p:nvSpPr>
-        <p:spPr/>
-        <p:txBody>
-          <a:bodyPr/>
-          <a:lstStyle/>
-          <a:p>
-            <a:endParaRPr lang="pt-BR"/>
-          </a:p>
-        </p:txBody>
-      </p:sp>
-      <p:sp>
-        <p:nvSpPr>
-          <p:cNvPr id="4" name="Espaço Reservado para Número de Slide 3"/>
-          <p:cNvSpPr>
-            <a:spLocks noGrp="1"/>
-          </p:cNvSpPr>
-          <p:nvPr>
-            <p:ph type="sldNum" sz="quarter" idx="5"/>
-          </p:nvPr>
-        </p:nvSpPr>
-        <p:spPr/>
-        <p:txBody>
-          <a:bodyPr/>
-          <a:lstStyle/>
-          <a:p>
-            <a:pPr rtl="0"/>
-            <a:fld id="{D2D76E09-41B7-FE4E-B099-04DFD58B8CF1}" type="slidenum">
-              <a:rPr lang="pt-BR" noProof="0" smtClean="0"/>
-              <a:t>14</a:t>
             </a:fld>
             <a:endParaRPr lang="pt-BR" noProof="0"/>
           </a:p>
@@ -1277,91 +931,6 @@
     <p:extLst>
       <p:ext uri="{BB962C8B-B14F-4D97-AF65-F5344CB8AC3E}">
         <p14:creationId xmlns:p14="http://schemas.microsoft.com/office/powerpoint/2010/main" val="2805412900"/>
-      </p:ext>
-    </p:extLst>
-  </p:cSld>
-  <p:clrMapOvr>
-    <a:masterClrMapping/>
-  </p:clrMapOvr>
-</p:notes>
-</file>
-
-<file path=ppt/notesSlides/notesSlide8.xml><?xml version="1.0" encoding="utf-8"?>
-<p:notes xmlns:a="http://schemas.openxmlformats.org/drawingml/2006/main" xmlns:r="http://schemas.openxmlformats.org/officeDocument/2006/relationships" xmlns:p="http://schemas.openxmlformats.org/presentationml/2006/main">
-  <p:cSld>
-    <p:spTree>
-      <p:nvGrpSpPr>
-        <p:cNvPr id="1" name=""/>
-        <p:cNvGrpSpPr/>
-        <p:nvPr/>
-      </p:nvGrpSpPr>
-      <p:grpSpPr>
-        <a:xfrm>
-          <a:off x="0" y="0"/>
-          <a:ext cx="0" cy="0"/>
-          <a:chOff x="0" y="0"/>
-          <a:chExt cx="0" cy="0"/>
-        </a:xfrm>
-      </p:grpSpPr>
-      <p:sp>
-        <p:nvSpPr>
-          <p:cNvPr id="2" name="Espaço Reservado para Imagem de Slide 1"/>
-          <p:cNvSpPr>
-            <a:spLocks noGrp="1" noRot="1" noChangeAspect="1"/>
-          </p:cNvSpPr>
-          <p:nvPr>
-            <p:ph type="sldImg"/>
-          </p:nvPr>
-        </p:nvSpPr>
-        <p:spPr/>
-      </p:sp>
-      <p:sp>
-        <p:nvSpPr>
-          <p:cNvPr id="3" name="Espaço Reservado para Anotações 2"/>
-          <p:cNvSpPr>
-            <a:spLocks noGrp="1"/>
-          </p:cNvSpPr>
-          <p:nvPr>
-            <p:ph type="body" idx="1"/>
-          </p:nvPr>
-        </p:nvSpPr>
-        <p:spPr/>
-        <p:txBody>
-          <a:bodyPr/>
-          <a:lstStyle/>
-          <a:p>
-            <a:endParaRPr lang="pt-BR"/>
-          </a:p>
-        </p:txBody>
-      </p:sp>
-      <p:sp>
-        <p:nvSpPr>
-          <p:cNvPr id="4" name="Espaço Reservado para Número de Slide 3"/>
-          <p:cNvSpPr>
-            <a:spLocks noGrp="1"/>
-          </p:cNvSpPr>
-          <p:nvPr>
-            <p:ph type="sldNum" sz="quarter" idx="5"/>
-          </p:nvPr>
-        </p:nvSpPr>
-        <p:spPr/>
-        <p:txBody>
-          <a:bodyPr/>
-          <a:lstStyle/>
-          <a:p>
-            <a:pPr rtl="0"/>
-            <a:fld id="{D2D76E09-41B7-FE4E-B099-04DFD58B8CF1}" type="slidenum">
-              <a:rPr lang="pt-BR" noProof="0" smtClean="0"/>
-              <a:t>15</a:t>
-            </a:fld>
-            <a:endParaRPr lang="pt-BR" noProof="0"/>
-          </a:p>
-        </p:txBody>
-      </p:sp>
-    </p:spTree>
-    <p:extLst>
-      <p:ext uri="{BB962C8B-B14F-4D97-AF65-F5344CB8AC3E}">
-        <p14:creationId xmlns:p14="http://schemas.microsoft.com/office/powerpoint/2010/main" val="3464249628"/>
       </p:ext>
     </p:extLst>
   </p:cSld>
@@ -1776,7 +1345,7 @@
             <a:pPr rtl="0"/>
             <a:fld id="{018521D4-4839-4FF4-8B9B-C6E4D997C32F}" type="datetime1">
               <a:rPr lang="pt-BR" noProof="0" smtClean="0"/>
-              <a:t>25/11/2019</a:t>
+              <a:t>02/12/2019</a:t>
             </a:fld>
             <a:endParaRPr lang="pt-BR" noProof="0"/>
           </a:p>
@@ -1959,7 +1528,7 @@
             <a:pPr rtl="0"/>
             <a:fld id="{E56CDC8E-462F-4EEF-812A-DDDCE85FAB96}" type="datetime1">
               <a:rPr lang="pt-BR" noProof="0" smtClean="0"/>
-              <a:t>25/11/2019</a:t>
+              <a:t>02/12/2019</a:t>
             </a:fld>
             <a:endParaRPr lang="pt-BR" noProof="0"/>
           </a:p>
@@ -2142,7 +1711,7 @@
             <a:pPr rtl="0"/>
             <a:fld id="{98F09F5C-5867-4A27-AFE6-C7787B5E9B6E}" type="datetime1">
               <a:rPr lang="pt-BR" noProof="0" smtClean="0"/>
-              <a:t>25/11/2019</a:t>
+              <a:t>02/12/2019</a:t>
             </a:fld>
             <a:endParaRPr lang="pt-BR" noProof="0"/>
           </a:p>
@@ -2315,7 +1884,7 @@
             <a:pPr rtl="0"/>
             <a:fld id="{60990B45-A0A2-439A-9469-5284946DA274}" type="datetime1">
               <a:rPr lang="pt-BR" noProof="0" smtClean="0"/>
-              <a:t>25/11/2019</a:t>
+              <a:t>02/12/2019</a:t>
             </a:fld>
             <a:endParaRPr lang="pt-BR" noProof="0"/>
           </a:p>
@@ -2631,7 +2200,7 @@
             <a:pPr rtl="0"/>
             <a:fld id="{3D232905-4440-4C49-A8D2-492EFEAB3503}" type="datetime1">
               <a:rPr lang="pt-BR" noProof="0" smtClean="0"/>
-              <a:t>25/11/2019</a:t>
+              <a:t>02/12/2019</a:t>
             </a:fld>
             <a:endParaRPr lang="pt-BR" noProof="0"/>
           </a:p>
@@ -3021,7 +2590,7 @@
             <a:pPr rtl="0"/>
             <a:fld id="{48962788-0C02-4BD6-93C0-F7B211020AE3}" type="datetime1">
               <a:rPr lang="pt-BR" noProof="0" smtClean="0"/>
-              <a:t>25/11/2019</a:t>
+              <a:t>02/12/2019</a:t>
             </a:fld>
             <a:endParaRPr lang="pt-BR" noProof="0"/>
           </a:p>
@@ -3459,7 +3028,7 @@
             <a:pPr rtl="0"/>
             <a:fld id="{419386B8-950A-4FB3-805E-01B8ADD36D46}" type="datetime1">
               <a:rPr lang="pt-BR" noProof="0" smtClean="0"/>
-              <a:t>25/11/2019</a:t>
+              <a:t>02/12/2019</a:t>
             </a:fld>
             <a:endParaRPr lang="pt-BR" noProof="0"/>
           </a:p>
@@ -3581,7 +3150,7 @@
             <a:pPr rtl="0"/>
             <a:fld id="{6A660A43-22D5-4B92-9212-FD956472AAFD}" type="datetime1">
               <a:rPr lang="pt-BR" noProof="0" smtClean="0"/>
-              <a:t>25/11/2019</a:t>
+              <a:t>02/12/2019</a:t>
             </a:fld>
             <a:endParaRPr lang="pt-BR" noProof="0"/>
           </a:p>
@@ -3679,7 +3248,7 @@
             <a:pPr rtl="0"/>
             <a:fld id="{6FA94E12-43CB-4D95-BC73-917729CDF5AC}" type="datetime1">
               <a:rPr lang="pt-BR" noProof="0" smtClean="0"/>
-              <a:t>25/11/2019</a:t>
+              <a:t>02/12/2019</a:t>
             </a:fld>
             <a:endParaRPr lang="pt-BR" noProof="0"/>
           </a:p>
@@ -4032,7 +3601,7 @@
             <a:pPr rtl="0"/>
             <a:fld id="{261637D2-EA32-4D31-9A90-69655BFD2AED}" type="datetime1">
               <a:rPr lang="pt-BR" noProof="0" smtClean="0"/>
-              <a:t>25/11/2019</a:t>
+              <a:t>02/12/2019</a:t>
             </a:fld>
             <a:endParaRPr lang="pt-BR" noProof="0"/>
           </a:p>
@@ -4461,7 +4030,7 @@
             <a:pPr rtl="0"/>
             <a:fld id="{B5C69DF7-AE4C-4665-B283-4EB1A5214943}" type="datetime1">
               <a:rPr lang="pt-BR" noProof="0" smtClean="0"/>
-              <a:t>25/11/2019</a:t>
+              <a:t>02/12/2019</a:t>
             </a:fld>
             <a:endParaRPr lang="pt-BR" noProof="0"/>
           </a:p>
@@ -4743,7 +4312,7 @@
             <a:pPr rtl="0"/>
             <a:fld id="{3A822A65-87B9-4D1E-AAF3-6A229DA63429}" type="datetime1">
               <a:rPr lang="pt-BR" noProof="0" smtClean="0"/>
-              <a:t>25/11/2019</a:t>
+              <a:t>02/12/2019</a:t>
             </a:fld>
             <a:endParaRPr lang="pt-BR" noProof="0"/>
           </a:p>
@@ -5397,7 +4966,7 @@
 </p:sld>
 </file>
 
-<file path=ppt/slides/slide10.xml><?xml version="1.0" encoding="utf-8"?>
+<file path=ppt/slides/slide2.xml><?xml version="1.0" encoding="utf-8"?>
 <p:sld xmlns:a="http://schemas.openxmlformats.org/drawingml/2006/main" xmlns:r="http://schemas.openxmlformats.org/officeDocument/2006/relationships" xmlns:p="http://schemas.openxmlformats.org/presentationml/2006/main">
   <p:cSld>
     <p:bg>
@@ -5649,3147 +5218,6 @@
           <a:p>
             <a:pPr algn="ctr" rtl="0"/>
             <a:endParaRPr lang="pt-BR" dirty="0"/>
-          </a:p>
-        </p:txBody>
-      </p:sp>
-      <p:sp>
-        <p:nvSpPr>
-          <p:cNvPr id="2" name="Título 1">
-            <a:extLst>
-              <a:ext uri="{FF2B5EF4-FFF2-40B4-BE49-F238E27FC236}">
-                <a16:creationId xmlns:a16="http://schemas.microsoft.com/office/drawing/2014/main" id="{23F6D5E8-15CF-4755-910B-1B5A1E777357}"/>
-              </a:ext>
-            </a:extLst>
-          </p:cNvPr>
-          <p:cNvSpPr>
-            <a:spLocks noGrp="1"/>
-          </p:cNvSpPr>
-          <p:nvPr>
-            <p:ph type="title"/>
-          </p:nvPr>
-        </p:nvSpPr>
-        <p:spPr>
-          <a:xfrm>
-            <a:off x="-7619" y="-1"/>
-            <a:ext cx="9099068" cy="735726"/>
-          </a:xfrm>
-        </p:spPr>
-        <p:txBody>
-          <a:bodyPr rtlCol="0">
-            <a:normAutofit/>
-          </a:bodyPr>
-          <a:lstStyle/>
-          <a:p>
-            <a:pPr rtl="0"/>
-            <a:r>
-              <a:rPr lang="pt-BR" sz="3600" dirty="0" smtClean="0"/>
-              <a:t>legumes</a:t>
-            </a:r>
-            <a:endParaRPr lang="pt-BR" sz="3600" dirty="0"/>
-          </a:p>
-        </p:txBody>
-      </p:sp>
-      <p:grpSp>
-        <p:nvGrpSpPr>
-          <p:cNvPr id="24" name="Grupo 17">
-            <a:extLst>
-              <a:ext uri="{FF2B5EF4-FFF2-40B4-BE49-F238E27FC236}">
-                <a16:creationId xmlns:a16="http://schemas.microsoft.com/office/drawing/2014/main" id="{46FDAED0-8B04-4181-B3D3-EA0A93C6659B}"/>
-              </a:ext>
-              <a:ext uri="{C183D7F6-B498-43B3-948B-1728B52AA6E4}">
-                <adec:decorative xmlns="" xmlns:adec="http://schemas.microsoft.com/office/drawing/2017/decorative" val="1"/>
-              </a:ext>
-            </a:extLst>
-          </p:cNvPr>
-          <p:cNvGrpSpPr>
-            <a:grpSpLocks noGrp="1" noUngrp="1" noRot="1" noChangeAspect="1" noMove="1" noResize="1"/>
-          </p:cNvGrpSpPr>
-          <p:nvPr>
-            <p:extLst>
-              <p:ext uri="{386F3935-93C4-4BCD-93E2-E3B085C9AB24}">
-                <p16:designElem xmlns:p16="http://schemas.microsoft.com/office/powerpoint/2015/main" val="1"/>
-              </p:ext>
-            </p:extLst>
-          </p:nvPr>
-        </p:nvGrpSpPr>
-        <p:grpSpPr>
-          <a:xfrm>
-            <a:off x="11401725" y="6229681"/>
-            <a:ext cx="457200" cy="457200"/>
-            <a:chOff x="11361456" y="6195813"/>
-            <a:chExt cx="548640" cy="548640"/>
-          </a:xfrm>
-        </p:grpSpPr>
-        <p:sp>
-          <p:nvSpPr>
-            <p:cNvPr id="19" name="Oval 18">
-              <a:extLst>
-                <a:ext uri="{FF2B5EF4-FFF2-40B4-BE49-F238E27FC236}">
-                  <a16:creationId xmlns:a16="http://schemas.microsoft.com/office/drawing/2014/main" id="{161B6F0D-567B-4CFA-BF50-79FDAC6EBDC8}"/>
-                </a:ext>
-                <a:ext uri="{C183D7F6-B498-43B3-948B-1728B52AA6E4}">
-                  <adec:decorative xmlns="" xmlns:adec="http://schemas.microsoft.com/office/drawing/2017/decorative" val="1"/>
-                </a:ext>
-              </a:extLst>
-            </p:cNvPr>
-            <p:cNvSpPr/>
-            <p:nvPr>
-              <p:extLst>
-                <p:ext uri="{386F3935-93C4-4BCD-93E2-E3B085C9AB24}">
-                  <p16:designElem xmlns:p16="http://schemas.microsoft.com/office/powerpoint/2015/main" val="1"/>
-                </p:ext>
-              </p:extLst>
-            </p:nvPr>
-          </p:nvSpPr>
-          <p:spPr>
-            <a:xfrm>
-              <a:off x="11361456" y="6195813"/>
-              <a:ext cx="548640" cy="548640"/>
-            </a:xfrm>
-            <a:prstGeom prst="ellipse">
-              <a:avLst/>
-            </a:prstGeom>
-            <a:blipFill dpi="0" rotWithShape="1">
-              <a:blip r:embed="rId4">
-                <a:duotone>
-                  <a:schemeClr val="accent1">
-                    <a:shade val="45000"/>
-                    <a:satMod val="135000"/>
-                  </a:schemeClr>
-                  <a:prstClr val="white"/>
-                </a:duotone>
-                <a:extLst/>
-              </a:blip>
-              <a:srcRect/>
-              <a:tile tx="50800" ty="0" sx="85000" sy="85000" flip="none" algn="tl"/>
-            </a:blipFill>
-            <a:ln w="25400" cap="flat" cmpd="sng" algn="ctr">
-              <a:noFill/>
-              <a:prstDash val="solid"/>
-            </a:ln>
-            <a:effectLst/>
-          </p:spPr>
-          <p:txBody>
-            <a:bodyPr lIns="0" tIns="0" rIns="0" bIns="0" rtlCol="0" anchor="ctr"/>
-            <a:lstStyle/>
-            <a:p>
-              <a:pPr marL="0" marR="0" lvl="0" indent="0" algn="ctr" defTabSz="914400" rtl="0" eaLnBrk="1" fontAlgn="auto" latinLnBrk="0" hangingPunct="1">
-                <a:lnSpc>
-                  <a:spcPct val="100000"/>
-                </a:lnSpc>
-                <a:spcBef>
-                  <a:spcPts val="0"/>
-                </a:spcBef>
-                <a:spcAft>
-                  <a:spcPts val="0"/>
-                </a:spcAft>
-                <a:buClrTx/>
-                <a:buSzTx/>
-                <a:buFontTx/>
-                <a:buNone/>
-                <a:tabLst/>
-                <a:defRPr/>
-              </a:pPr>
-              <a:endParaRPr kumimoji="0" lang="pt-BR" sz="2000" b="0" i="0" u="none" strike="noStrike" kern="0" cap="none" spc="0" normalizeH="0" baseline="0" dirty="0">
-                <a:ln>
-                  <a:noFill/>
-                </a:ln>
-                <a:solidFill>
-                  <a:prstClr val="white"/>
-                </a:solidFill>
-                <a:effectLst/>
-                <a:uLnTx/>
-                <a:uFillTx/>
-                <a:latin typeface="Rockwell Extra Bold" pitchFamily="18" charset="0"/>
-                <a:ea typeface="+mn-ea"/>
-                <a:cs typeface="+mn-cs"/>
-              </a:endParaRPr>
-            </a:p>
-          </p:txBody>
-        </p:sp>
-        <p:sp>
-          <p:nvSpPr>
-            <p:cNvPr id="20" name="Oval 19">
-              <a:extLst>
-                <a:ext uri="{FF2B5EF4-FFF2-40B4-BE49-F238E27FC236}">
-                  <a16:creationId xmlns:a16="http://schemas.microsoft.com/office/drawing/2014/main" id="{8CE5D194-0A7E-49A6-B737-F71C1B3960DA}"/>
-                </a:ext>
-                <a:ext uri="{C183D7F6-B498-43B3-948B-1728B52AA6E4}">
-                  <adec:decorative xmlns="" xmlns:adec="http://schemas.microsoft.com/office/drawing/2017/decorative" val="1"/>
-                </a:ext>
-              </a:extLst>
-            </p:cNvPr>
-            <p:cNvSpPr/>
-            <p:nvPr>
-              <p:extLst>
-                <p:ext uri="{386F3935-93C4-4BCD-93E2-E3B085C9AB24}">
-                  <p16:designElem xmlns:p16="http://schemas.microsoft.com/office/powerpoint/2015/main" val="1"/>
-                </p:ext>
-              </p:extLst>
-            </p:nvPr>
-          </p:nvSpPr>
-          <p:spPr>
-            <a:xfrm>
-              <a:off x="11396488" y="6230844"/>
-              <a:ext cx="478576" cy="478578"/>
-            </a:xfrm>
-            <a:prstGeom prst="ellipse">
-              <a:avLst/>
-            </a:prstGeom>
-            <a:noFill/>
-            <a:ln w="12700" cap="flat" cmpd="sng" algn="ctr">
-              <a:solidFill>
-                <a:srgbClr val="FFFFFF"/>
-              </a:solidFill>
-              <a:prstDash val="solid"/>
-            </a:ln>
-            <a:effectLst/>
-          </p:spPr>
-          <p:txBody>
-            <a:bodyPr rtlCol="0" anchor="ctr"/>
-            <a:lstStyle/>
-            <a:p>
-              <a:pPr marL="0" marR="0" lvl="0" indent="0" algn="ctr" defTabSz="914400" rtl="0" eaLnBrk="1" fontAlgn="auto" latinLnBrk="0" hangingPunct="1">
-                <a:lnSpc>
-                  <a:spcPct val="100000"/>
-                </a:lnSpc>
-                <a:spcBef>
-                  <a:spcPts val="0"/>
-                </a:spcBef>
-                <a:spcAft>
-                  <a:spcPts val="0"/>
-                </a:spcAft>
-                <a:buClrTx/>
-                <a:buSzTx/>
-                <a:buFontTx/>
-                <a:buNone/>
-                <a:tabLst/>
-                <a:defRPr/>
-              </a:pPr>
-              <a:endParaRPr kumimoji="0" lang="pt-BR" sz="1800" b="0" i="0" u="none" strike="noStrike" kern="0" cap="none" spc="0" normalizeH="0" baseline="0" dirty="0">
-                <a:ln>
-                  <a:noFill/>
-                </a:ln>
-                <a:solidFill>
-                  <a:prstClr val="white"/>
-                </a:solidFill>
-                <a:effectLst/>
-                <a:uLnTx/>
-                <a:uFillTx/>
-                <a:latin typeface="Calibri"/>
-                <a:ea typeface="+mn-ea"/>
-                <a:cs typeface="+mn-cs"/>
-              </a:endParaRPr>
-            </a:p>
-          </p:txBody>
-        </p:sp>
-      </p:grpSp>
-      <p:pic>
-        <p:nvPicPr>
-          <p:cNvPr id="4" name="Imagem 3"/>
-          <p:cNvPicPr>
-            <a:picLocks noChangeAspect="1"/>
-          </p:cNvPicPr>
-          <p:nvPr/>
-        </p:nvPicPr>
-        <p:blipFill>
-          <a:blip r:embed="rId5">
-            <a:extLst>
-              <a:ext uri="{28A0092B-C50C-407E-A947-70E740481C1C}">
-                <a14:useLocalDpi xmlns:a14="http://schemas.microsoft.com/office/drawing/2010/main" val="0"/>
-              </a:ext>
-            </a:extLst>
-          </a:blip>
-          <a:stretch>
-            <a:fillRect/>
-          </a:stretch>
-        </p:blipFill>
-        <p:spPr>
-          <a:xfrm>
-            <a:off x="-140471" y="662265"/>
-            <a:ext cx="12331120" cy="6195735"/>
-          </a:xfrm>
-          <a:prstGeom prst="rect">
-            <a:avLst/>
-          </a:prstGeom>
-        </p:spPr>
-      </p:pic>
-    </p:spTree>
-    <p:extLst>
-      <p:ext uri="{BB962C8B-B14F-4D97-AF65-F5344CB8AC3E}">
-        <p14:creationId xmlns:p14="http://schemas.microsoft.com/office/powerpoint/2010/main" val="896842834"/>
-      </p:ext>
-    </p:extLst>
-  </p:cSld>
-  <p:clrMapOvr>
-    <a:masterClrMapping/>
-  </p:clrMapOvr>
-  <p:timing>
-    <p:tnLst>
-      <p:par>
-        <p:cTn id="1" dur="indefinite" restart="never" nodeType="tmRoot"/>
-      </p:par>
-    </p:tnLst>
-  </p:timing>
-</p:sld>
-</file>
-
-<file path=ppt/slides/slide11.xml><?xml version="1.0" encoding="utf-8"?>
-<p:sld xmlns:a="http://schemas.openxmlformats.org/drawingml/2006/main" xmlns:r="http://schemas.openxmlformats.org/officeDocument/2006/relationships" xmlns:p="http://schemas.openxmlformats.org/presentationml/2006/main">
-  <p:cSld>
-    <p:spTree>
-      <p:nvGrpSpPr>
-        <p:cNvPr id="1" name=""/>
-        <p:cNvGrpSpPr/>
-        <p:nvPr/>
-      </p:nvGrpSpPr>
-      <p:grpSpPr>
-        <a:xfrm>
-          <a:off x="0" y="0"/>
-          <a:ext cx="0" cy="0"/>
-          <a:chOff x="0" y="0"/>
-          <a:chExt cx="0" cy="0"/>
-        </a:xfrm>
-      </p:grpSpPr>
-      <p:pic>
-        <p:nvPicPr>
-          <p:cNvPr id="5" name="Imagem 4"/>
-          <p:cNvPicPr>
-            <a:picLocks noChangeAspect="1"/>
-          </p:cNvPicPr>
-          <p:nvPr/>
-        </p:nvPicPr>
-        <p:blipFill>
-          <a:blip r:embed="rId2">
-            <a:extLst>
-              <a:ext uri="{28A0092B-C50C-407E-A947-70E740481C1C}">
-                <a14:useLocalDpi xmlns:a14="http://schemas.microsoft.com/office/drawing/2010/main" val="0"/>
-              </a:ext>
-            </a:extLst>
-          </a:blip>
-          <a:stretch>
-            <a:fillRect/>
-          </a:stretch>
-        </p:blipFill>
-        <p:spPr>
-          <a:xfrm>
-            <a:off x="-17912" y="1"/>
-            <a:ext cx="12227826" cy="6858000"/>
-          </a:xfrm>
-          <a:prstGeom prst="rect">
-            <a:avLst/>
-          </a:prstGeom>
-        </p:spPr>
-      </p:pic>
-    </p:spTree>
-    <p:extLst>
-      <p:ext uri="{BB962C8B-B14F-4D97-AF65-F5344CB8AC3E}">
-        <p14:creationId xmlns:p14="http://schemas.microsoft.com/office/powerpoint/2010/main" val="2565620711"/>
-      </p:ext>
-    </p:extLst>
-  </p:cSld>
-  <p:clrMapOvr>
-    <a:masterClrMapping/>
-  </p:clrMapOvr>
-  <p:timing>
-    <p:tnLst>
-      <p:par>
-        <p:cTn id="1" dur="indefinite" restart="never" nodeType="tmRoot"/>
-      </p:par>
-    </p:tnLst>
-  </p:timing>
-</p:sld>
-</file>
-
-<file path=ppt/slides/slide12.xml><?xml version="1.0" encoding="utf-8"?>
-<p:sld xmlns:a="http://schemas.openxmlformats.org/drawingml/2006/main" xmlns:r="http://schemas.openxmlformats.org/officeDocument/2006/relationships" xmlns:p="http://schemas.openxmlformats.org/presentationml/2006/main">
-  <p:cSld>
-    <p:spTree>
-      <p:nvGrpSpPr>
-        <p:cNvPr id="1" name=""/>
-        <p:cNvGrpSpPr/>
-        <p:nvPr/>
-      </p:nvGrpSpPr>
-      <p:grpSpPr>
-        <a:xfrm>
-          <a:off x="0" y="0"/>
-          <a:ext cx="0" cy="0"/>
-          <a:chOff x="0" y="0"/>
-          <a:chExt cx="0" cy="0"/>
-        </a:xfrm>
-      </p:grpSpPr>
-      <p:pic>
-        <p:nvPicPr>
-          <p:cNvPr id="5" name="Imagem 4"/>
-          <p:cNvPicPr>
-            <a:picLocks noChangeAspect="1"/>
-          </p:cNvPicPr>
-          <p:nvPr/>
-        </p:nvPicPr>
-        <p:blipFill>
-          <a:blip r:embed="rId2">
-            <a:extLst>
-              <a:ext uri="{28A0092B-C50C-407E-A947-70E740481C1C}">
-                <a14:useLocalDpi xmlns:a14="http://schemas.microsoft.com/office/drawing/2010/main" val="0"/>
-              </a:ext>
-            </a:extLst>
-          </a:blip>
-          <a:stretch>
-            <a:fillRect/>
-          </a:stretch>
-        </p:blipFill>
-        <p:spPr>
-          <a:xfrm>
-            <a:off x="157655" y="238418"/>
-            <a:ext cx="11908221" cy="6619582"/>
-          </a:xfrm>
-          <a:prstGeom prst="rect">
-            <a:avLst/>
-          </a:prstGeom>
-        </p:spPr>
-      </p:pic>
-    </p:spTree>
-    <p:extLst>
-      <p:ext uri="{BB962C8B-B14F-4D97-AF65-F5344CB8AC3E}">
-        <p14:creationId xmlns:p14="http://schemas.microsoft.com/office/powerpoint/2010/main" val="4235555087"/>
-      </p:ext>
-    </p:extLst>
-  </p:cSld>
-  <p:clrMapOvr>
-    <a:masterClrMapping/>
-  </p:clrMapOvr>
-  <p:timing>
-    <p:tnLst>
-      <p:par>
-        <p:cTn id="1" dur="indefinite" restart="never" nodeType="tmRoot"/>
-      </p:par>
-    </p:tnLst>
-  </p:timing>
-</p:sld>
-</file>
-
-<file path=ppt/slides/slide13.xml><?xml version="1.0" encoding="utf-8"?>
-<p:sld xmlns:a="http://schemas.openxmlformats.org/drawingml/2006/main" xmlns:r="http://schemas.openxmlformats.org/officeDocument/2006/relationships" xmlns:p="http://schemas.openxmlformats.org/presentationml/2006/main">
-  <p:cSld>
-    <p:spTree>
-      <p:nvGrpSpPr>
-        <p:cNvPr id="1" name=""/>
-        <p:cNvGrpSpPr/>
-        <p:nvPr/>
-      </p:nvGrpSpPr>
-      <p:grpSpPr>
-        <a:xfrm>
-          <a:off x="0" y="0"/>
-          <a:ext cx="0" cy="0"/>
-          <a:chOff x="0" y="0"/>
-          <a:chExt cx="0" cy="0"/>
-        </a:xfrm>
-      </p:grpSpPr>
-      <p:pic>
-        <p:nvPicPr>
-          <p:cNvPr id="5" name="Imagem 4"/>
-          <p:cNvPicPr>
-            <a:picLocks noChangeAspect="1"/>
-          </p:cNvPicPr>
-          <p:nvPr/>
-        </p:nvPicPr>
-        <p:blipFill>
-          <a:blip r:embed="rId2">
-            <a:extLst>
-              <a:ext uri="{28A0092B-C50C-407E-A947-70E740481C1C}">
-                <a14:useLocalDpi xmlns:a14="http://schemas.microsoft.com/office/drawing/2010/main" val="0"/>
-              </a:ext>
-            </a:extLst>
-          </a:blip>
-          <a:stretch>
-            <a:fillRect/>
-          </a:stretch>
-        </p:blipFill>
-        <p:spPr>
-          <a:xfrm>
-            <a:off x="1011995" y="451944"/>
-            <a:ext cx="10969798" cy="6259938"/>
-          </a:xfrm>
-          <a:prstGeom prst="rect">
-            <a:avLst/>
-          </a:prstGeom>
-        </p:spPr>
-      </p:pic>
-    </p:spTree>
-    <p:extLst>
-      <p:ext uri="{BB962C8B-B14F-4D97-AF65-F5344CB8AC3E}">
-        <p14:creationId xmlns:p14="http://schemas.microsoft.com/office/powerpoint/2010/main" val="951809979"/>
-      </p:ext>
-    </p:extLst>
-  </p:cSld>
-  <p:clrMapOvr>
-    <a:masterClrMapping/>
-  </p:clrMapOvr>
-  <p:timing>
-    <p:tnLst>
-      <p:par>
-        <p:cTn id="1" dur="indefinite" restart="never" nodeType="tmRoot"/>
-      </p:par>
-    </p:tnLst>
-  </p:timing>
-</p:sld>
-</file>
-
-<file path=ppt/slides/slide14.xml><?xml version="1.0" encoding="utf-8"?>
-<p:sld xmlns:a="http://schemas.openxmlformats.org/drawingml/2006/main" xmlns:r="http://schemas.openxmlformats.org/officeDocument/2006/relationships" xmlns:p="http://schemas.openxmlformats.org/presentationml/2006/main">
-  <p:cSld>
-    <p:bg>
-      <p:bgPr>
-        <a:solidFill>
-          <a:schemeClr val="bg1"/>
-        </a:solidFill>
-        <a:effectLst/>
-      </p:bgPr>
-    </p:bg>
-    <p:spTree>
-      <p:nvGrpSpPr>
-        <p:cNvPr id="1" name=""/>
-        <p:cNvGrpSpPr/>
-        <p:nvPr/>
-      </p:nvGrpSpPr>
-      <p:grpSpPr>
-        <a:xfrm>
-          <a:off x="0" y="0"/>
-          <a:ext cx="0" cy="0"/>
-          <a:chOff x="0" y="0"/>
-          <a:chExt cx="0" cy="0"/>
-        </a:xfrm>
-      </p:grpSpPr>
-      <p:sp>
-        <p:nvSpPr>
-          <p:cNvPr id="2" name="Título 1">
-            <a:extLst>
-              <a:ext uri="{FF2B5EF4-FFF2-40B4-BE49-F238E27FC236}">
-                <a16:creationId xmlns:a16="http://schemas.microsoft.com/office/drawing/2014/main" id="{23F6D5E8-15CF-4755-910B-1B5A1E777357}"/>
-              </a:ext>
-            </a:extLst>
-          </p:cNvPr>
-          <p:cNvSpPr>
-            <a:spLocks noGrp="1"/>
-          </p:cNvSpPr>
-          <p:nvPr>
-            <p:ph type="title"/>
-          </p:nvPr>
-        </p:nvSpPr>
-        <p:spPr>
-          <a:xfrm>
-            <a:off x="123917" y="95749"/>
-            <a:ext cx="8694262" cy="587423"/>
-          </a:xfrm>
-        </p:spPr>
-        <p:txBody>
-          <a:bodyPr rtlCol="0">
-            <a:normAutofit fontScale="90000"/>
-          </a:bodyPr>
-          <a:lstStyle/>
-          <a:p>
-            <a:pPr rtl="0"/>
-            <a:r>
-              <a:rPr lang="pt-BR" dirty="0" err="1" smtClean="0"/>
-              <a:t>git</a:t>
-            </a:r>
-            <a:endParaRPr lang="pt-BR" dirty="0"/>
-          </a:p>
-        </p:txBody>
-      </p:sp>
-      <p:sp>
-        <p:nvSpPr>
-          <p:cNvPr id="18" name="Retângulo 17">
-            <a:extLst>
-              <a:ext uri="{FF2B5EF4-FFF2-40B4-BE49-F238E27FC236}">
-                <a16:creationId xmlns:a16="http://schemas.microsoft.com/office/drawing/2014/main" id="{3FD711E9-7F79-40A9-8D9E-4AE293C154A5}"/>
-              </a:ext>
-              <a:ext uri="{C183D7F6-B498-43B3-948B-1728B52AA6E4}">
-                <adec:decorative xmlns="" xmlns:adec="http://schemas.microsoft.com/office/drawing/2017/decorative" val="1"/>
-              </a:ext>
-            </a:extLst>
-          </p:cNvPr>
-          <p:cNvSpPr>
-            <a:spLocks noGrp="1" noRot="1" noChangeAspect="1" noMove="1" noResize="1" noEditPoints="1" noAdjustHandles="1" noChangeArrowheads="1" noChangeShapeType="1" noTextEdit="1"/>
-          </p:cNvSpPr>
-          <p:nvPr>
-            <p:extLst>
-              <p:ext uri="{386F3935-93C4-4BCD-93E2-E3B085C9AB24}">
-                <p16:designElem xmlns:p16="http://schemas.microsoft.com/office/powerpoint/2015/main" val="1"/>
-              </p:ext>
-            </p:extLst>
-          </p:nvPr>
-        </p:nvSpPr>
-        <p:spPr>
-          <a:xfrm>
-            <a:off x="1066800" y="2013293"/>
-            <a:ext cx="10058400" cy="80683"/>
-          </a:xfrm>
-          <a:prstGeom prst="rect">
-            <a:avLst/>
-          </a:prstGeom>
-          <a:blipFill dpi="0" rotWithShape="1">
-            <a:blip r:embed="rId3">
-              <a:alphaModFix amt="85000"/>
-              <a:lum bright="70000" contrast="-70000"/>
-              <a:extLst>
-                <a:ext uri="{BEBA8EAE-BF5A-486C-A8C5-ECC9F3942E4B}">
-                  <a14:imgProps xmlns:a14="http://schemas.microsoft.com/office/drawing/2010/main">
-                    <a14:imgLayer r:embed="rId4">
-                      <a14:imgEffect>
-                        <a14:sharpenSoften amount="61000"/>
-                      </a14:imgEffect>
-                    </a14:imgLayer>
-                  </a14:imgProps>
-                </a:ext>
-                <a:ext uri="{28A0092B-C50C-407E-A947-70E740481C1C}">
-                  <a14:useLocalDpi xmlns:a14="http://schemas.microsoft.com/office/drawing/2010/main" val="0"/>
-                </a:ext>
-              </a:extLst>
-            </a:blip>
-            <a:srcRect/>
-            <a:tile tx="0" ty="-762000" sx="92000" sy="89000" flip="xy" algn="ctr"/>
-          </a:blipFill>
-          <a:ln>
-            <a:noFill/>
-          </a:ln>
-        </p:spPr>
-        <p:style>
-          <a:lnRef idx="2">
-            <a:schemeClr val="accent1">
-              <a:shade val="50000"/>
-            </a:schemeClr>
-          </a:lnRef>
-          <a:fillRef idx="1">
-            <a:schemeClr val="accent1"/>
-          </a:fillRef>
-          <a:effectRef idx="0">
-            <a:schemeClr val="accent1"/>
-          </a:effectRef>
-          <a:fontRef idx="minor">
-            <a:schemeClr val="lt1"/>
-          </a:fontRef>
-        </p:style>
-        <p:txBody>
-          <a:bodyPr rtlCol="0" anchor="ctr"/>
-          <a:lstStyle/>
-          <a:p>
-            <a:pPr algn="ctr" rtl="0"/>
-            <a:endParaRPr lang="pt-BR" dirty="0"/>
-          </a:p>
-        </p:txBody>
-      </p:sp>
-      <p:pic>
-        <p:nvPicPr>
-          <p:cNvPr id="5" name="Espaço Reservado para Conteúdo 4"/>
-          <p:cNvPicPr>
-            <a:picLocks noGrp="1" noChangeAspect="1"/>
-          </p:cNvPicPr>
-          <p:nvPr>
-            <p:ph idx="1"/>
-          </p:nvPr>
-        </p:nvPicPr>
-        <p:blipFill>
-          <a:blip r:embed="rId5">
-            <a:extLst>
-              <a:ext uri="{28A0092B-C50C-407E-A947-70E740481C1C}">
-                <a14:useLocalDpi xmlns:a14="http://schemas.microsoft.com/office/drawing/2010/main" val="0"/>
-              </a:ext>
-            </a:extLst>
-          </a:blip>
-          <a:stretch>
-            <a:fillRect/>
-          </a:stretch>
-        </p:blipFill>
-        <p:spPr>
-          <a:xfrm>
-            <a:off x="302340" y="680434"/>
-            <a:ext cx="11637412" cy="5991118"/>
-          </a:xfrm>
-        </p:spPr>
-      </p:pic>
-    </p:spTree>
-    <p:extLst>
-      <p:ext uri="{BB962C8B-B14F-4D97-AF65-F5344CB8AC3E}">
-        <p14:creationId xmlns:p14="http://schemas.microsoft.com/office/powerpoint/2010/main" val="3818373988"/>
-      </p:ext>
-    </p:extLst>
-  </p:cSld>
-  <p:clrMapOvr>
-    <a:masterClrMapping/>
-  </p:clrMapOvr>
-  <p:timing>
-    <p:tnLst>
-      <p:par>
-        <p:cTn id="1" dur="indefinite" restart="never" nodeType="tmRoot"/>
-      </p:par>
-    </p:tnLst>
-  </p:timing>
-</p:sld>
-</file>
-
-<file path=ppt/slides/slide15.xml><?xml version="1.0" encoding="utf-8"?>
-<p:sld xmlns:a="http://schemas.openxmlformats.org/drawingml/2006/main" xmlns:r="http://schemas.openxmlformats.org/officeDocument/2006/relationships" xmlns:p="http://schemas.openxmlformats.org/presentationml/2006/main">
-  <p:cSld>
-    <p:bg>
-      <p:bgPr>
-        <a:solidFill>
-          <a:schemeClr val="bg1"/>
-        </a:solidFill>
-        <a:effectLst/>
-      </p:bgPr>
-    </p:bg>
-    <p:spTree>
-      <p:nvGrpSpPr>
-        <p:cNvPr id="1" name=""/>
-        <p:cNvGrpSpPr/>
-        <p:nvPr/>
-      </p:nvGrpSpPr>
-      <p:grpSpPr>
-        <a:xfrm>
-          <a:off x="0" y="0"/>
-          <a:ext cx="0" cy="0"/>
-          <a:chOff x="0" y="0"/>
-          <a:chExt cx="0" cy="0"/>
-        </a:xfrm>
-      </p:grpSpPr>
-      <p:sp>
-        <p:nvSpPr>
-          <p:cNvPr id="10" name="Retângulo 9">
-            <a:extLst>
-              <a:ext uri="{FF2B5EF4-FFF2-40B4-BE49-F238E27FC236}">
-                <a16:creationId xmlns:a16="http://schemas.microsoft.com/office/drawing/2014/main" id="{5C28659E-412C-4600-B45E-BAE370BC24B9}"/>
-              </a:ext>
-              <a:ext uri="{C183D7F6-B498-43B3-948B-1728B52AA6E4}">
-                <adec:decorative xmlns="" xmlns:adec="http://schemas.microsoft.com/office/drawing/2017/decorative" val="1"/>
-              </a:ext>
-            </a:extLst>
-          </p:cNvPr>
-          <p:cNvSpPr>
-            <a:spLocks noGrp="1" noRot="1" noChangeAspect="1" noMove="1" noResize="1" noEditPoints="1" noAdjustHandles="1" noChangeArrowheads="1" noChangeShapeType="1" noTextEdit="1"/>
-          </p:cNvSpPr>
-          <p:nvPr>
-            <p:extLst>
-              <p:ext uri="{386F3935-93C4-4BCD-93E2-E3B085C9AB24}">
-                <p16:designElem xmlns:p16="http://schemas.microsoft.com/office/powerpoint/2015/main" val="1"/>
-              </p:ext>
-            </p:extLst>
-          </p:nvPr>
-        </p:nvSpPr>
-        <p:spPr>
-          <a:xfrm>
-            <a:off x="0" y="-1"/>
-            <a:ext cx="12192000" cy="6858001"/>
-          </a:xfrm>
-          <a:prstGeom prst="rect">
-            <a:avLst/>
-          </a:prstGeom>
-          <a:solidFill>
-            <a:schemeClr val="bg1"/>
-          </a:solidFill>
-          <a:ln>
-            <a:noFill/>
-          </a:ln>
-        </p:spPr>
-        <p:style>
-          <a:lnRef idx="2">
-            <a:schemeClr val="accent1">
-              <a:shade val="50000"/>
-            </a:schemeClr>
-          </a:lnRef>
-          <a:fillRef idx="1">
-            <a:schemeClr val="accent1"/>
-          </a:fillRef>
-          <a:effectRef idx="0">
-            <a:schemeClr val="accent1"/>
-          </a:effectRef>
-          <a:fontRef idx="minor">
-            <a:schemeClr val="lt1"/>
-          </a:fontRef>
-        </p:style>
-        <p:txBody>
-          <a:bodyPr rtlCol="0" anchor="ctr"/>
-          <a:lstStyle/>
-          <a:p>
-            <a:pPr algn="ctr" rtl="0"/>
-            <a:endParaRPr lang="pt-BR"/>
-          </a:p>
-        </p:txBody>
-      </p:sp>
-      <p:pic>
-        <p:nvPicPr>
-          <p:cNvPr id="5" name="Imagem 4" descr="Abacate e pimentão em uma tábua de corte">
-            <a:extLst>
-              <a:ext uri="{FF2B5EF4-FFF2-40B4-BE49-F238E27FC236}">
-                <a16:creationId xmlns:a16="http://schemas.microsoft.com/office/drawing/2014/main" id="{92C4C2DA-90B8-3144-9F35-4567B5280199}"/>
-              </a:ext>
-            </a:extLst>
-          </p:cNvPr>
-          <p:cNvPicPr>
-            <a:picLocks noChangeAspect="1"/>
-          </p:cNvPicPr>
-          <p:nvPr/>
-        </p:nvPicPr>
-        <p:blipFill rotWithShape="1">
-          <a:blip r:embed="rId3">
-            <a:extLst>
-              <a:ext uri="{28A0092B-C50C-407E-A947-70E740481C1C}">
-                <a14:useLocalDpi xmlns:a14="http://schemas.microsoft.com/office/drawing/2010/main" val="0"/>
-              </a:ext>
-            </a:extLst>
-          </a:blip>
-          <a:srcRect/>
-          <a:stretch/>
-        </p:blipFill>
-        <p:spPr>
-          <a:xfrm>
-            <a:off x="20" y="10"/>
-            <a:ext cx="12191980" cy="6857989"/>
-          </a:xfrm>
-          <a:prstGeom prst="rect">
-            <a:avLst/>
-          </a:prstGeom>
-        </p:spPr>
-      </p:pic>
-      <p:sp>
-        <p:nvSpPr>
-          <p:cNvPr id="12" name="Retângulo 11">
-            <a:extLst>
-              <a:ext uri="{FF2B5EF4-FFF2-40B4-BE49-F238E27FC236}">
-                <a16:creationId xmlns:a16="http://schemas.microsoft.com/office/drawing/2014/main" id="{AE95896B-6905-4618-A7DF-DED8A61FBC83}"/>
-              </a:ext>
-              <a:ext uri="{C183D7F6-B498-43B3-948B-1728B52AA6E4}">
-                <adec:decorative xmlns="" xmlns:adec="http://schemas.microsoft.com/office/drawing/2017/decorative" val="1"/>
-              </a:ext>
-            </a:extLst>
-          </p:cNvPr>
-          <p:cNvSpPr>
-            <a:spLocks noGrp="1" noRot="1" noChangeAspect="1" noMove="1" noResize="1" noEditPoints="1" noAdjustHandles="1" noChangeArrowheads="1" noChangeShapeType="1" noTextEdit="1"/>
-          </p:cNvSpPr>
-          <p:nvPr>
-            <p:extLst>
-              <p:ext uri="{386F3935-93C4-4BCD-93E2-E3B085C9AB24}">
-                <p16:designElem xmlns:p16="http://schemas.microsoft.com/office/powerpoint/2015/main" val="1"/>
-              </p:ext>
-            </p:extLst>
-          </p:nvPr>
-        </p:nvSpPr>
-        <p:spPr>
-          <a:xfrm>
-            <a:off x="0" y="1"/>
-            <a:ext cx="12192000" cy="6857999"/>
-          </a:xfrm>
-          <a:prstGeom prst="rect">
-            <a:avLst/>
-          </a:prstGeom>
-          <a:solidFill>
-            <a:schemeClr val="tx1">
-              <a:alpha val="20000"/>
-            </a:schemeClr>
-          </a:solidFill>
-          <a:ln>
-            <a:noFill/>
-          </a:ln>
-        </p:spPr>
-        <p:style>
-          <a:lnRef idx="2">
-            <a:schemeClr val="accent1">
-              <a:shade val="50000"/>
-            </a:schemeClr>
-          </a:lnRef>
-          <a:fillRef idx="1">
-            <a:schemeClr val="accent1"/>
-          </a:fillRef>
-          <a:effectRef idx="0">
-            <a:schemeClr val="accent1"/>
-          </a:effectRef>
-          <a:fontRef idx="minor">
-            <a:schemeClr val="lt1"/>
-          </a:fontRef>
-        </p:style>
-        <p:txBody>
-          <a:bodyPr rtlCol="0" anchor="ctr"/>
-          <a:lstStyle/>
-          <a:p>
-            <a:pPr algn="ctr" rtl="0"/>
-            <a:endParaRPr lang="pt-BR"/>
-          </a:p>
-        </p:txBody>
-      </p:sp>
-      <p:sp>
-        <p:nvSpPr>
-          <p:cNvPr id="14" name="Retângulo 13">
-            <a:extLst>
-              <a:ext uri="{FF2B5EF4-FFF2-40B4-BE49-F238E27FC236}">
-                <a16:creationId xmlns:a16="http://schemas.microsoft.com/office/drawing/2014/main" id="{7748BD8C-4984-4138-94CA-2DC5F39DC379}"/>
-              </a:ext>
-              <a:ext uri="{C183D7F6-B498-43B3-948B-1728B52AA6E4}">
-                <adec:decorative xmlns="" xmlns:adec="http://schemas.microsoft.com/office/drawing/2017/decorative" val="1"/>
-              </a:ext>
-            </a:extLst>
-          </p:cNvPr>
-          <p:cNvSpPr>
-            <a:spLocks noGrp="1" noRot="1" noChangeAspect="1" noMove="1" noResize="1" noEditPoints="1" noAdjustHandles="1" noChangeArrowheads="1" noChangeShapeType="1" noTextEdit="1"/>
-          </p:cNvSpPr>
-          <p:nvPr>
-            <p:extLst>
-              <p:ext uri="{386F3935-93C4-4BCD-93E2-E3B085C9AB24}">
-                <p16:designElem xmlns:p16="http://schemas.microsoft.com/office/powerpoint/2015/main" val="1"/>
-              </p:ext>
-            </p:extLst>
-          </p:nvPr>
-        </p:nvSpPr>
-        <p:spPr>
-          <a:xfrm>
-            <a:off x="1524" y="0"/>
-            <a:ext cx="12188952" cy="6858000"/>
-          </a:xfrm>
-          <a:prstGeom prst="rect">
-            <a:avLst/>
-          </a:prstGeom>
-          <a:blipFill dpi="0" rotWithShape="1">
-            <a:blip r:embed="rId4">
-              <a:alphaModFix amt="30000"/>
-              <a:duotone>
-                <a:prstClr val="black"/>
-                <a:schemeClr val="accent1">
-                  <a:tint val="45000"/>
-                  <a:satMod val="400000"/>
-                </a:schemeClr>
-              </a:duotone>
-              <a:extLst>
-                <a:ext uri="{BEBA8EAE-BF5A-486C-A8C5-ECC9F3942E4B}">
-                  <a14:imgProps xmlns:a14="http://schemas.microsoft.com/office/drawing/2010/main">
-                    <a14:imgLayer r:embed="rId5">
-                      <a14:imgEffect>
-                        <a14:sharpenSoften amount="61000"/>
-                      </a14:imgEffect>
-                      <a14:imgEffect>
-                        <a14:brightnessContrast bright="-25000" contrast="20000"/>
-                      </a14:imgEffect>
-                    </a14:imgLayer>
-                  </a14:imgProps>
-                </a:ext>
-                <a:ext uri="{28A0092B-C50C-407E-A947-70E740481C1C}">
-                  <a14:useLocalDpi xmlns:a14="http://schemas.microsoft.com/office/drawing/2010/main" val="0"/>
-                </a:ext>
-              </a:extLst>
-            </a:blip>
-            <a:srcRect/>
-            <a:tile tx="0" ty="-762000" sx="92000" sy="89000" flip="xy" algn="ctr"/>
-          </a:blipFill>
-          <a:ln>
-            <a:noFill/>
-          </a:ln>
-        </p:spPr>
-        <p:style>
-          <a:lnRef idx="2">
-            <a:schemeClr val="accent1">
-              <a:shade val="50000"/>
-            </a:schemeClr>
-          </a:lnRef>
-          <a:fillRef idx="1">
-            <a:schemeClr val="accent1"/>
-          </a:fillRef>
-          <a:effectRef idx="0">
-            <a:schemeClr val="accent1"/>
-          </a:effectRef>
-          <a:fontRef idx="minor">
-            <a:schemeClr val="lt1"/>
-          </a:fontRef>
-        </p:style>
-        <p:txBody>
-          <a:bodyPr rtlCol="0" anchor="ctr"/>
-          <a:lstStyle/>
-          <a:p>
-            <a:pPr algn="ctr" rtl="0"/>
-            <a:endParaRPr lang="pt-BR"/>
-          </a:p>
-        </p:txBody>
-      </p:sp>
-      <p:sp>
-        <p:nvSpPr>
-          <p:cNvPr id="2" name="Título 1">
-            <a:extLst>
-              <a:ext uri="{FF2B5EF4-FFF2-40B4-BE49-F238E27FC236}">
-                <a16:creationId xmlns:a16="http://schemas.microsoft.com/office/drawing/2014/main" id="{A5C93519-6B29-1346-9FCB-0835B80531A4}"/>
-              </a:ext>
-            </a:extLst>
-          </p:cNvPr>
-          <p:cNvSpPr>
-            <a:spLocks noGrp="1"/>
-          </p:cNvSpPr>
-          <p:nvPr>
-            <p:ph type="ctrTitle"/>
-          </p:nvPr>
-        </p:nvSpPr>
-        <p:spPr>
-          <a:xfrm>
-            <a:off x="1051560" y="1432223"/>
-            <a:ext cx="9966960" cy="3035808"/>
-          </a:xfrm>
-        </p:spPr>
-        <p:txBody>
-          <a:bodyPr rtlCol="0" anchor="b">
-            <a:normAutofit/>
-          </a:bodyPr>
-          <a:lstStyle/>
-          <a:p>
-            <a:pPr rtl="0"/>
-            <a:r>
-              <a:rPr lang="pt-BR" dirty="0" smtClean="0">
-                <a:solidFill>
-                  <a:srgbClr val="FFFFFF"/>
-                </a:solidFill>
-              </a:rPr>
-              <a:t>Boa noite, </a:t>
-            </a:r>
-            <a:br>
-              <a:rPr lang="pt-BR" dirty="0" smtClean="0">
-                <a:solidFill>
-                  <a:srgbClr val="FFFFFF"/>
-                </a:solidFill>
-              </a:rPr>
-            </a:br>
-            <a:r>
-              <a:rPr lang="pt-BR" dirty="0" smtClean="0">
-                <a:solidFill>
-                  <a:srgbClr val="FFFFFF"/>
-                </a:solidFill>
-              </a:rPr>
-              <a:t>obrigada(0)!</a:t>
-            </a:r>
-            <a:endParaRPr lang="pt-BR" dirty="0">
-              <a:solidFill>
-                <a:srgbClr val="FFFFFF"/>
-              </a:solidFill>
-            </a:endParaRPr>
-          </a:p>
-        </p:txBody>
-      </p:sp>
-    </p:spTree>
-    <p:extLst>
-      <p:ext uri="{BB962C8B-B14F-4D97-AF65-F5344CB8AC3E}">
-        <p14:creationId xmlns:p14="http://schemas.microsoft.com/office/powerpoint/2010/main" val="3450646673"/>
-      </p:ext>
-    </p:extLst>
-  </p:cSld>
-  <p:clrMapOvr>
-    <a:masterClrMapping/>
-  </p:clrMapOvr>
-  <p:timing>
-    <p:tnLst>
-      <p:par>
-        <p:cTn id="1" dur="indefinite" restart="never" nodeType="tmRoot"/>
-      </p:par>
-    </p:tnLst>
-  </p:timing>
-</p:sld>
-</file>
-
-<file path=ppt/slides/slide2.xml><?xml version="1.0" encoding="utf-8"?>
-<p:sld xmlns:a="http://schemas.openxmlformats.org/drawingml/2006/main" xmlns:r="http://schemas.openxmlformats.org/officeDocument/2006/relationships" xmlns:p="http://schemas.openxmlformats.org/presentationml/2006/main">
-  <p:cSld>
-    <p:spTree>
-      <p:nvGrpSpPr>
-        <p:cNvPr id="1" name=""/>
-        <p:cNvGrpSpPr/>
-        <p:nvPr/>
-      </p:nvGrpSpPr>
-      <p:grpSpPr>
-        <a:xfrm>
-          <a:off x="0" y="0"/>
-          <a:ext cx="0" cy="0"/>
-          <a:chOff x="0" y="0"/>
-          <a:chExt cx="0" cy="0"/>
-        </a:xfrm>
-      </p:grpSpPr>
-      <p:pic>
-        <p:nvPicPr>
-          <p:cNvPr id="5" name="Espaço Reservado para Conteúdo 4"/>
-          <p:cNvPicPr>
-            <a:picLocks noGrp="1" noChangeAspect="1"/>
-          </p:cNvPicPr>
-          <p:nvPr>
-            <p:ph idx="1"/>
-          </p:nvPr>
-        </p:nvPicPr>
-        <p:blipFill>
-          <a:blip r:embed="rId2">
-            <a:extLst>
-              <a:ext uri="{28A0092B-C50C-407E-A947-70E740481C1C}">
-                <a14:useLocalDpi xmlns:a14="http://schemas.microsoft.com/office/drawing/2010/main" val="0"/>
-              </a:ext>
-            </a:extLst>
-          </a:blip>
-          <a:stretch>
-            <a:fillRect/>
-          </a:stretch>
-        </p:blipFill>
-        <p:spPr>
-          <a:xfrm>
-            <a:off x="0" y="-64249"/>
-            <a:ext cx="12276083" cy="6922249"/>
-          </a:xfrm>
-        </p:spPr>
-      </p:pic>
-    </p:spTree>
-    <p:extLst>
-      <p:ext uri="{BB962C8B-B14F-4D97-AF65-F5344CB8AC3E}">
-        <p14:creationId xmlns:p14="http://schemas.microsoft.com/office/powerpoint/2010/main" val="602117780"/>
-      </p:ext>
-    </p:extLst>
-  </p:cSld>
-  <p:clrMapOvr>
-    <a:masterClrMapping/>
-  </p:clrMapOvr>
-  <p:timing>
-    <p:tnLst>
-      <p:par>
-        <p:cTn id="1" dur="indefinite" restart="never" nodeType="tmRoot"/>
-      </p:par>
-    </p:tnLst>
-  </p:timing>
-</p:sld>
-</file>
-
-<file path=ppt/slides/slide3.xml><?xml version="1.0" encoding="utf-8"?>
-<p:sld xmlns:a="http://schemas.openxmlformats.org/drawingml/2006/main" xmlns:r="http://schemas.openxmlformats.org/officeDocument/2006/relationships" xmlns:p="http://schemas.openxmlformats.org/presentationml/2006/main">
-  <p:cSld>
-    <p:spTree>
-      <p:nvGrpSpPr>
-        <p:cNvPr id="1" name=""/>
-        <p:cNvGrpSpPr/>
-        <p:nvPr/>
-      </p:nvGrpSpPr>
-      <p:grpSpPr>
-        <a:xfrm>
-          <a:off x="0" y="0"/>
-          <a:ext cx="0" cy="0"/>
-          <a:chOff x="0" y="0"/>
-          <a:chExt cx="0" cy="0"/>
-        </a:xfrm>
-      </p:grpSpPr>
-      <p:pic>
-        <p:nvPicPr>
-          <p:cNvPr id="5" name="Imagem 4"/>
-          <p:cNvPicPr>
-            <a:picLocks noChangeAspect="1"/>
-          </p:cNvPicPr>
-          <p:nvPr/>
-        </p:nvPicPr>
-        <p:blipFill>
-          <a:blip r:embed="rId2">
-            <a:extLst>
-              <a:ext uri="{28A0092B-C50C-407E-A947-70E740481C1C}">
-                <a14:useLocalDpi xmlns:a14="http://schemas.microsoft.com/office/drawing/2010/main" val="0"/>
-              </a:ext>
-            </a:extLst>
-          </a:blip>
-          <a:stretch>
-            <a:fillRect/>
-          </a:stretch>
-        </p:blipFill>
-        <p:spPr>
-          <a:xfrm>
-            <a:off x="0" y="102"/>
-            <a:ext cx="12201134" cy="6858000"/>
-          </a:xfrm>
-          <a:prstGeom prst="rect">
-            <a:avLst/>
-          </a:prstGeom>
-        </p:spPr>
-      </p:pic>
-    </p:spTree>
-    <p:extLst>
-      <p:ext uri="{BB962C8B-B14F-4D97-AF65-F5344CB8AC3E}">
-        <p14:creationId xmlns:p14="http://schemas.microsoft.com/office/powerpoint/2010/main" val="631188012"/>
-      </p:ext>
-    </p:extLst>
-  </p:cSld>
-  <p:clrMapOvr>
-    <a:masterClrMapping/>
-  </p:clrMapOvr>
-  <p:timing>
-    <p:tnLst>
-      <p:par>
-        <p:cTn id="1" dur="indefinite" restart="never" nodeType="tmRoot"/>
-      </p:par>
-    </p:tnLst>
-  </p:timing>
-</p:sld>
-</file>
-
-<file path=ppt/slides/slide4.xml><?xml version="1.0" encoding="utf-8"?>
-<p:sld xmlns:a="http://schemas.openxmlformats.org/drawingml/2006/main" xmlns:r="http://schemas.openxmlformats.org/officeDocument/2006/relationships" xmlns:p="http://schemas.openxmlformats.org/presentationml/2006/main">
-  <p:cSld>
-    <p:bg>
-      <p:bgPr>
-        <a:solidFill>
-          <a:schemeClr val="bg1"/>
-        </a:solidFill>
-        <a:effectLst/>
-      </p:bgPr>
-    </p:bg>
-    <p:spTree>
-      <p:nvGrpSpPr>
-        <p:cNvPr id="1" name=""/>
-        <p:cNvGrpSpPr/>
-        <p:nvPr/>
-      </p:nvGrpSpPr>
-      <p:grpSpPr>
-        <a:xfrm>
-          <a:off x="0" y="0"/>
-          <a:ext cx="0" cy="0"/>
-          <a:chOff x="0" y="0"/>
-          <a:chExt cx="0" cy="0"/>
-        </a:xfrm>
-      </p:grpSpPr>
-      <p:sp>
-        <p:nvSpPr>
-          <p:cNvPr id="22" name="Retângulo 13">
-            <a:extLst>
-              <a:ext uri="{FF2B5EF4-FFF2-40B4-BE49-F238E27FC236}">
-                <a16:creationId xmlns:a16="http://schemas.microsoft.com/office/drawing/2014/main" id="{A943D298-0548-4C7A-870B-7594104F8214}"/>
-              </a:ext>
-              <a:ext uri="{C183D7F6-B498-43B3-948B-1728B52AA6E4}">
-                <adec:decorative xmlns="" xmlns:adec="http://schemas.microsoft.com/office/drawing/2017/decorative" val="1"/>
-              </a:ext>
-            </a:extLst>
-          </p:cNvPr>
-          <p:cNvSpPr>
-            <a:spLocks noGrp="1" noRot="1" noChangeAspect="1" noMove="1" noResize="1" noEditPoints="1" noAdjustHandles="1" noChangeArrowheads="1" noChangeShapeType="1" noTextEdit="1"/>
-          </p:cNvSpPr>
-          <p:nvPr>
-            <p:extLst>
-              <p:ext uri="{386F3935-93C4-4BCD-93E2-E3B085C9AB24}">
-                <p16:designElem xmlns:p16="http://schemas.microsoft.com/office/powerpoint/2015/main" val="1"/>
-              </p:ext>
-            </p:extLst>
-          </p:nvPr>
-        </p:nvSpPr>
-        <p:spPr bwMode="white">
-          <a:xfrm>
-            <a:off x="-7620" y="-1"/>
-            <a:ext cx="12207240" cy="6858001"/>
-          </a:xfrm>
-          <a:prstGeom prst="rect">
-            <a:avLst/>
-          </a:prstGeom>
-          <a:solidFill>
-            <a:schemeClr val="bg1"/>
-          </a:solidFill>
-          <a:ln>
-            <a:noFill/>
-          </a:ln>
-        </p:spPr>
-        <p:style>
-          <a:lnRef idx="2">
-            <a:schemeClr val="accent1">
-              <a:shade val="50000"/>
-            </a:schemeClr>
-          </a:lnRef>
-          <a:fillRef idx="1">
-            <a:schemeClr val="accent1"/>
-          </a:fillRef>
-          <a:effectRef idx="0">
-            <a:schemeClr val="accent1"/>
-          </a:effectRef>
-          <a:fontRef idx="minor">
-            <a:schemeClr val="lt1"/>
-          </a:fontRef>
-        </p:style>
-        <p:txBody>
-          <a:bodyPr rot="0" spcFirstLastPara="0" vert="horz" wrap="square" lIns="91440" tIns="45720" rIns="91440" bIns="45720" numCol="1" spcCol="0" rtlCol="0" fromWordArt="0" anchor="ctr" anchorCtr="0" forceAA="0" compatLnSpc="1">
-            <a:prstTxWarp prst="textNoShape">
-              <a:avLst/>
-            </a:prstTxWarp>
-            <a:noAutofit/>
-          </a:bodyPr>
-          <a:lstStyle>
-            <a:defPPr>
-              <a:defRPr lang="en-US"/>
-            </a:defPPr>
-            <a:lvl1pPr marL="0" algn="l" defTabSz="914400" rtl="0" eaLnBrk="1" latinLnBrk="0" hangingPunct="1">
-              <a:defRPr sz="1800" kern="1200">
-                <a:solidFill>
-                  <a:schemeClr val="lt1"/>
-                </a:solidFill>
-                <a:latin typeface="+mn-lt"/>
-                <a:ea typeface="+mn-ea"/>
-                <a:cs typeface="+mn-cs"/>
-              </a:defRPr>
-            </a:lvl1pPr>
-            <a:lvl2pPr marL="457200" algn="l" defTabSz="914400" rtl="0" eaLnBrk="1" latinLnBrk="0" hangingPunct="1">
-              <a:defRPr sz="1800" kern="1200">
-                <a:solidFill>
-                  <a:schemeClr val="lt1"/>
-                </a:solidFill>
-                <a:latin typeface="+mn-lt"/>
-                <a:ea typeface="+mn-ea"/>
-                <a:cs typeface="+mn-cs"/>
-              </a:defRPr>
-            </a:lvl2pPr>
-            <a:lvl3pPr marL="914400" algn="l" defTabSz="914400" rtl="0" eaLnBrk="1" latinLnBrk="0" hangingPunct="1">
-              <a:defRPr sz="1800" kern="1200">
-                <a:solidFill>
-                  <a:schemeClr val="lt1"/>
-                </a:solidFill>
-                <a:latin typeface="+mn-lt"/>
-                <a:ea typeface="+mn-ea"/>
-                <a:cs typeface="+mn-cs"/>
-              </a:defRPr>
-            </a:lvl3pPr>
-            <a:lvl4pPr marL="1371600" algn="l" defTabSz="914400" rtl="0" eaLnBrk="1" latinLnBrk="0" hangingPunct="1">
-              <a:defRPr sz="1800" kern="1200">
-                <a:solidFill>
-                  <a:schemeClr val="lt1"/>
-                </a:solidFill>
-                <a:latin typeface="+mn-lt"/>
-                <a:ea typeface="+mn-ea"/>
-                <a:cs typeface="+mn-cs"/>
-              </a:defRPr>
-            </a:lvl4pPr>
-            <a:lvl5pPr marL="1828800" algn="l" defTabSz="914400" rtl="0" eaLnBrk="1" latinLnBrk="0" hangingPunct="1">
-              <a:defRPr sz="1800" kern="1200">
-                <a:solidFill>
-                  <a:schemeClr val="lt1"/>
-                </a:solidFill>
-                <a:latin typeface="+mn-lt"/>
-                <a:ea typeface="+mn-ea"/>
-                <a:cs typeface="+mn-cs"/>
-              </a:defRPr>
-            </a:lvl5pPr>
-            <a:lvl6pPr marL="2286000" algn="l" defTabSz="914400" rtl="0" eaLnBrk="1" latinLnBrk="0" hangingPunct="1">
-              <a:defRPr sz="1800" kern="1200">
-                <a:solidFill>
-                  <a:schemeClr val="lt1"/>
-                </a:solidFill>
-                <a:latin typeface="+mn-lt"/>
-                <a:ea typeface="+mn-ea"/>
-                <a:cs typeface="+mn-cs"/>
-              </a:defRPr>
-            </a:lvl6pPr>
-            <a:lvl7pPr marL="2743200" algn="l" defTabSz="914400" rtl="0" eaLnBrk="1" latinLnBrk="0" hangingPunct="1">
-              <a:defRPr sz="1800" kern="1200">
-                <a:solidFill>
-                  <a:schemeClr val="lt1"/>
-                </a:solidFill>
-                <a:latin typeface="+mn-lt"/>
-                <a:ea typeface="+mn-ea"/>
-                <a:cs typeface="+mn-cs"/>
-              </a:defRPr>
-            </a:lvl7pPr>
-            <a:lvl8pPr marL="3200400" algn="l" defTabSz="914400" rtl="0" eaLnBrk="1" latinLnBrk="0" hangingPunct="1">
-              <a:defRPr sz="1800" kern="1200">
-                <a:solidFill>
-                  <a:schemeClr val="lt1"/>
-                </a:solidFill>
-                <a:latin typeface="+mn-lt"/>
-                <a:ea typeface="+mn-ea"/>
-                <a:cs typeface="+mn-cs"/>
-              </a:defRPr>
-            </a:lvl8pPr>
-            <a:lvl9pPr marL="3657600" algn="l" defTabSz="914400" rtl="0" eaLnBrk="1" latinLnBrk="0" hangingPunct="1">
-              <a:defRPr sz="1800" kern="1200">
-                <a:solidFill>
-                  <a:schemeClr val="lt1"/>
-                </a:solidFill>
-                <a:latin typeface="+mn-lt"/>
-                <a:ea typeface="+mn-ea"/>
-                <a:cs typeface="+mn-cs"/>
-              </a:defRPr>
-            </a:lvl9pPr>
-          </a:lstStyle>
-          <a:p>
-            <a:pPr algn="ctr" rtl="0"/>
-            <a:endParaRPr lang="pt-BR" dirty="0"/>
-          </a:p>
-        </p:txBody>
-      </p:sp>
-      <p:sp>
-        <p:nvSpPr>
-          <p:cNvPr id="23" name="Retângulo 15">
-            <a:extLst>
-              <a:ext uri="{FF2B5EF4-FFF2-40B4-BE49-F238E27FC236}">
-                <a16:creationId xmlns:a16="http://schemas.microsoft.com/office/drawing/2014/main" id="{FF7B26C5-D249-4988-B86B-5A3D9E7BD900}"/>
-              </a:ext>
-              <a:ext uri="{C183D7F6-B498-43B3-948B-1728B52AA6E4}">
-                <adec:decorative xmlns="" xmlns:adec="http://schemas.microsoft.com/office/drawing/2017/decorative" val="1"/>
-              </a:ext>
-            </a:extLst>
-          </p:cNvPr>
-          <p:cNvSpPr>
-            <a:spLocks noGrp="1" noRot="1" noChangeAspect="1" noMove="1" noResize="1" noEditPoints="1" noAdjustHandles="1" noChangeArrowheads="1" noChangeShapeType="1" noTextEdit="1"/>
-          </p:cNvSpPr>
-          <p:nvPr>
-            <p:extLst>
-              <p:ext uri="{386F3935-93C4-4BCD-93E2-E3B085C9AB24}">
-                <p16:designElem xmlns:p16="http://schemas.microsoft.com/office/powerpoint/2015/main" val="1"/>
-              </p:ext>
-            </p:extLst>
-          </p:nvPr>
-        </p:nvSpPr>
-        <p:spPr>
-          <a:xfrm>
-            <a:off x="-22860" y="0"/>
-            <a:ext cx="12188952" cy="6858000"/>
-          </a:xfrm>
-          <a:prstGeom prst="rect">
-            <a:avLst/>
-          </a:prstGeom>
-          <a:blipFill dpi="0" rotWithShape="1">
-            <a:blip r:embed="rId3">
-              <a:alphaModFix amt="45000"/>
-              <a:lum bright="70000" contrast="-70000"/>
-            </a:blip>
-            <a:srcRect/>
-            <a:tile tx="0" ty="-762000" sx="92000" sy="89000" flip="xy" algn="ctr"/>
-          </a:blipFill>
-          <a:ln>
-            <a:noFill/>
-          </a:ln>
-        </p:spPr>
-        <p:style>
-          <a:lnRef idx="2">
-            <a:schemeClr val="accent1">
-              <a:shade val="50000"/>
-            </a:schemeClr>
-          </a:lnRef>
-          <a:fillRef idx="1">
-            <a:schemeClr val="accent1"/>
-          </a:fillRef>
-          <a:effectRef idx="0">
-            <a:schemeClr val="accent1"/>
-          </a:effectRef>
-          <a:fontRef idx="minor">
-            <a:schemeClr val="lt1"/>
-          </a:fontRef>
-        </p:style>
-        <p:txBody>
-          <a:bodyPr rtlCol="0" anchor="ctr"/>
-          <a:lstStyle/>
-          <a:p>
-            <a:pPr algn="ctr" rtl="0"/>
-            <a:endParaRPr lang="pt-BR" dirty="0"/>
-          </a:p>
-        </p:txBody>
-      </p:sp>
-      <p:grpSp>
-        <p:nvGrpSpPr>
-          <p:cNvPr id="24" name="Grupo 17">
-            <a:extLst>
-              <a:ext uri="{FF2B5EF4-FFF2-40B4-BE49-F238E27FC236}">
-                <a16:creationId xmlns:a16="http://schemas.microsoft.com/office/drawing/2014/main" id="{46FDAED0-8B04-4181-B3D3-EA0A93C6659B}"/>
-              </a:ext>
-              <a:ext uri="{C183D7F6-B498-43B3-948B-1728B52AA6E4}">
-                <adec:decorative xmlns="" xmlns:adec="http://schemas.microsoft.com/office/drawing/2017/decorative" val="1"/>
-              </a:ext>
-            </a:extLst>
-          </p:cNvPr>
-          <p:cNvGrpSpPr>
-            <a:grpSpLocks noGrp="1" noUngrp="1" noRot="1" noChangeAspect="1" noMove="1" noResize="1"/>
-          </p:cNvGrpSpPr>
-          <p:nvPr>
-            <p:extLst>
-              <p:ext uri="{386F3935-93C4-4BCD-93E2-E3B085C9AB24}">
-                <p16:designElem xmlns:p16="http://schemas.microsoft.com/office/powerpoint/2015/main" val="1"/>
-              </p:ext>
-            </p:extLst>
-          </p:nvPr>
-        </p:nvGrpSpPr>
-        <p:grpSpPr>
-          <a:xfrm>
-            <a:off x="11401725" y="6229681"/>
-            <a:ext cx="457200" cy="457200"/>
-            <a:chOff x="11361456" y="6195813"/>
-            <a:chExt cx="548640" cy="548640"/>
-          </a:xfrm>
-        </p:grpSpPr>
-        <p:sp>
-          <p:nvSpPr>
-            <p:cNvPr id="19" name="Oval 18">
-              <a:extLst>
-                <a:ext uri="{FF2B5EF4-FFF2-40B4-BE49-F238E27FC236}">
-                  <a16:creationId xmlns:a16="http://schemas.microsoft.com/office/drawing/2014/main" id="{161B6F0D-567B-4CFA-BF50-79FDAC6EBDC8}"/>
-                </a:ext>
-                <a:ext uri="{C183D7F6-B498-43B3-948B-1728B52AA6E4}">
-                  <adec:decorative xmlns="" xmlns:adec="http://schemas.microsoft.com/office/drawing/2017/decorative" val="1"/>
-                </a:ext>
-              </a:extLst>
-            </p:cNvPr>
-            <p:cNvSpPr/>
-            <p:nvPr>
-              <p:extLst>
-                <p:ext uri="{386F3935-93C4-4BCD-93E2-E3B085C9AB24}">
-                  <p16:designElem xmlns:p16="http://schemas.microsoft.com/office/powerpoint/2015/main" val="1"/>
-                </p:ext>
-              </p:extLst>
-            </p:nvPr>
-          </p:nvSpPr>
-          <p:spPr>
-            <a:xfrm>
-              <a:off x="11361456" y="6195813"/>
-              <a:ext cx="548640" cy="548640"/>
-            </a:xfrm>
-            <a:prstGeom prst="ellipse">
-              <a:avLst/>
-            </a:prstGeom>
-            <a:blipFill dpi="0" rotWithShape="1">
-              <a:blip r:embed="rId4">
-                <a:duotone>
-                  <a:schemeClr val="accent1">
-                    <a:shade val="45000"/>
-                    <a:satMod val="135000"/>
-                  </a:schemeClr>
-                  <a:prstClr val="white"/>
-                </a:duotone>
-                <a:extLst/>
-              </a:blip>
-              <a:srcRect/>
-              <a:tile tx="50800" ty="0" sx="85000" sy="85000" flip="none" algn="tl"/>
-            </a:blipFill>
-            <a:ln w="25400" cap="flat" cmpd="sng" algn="ctr">
-              <a:noFill/>
-              <a:prstDash val="solid"/>
-            </a:ln>
-            <a:effectLst/>
-          </p:spPr>
-          <p:txBody>
-            <a:bodyPr lIns="0" tIns="0" rIns="0" bIns="0" rtlCol="0" anchor="ctr"/>
-            <a:lstStyle/>
-            <a:p>
-              <a:pPr marL="0" marR="0" lvl="0" indent="0" algn="ctr" defTabSz="914400" rtl="0" eaLnBrk="1" fontAlgn="auto" latinLnBrk="0" hangingPunct="1">
-                <a:lnSpc>
-                  <a:spcPct val="100000"/>
-                </a:lnSpc>
-                <a:spcBef>
-                  <a:spcPts val="0"/>
-                </a:spcBef>
-                <a:spcAft>
-                  <a:spcPts val="0"/>
-                </a:spcAft>
-                <a:buClrTx/>
-                <a:buSzTx/>
-                <a:buFontTx/>
-                <a:buNone/>
-                <a:tabLst/>
-                <a:defRPr/>
-              </a:pPr>
-              <a:endParaRPr kumimoji="0" lang="pt-BR" sz="2000" b="0" i="0" u="none" strike="noStrike" kern="0" cap="none" spc="0" normalizeH="0" baseline="0" dirty="0">
-                <a:ln>
-                  <a:noFill/>
-                </a:ln>
-                <a:solidFill>
-                  <a:prstClr val="white"/>
-                </a:solidFill>
-                <a:effectLst/>
-                <a:uLnTx/>
-                <a:uFillTx/>
-                <a:latin typeface="Rockwell Extra Bold" pitchFamily="18" charset="0"/>
-                <a:ea typeface="+mn-ea"/>
-                <a:cs typeface="+mn-cs"/>
-              </a:endParaRPr>
-            </a:p>
-          </p:txBody>
-        </p:sp>
-        <p:sp>
-          <p:nvSpPr>
-            <p:cNvPr id="20" name="Oval 19">
-              <a:extLst>
-                <a:ext uri="{FF2B5EF4-FFF2-40B4-BE49-F238E27FC236}">
-                  <a16:creationId xmlns:a16="http://schemas.microsoft.com/office/drawing/2014/main" id="{8CE5D194-0A7E-49A6-B737-F71C1B3960DA}"/>
-                </a:ext>
-                <a:ext uri="{C183D7F6-B498-43B3-948B-1728B52AA6E4}">
-                  <adec:decorative xmlns="" xmlns:adec="http://schemas.microsoft.com/office/drawing/2017/decorative" val="1"/>
-                </a:ext>
-              </a:extLst>
-            </p:cNvPr>
-            <p:cNvSpPr/>
-            <p:nvPr>
-              <p:extLst>
-                <p:ext uri="{386F3935-93C4-4BCD-93E2-E3B085C9AB24}">
-                  <p16:designElem xmlns:p16="http://schemas.microsoft.com/office/powerpoint/2015/main" val="1"/>
-                </p:ext>
-              </p:extLst>
-            </p:nvPr>
-          </p:nvSpPr>
-          <p:spPr>
-            <a:xfrm>
-              <a:off x="11396488" y="6230844"/>
-              <a:ext cx="478576" cy="478578"/>
-            </a:xfrm>
-            <a:prstGeom prst="ellipse">
-              <a:avLst/>
-            </a:prstGeom>
-            <a:noFill/>
-            <a:ln w="12700" cap="flat" cmpd="sng" algn="ctr">
-              <a:solidFill>
-                <a:srgbClr val="FFFFFF"/>
-              </a:solidFill>
-              <a:prstDash val="solid"/>
-            </a:ln>
-            <a:effectLst/>
-          </p:spPr>
-          <p:txBody>
-            <a:bodyPr rtlCol="0" anchor="ctr"/>
-            <a:lstStyle/>
-            <a:p>
-              <a:pPr marL="0" marR="0" lvl="0" indent="0" algn="ctr" defTabSz="914400" rtl="0" eaLnBrk="1" fontAlgn="auto" latinLnBrk="0" hangingPunct="1">
-                <a:lnSpc>
-                  <a:spcPct val="100000"/>
-                </a:lnSpc>
-                <a:spcBef>
-                  <a:spcPts val="0"/>
-                </a:spcBef>
-                <a:spcAft>
-                  <a:spcPts val="0"/>
-                </a:spcAft>
-                <a:buClrTx/>
-                <a:buSzTx/>
-                <a:buFontTx/>
-                <a:buNone/>
-                <a:tabLst/>
-                <a:defRPr/>
-              </a:pPr>
-              <a:endParaRPr kumimoji="0" lang="pt-BR" sz="1800" b="0" i="0" u="none" strike="noStrike" kern="0" cap="none" spc="0" normalizeH="0" baseline="0" dirty="0">
-                <a:ln>
-                  <a:noFill/>
-                </a:ln>
-                <a:solidFill>
-                  <a:prstClr val="white"/>
-                </a:solidFill>
-                <a:effectLst/>
-                <a:uLnTx/>
-                <a:uFillTx/>
-                <a:latin typeface="Calibri"/>
-                <a:ea typeface="+mn-ea"/>
-                <a:cs typeface="+mn-cs"/>
-              </a:endParaRPr>
-            </a:p>
-          </p:txBody>
-        </p:sp>
-      </p:grpSp>
-      <p:sp>
-        <p:nvSpPr>
-          <p:cNvPr id="7" name="CaixaDeTexto 6"/>
-          <p:cNvSpPr txBox="1"/>
-          <p:nvPr/>
-        </p:nvSpPr>
-        <p:spPr>
-          <a:xfrm>
-            <a:off x="327239" y="389604"/>
-            <a:ext cx="11103679" cy="6186309"/>
-          </a:xfrm>
-          <a:prstGeom prst="rect">
-            <a:avLst/>
-          </a:prstGeom>
-          <a:noFill/>
-        </p:spPr>
-        <p:txBody>
-          <a:bodyPr wrap="square" rtlCol="0">
-            <a:spAutoFit/>
-          </a:bodyPr>
-          <a:lstStyle/>
-          <a:p>
-            <a:pPr fontAlgn="base"/>
-            <a:r>
-              <a:rPr lang="en-US" sz="3200" b="1" dirty="0"/>
-              <a:t>RAMO DE ATUAÇÃO DA EMPRESA</a:t>
-            </a:r>
-            <a:r>
-              <a:rPr lang="en-US" sz="3200" dirty="0"/>
-              <a:t> </a:t>
-            </a:r>
-            <a:r>
-              <a:rPr lang="en-US" sz="3200" dirty="0" smtClean="0"/>
-              <a:t>​</a:t>
-            </a:r>
-            <a:br>
-              <a:rPr lang="en-US" sz="3200" dirty="0" smtClean="0"/>
-            </a:br>
-            <a:r>
-              <a:rPr lang="en-US" sz="3200" dirty="0" smtClean="0"/>
-              <a:t/>
-            </a:r>
-            <a:br>
-              <a:rPr lang="en-US" sz="3200" dirty="0" smtClean="0"/>
-            </a:br>
-            <a:endParaRPr lang="en-US" sz="3200" dirty="0"/>
-          </a:p>
-          <a:p>
-            <a:pPr fontAlgn="base"/>
-            <a:r>
-              <a:rPr lang="en-US" dirty="0"/>
-              <a:t>​</a:t>
-            </a:r>
-            <a:br>
-              <a:rPr lang="en-US" dirty="0"/>
-            </a:br>
-            <a:r>
-              <a:rPr lang="en-US" dirty="0"/>
-              <a:t>​</a:t>
-            </a:r>
-            <a:endParaRPr lang="en-US" sz="2000" dirty="0"/>
-          </a:p>
-          <a:p>
-            <a:pPr fontAlgn="base"/>
-            <a:r>
-              <a:rPr lang="en-US" sz="2000" dirty="0"/>
-              <a:t>​</a:t>
-            </a:r>
-            <a:br>
-              <a:rPr lang="en-US" sz="2000" dirty="0"/>
-            </a:br>
-            <a:r>
-              <a:rPr lang="en-US" sz="2000" dirty="0"/>
-              <a:t>A </a:t>
-            </a:r>
-            <a:r>
-              <a:rPr lang="en-US" sz="2000" dirty="0" err="1"/>
-              <a:t>empresa</a:t>
-            </a:r>
-            <a:r>
-              <a:rPr lang="en-US" sz="2000" dirty="0"/>
-              <a:t>                               </a:t>
-            </a:r>
-            <a:r>
-              <a:rPr lang="en-US" sz="2000" dirty="0" smtClean="0"/>
-              <a:t>               </a:t>
-            </a:r>
-            <a:r>
-              <a:rPr lang="en-US" sz="2000" dirty="0" err="1" smtClean="0"/>
-              <a:t>atua</a:t>
-            </a:r>
-            <a:r>
-              <a:rPr lang="en-US" sz="2000" dirty="0"/>
-              <a:t> no </a:t>
-            </a:r>
-            <a:r>
-              <a:rPr lang="en-US" sz="2000" dirty="0" err="1"/>
-              <a:t>ramo</a:t>
-            </a:r>
-            <a:r>
-              <a:rPr lang="en-US" sz="2000" dirty="0"/>
-              <a:t> da </a:t>
-            </a:r>
-            <a:r>
-              <a:rPr lang="en-US" sz="2000" dirty="0" err="1"/>
-              <a:t>alimentação</a:t>
-            </a:r>
-            <a:r>
-              <a:rPr lang="en-US" sz="2000" dirty="0"/>
-              <a:t> </a:t>
-            </a:r>
-            <a:r>
-              <a:rPr lang="en-US" sz="2000" dirty="0" err="1"/>
-              <a:t>saudável</a:t>
-            </a:r>
-            <a:r>
-              <a:rPr lang="en-US" sz="2000" dirty="0"/>
-              <a:t> e </a:t>
-            </a:r>
-            <a:r>
-              <a:rPr lang="en-US" sz="2000" dirty="0" err="1"/>
-              <a:t>orgânica</a:t>
-            </a:r>
-            <a:r>
-              <a:rPr lang="en-US" sz="2000" dirty="0"/>
-              <a:t>.​</a:t>
-            </a:r>
-            <a:r>
-              <a:rPr lang="en-US" dirty="0"/>
-              <a:t/>
-            </a:r>
-            <a:br>
-              <a:rPr lang="en-US" dirty="0"/>
-            </a:br>
-            <a:r>
-              <a:rPr lang="en-US" dirty="0" smtClean="0"/>
-              <a:t>​</a:t>
-            </a:r>
-            <a:r>
-              <a:rPr lang="en-US" sz="3200" dirty="0"/>
-              <a:t/>
-            </a:r>
-            <a:br>
-              <a:rPr lang="en-US" sz="3200" dirty="0"/>
-            </a:br>
-            <a:r>
-              <a:rPr lang="en-US" sz="3200" dirty="0"/>
-              <a:t/>
-            </a:r>
-            <a:br>
-              <a:rPr lang="en-US" sz="3200" dirty="0"/>
-            </a:br>
-            <a:r>
-              <a:rPr lang="en-US" sz="3200" b="1" dirty="0"/>
-              <a:t>SERVIÇOS E PRODUTOS PRESTADOS </a:t>
-            </a:r>
-            <a:r>
-              <a:rPr lang="en-US" sz="3200" dirty="0" smtClean="0"/>
-              <a:t>​</a:t>
-            </a:r>
-            <a:r>
-              <a:rPr lang="en-US" dirty="0" smtClean="0"/>
-              <a:t/>
-            </a:r>
-            <a:br>
-              <a:rPr lang="en-US" dirty="0" smtClean="0"/>
-            </a:br>
-            <a:r>
-              <a:rPr lang="en-US" sz="2400" dirty="0"/>
-              <a:t/>
-            </a:r>
-            <a:br>
-              <a:rPr lang="en-US" sz="2400" dirty="0"/>
-            </a:br>
-            <a:r>
-              <a:rPr lang="en-US" sz="2000" b="1" dirty="0" err="1"/>
-              <a:t>Serviços</a:t>
-            </a:r>
-            <a:r>
-              <a:rPr lang="en-US" sz="2000" b="1" dirty="0"/>
-              <a:t>:</a:t>
-            </a:r>
-            <a:r>
-              <a:rPr lang="en-US" sz="2000" dirty="0"/>
-              <a:t> </a:t>
-            </a:r>
-            <a:r>
-              <a:rPr lang="en-US" sz="2000" dirty="0" err="1"/>
-              <a:t>Seleção</a:t>
-            </a:r>
-            <a:r>
-              <a:rPr lang="en-US" sz="2000" dirty="0"/>
-              <a:t> dos </a:t>
-            </a:r>
-            <a:r>
-              <a:rPr lang="en-US" sz="2000" dirty="0" err="1"/>
-              <a:t>produtos</a:t>
-            </a:r>
-            <a:r>
-              <a:rPr lang="en-US" sz="2000" dirty="0"/>
-              <a:t> e </a:t>
-            </a:r>
-            <a:r>
-              <a:rPr lang="en-US" sz="2000" dirty="0" err="1"/>
-              <a:t>entrega</a:t>
-            </a:r>
-            <a:r>
-              <a:rPr lang="en-US" sz="2000" dirty="0"/>
-              <a:t> </a:t>
-            </a:r>
-            <a:r>
-              <a:rPr lang="en-US" sz="2000" dirty="0" err="1"/>
-              <a:t>onde</a:t>
-            </a:r>
-            <a:r>
-              <a:rPr lang="en-US" sz="2000" dirty="0"/>
-              <a:t> o </a:t>
-            </a:r>
-            <a:r>
-              <a:rPr lang="en-US" sz="2000" dirty="0" err="1"/>
-              <a:t>cliente</a:t>
-            </a:r>
-            <a:r>
-              <a:rPr lang="en-US" sz="2000" dirty="0"/>
-              <a:t> </a:t>
-            </a:r>
-            <a:r>
-              <a:rPr lang="en-US" sz="2000" dirty="0" err="1"/>
-              <a:t>estiver</a:t>
-            </a:r>
-            <a:r>
-              <a:rPr lang="en-US" sz="2000" dirty="0"/>
-              <a:t>, </a:t>
-            </a:r>
-            <a:r>
-              <a:rPr lang="en-US" sz="2000" dirty="0" err="1"/>
-              <a:t>oferecendo</a:t>
-            </a:r>
-            <a:r>
-              <a:rPr lang="en-US" sz="2000" dirty="0"/>
-              <a:t> </a:t>
-            </a:r>
-            <a:r>
-              <a:rPr lang="en-US" sz="2000" dirty="0" err="1"/>
-              <a:t>qualidade</a:t>
-            </a:r>
-            <a:r>
-              <a:rPr lang="en-US" sz="2000" dirty="0"/>
-              <a:t> </a:t>
-            </a:r>
-            <a:r>
-              <a:rPr lang="en-US" sz="2000" dirty="0" smtClean="0"/>
-              <a:t>e</a:t>
-            </a:r>
-            <a:br>
-              <a:rPr lang="en-US" sz="2000" dirty="0" smtClean="0"/>
-            </a:br>
-            <a:r>
-              <a:rPr lang="en-US" sz="2000" dirty="0" err="1" smtClean="0"/>
-              <a:t>conforto</a:t>
-            </a:r>
-            <a:r>
-              <a:rPr lang="en-US" sz="2000" dirty="0"/>
-              <a:t>. ​</a:t>
-            </a:r>
-            <a:br>
-              <a:rPr lang="en-US" sz="2000" dirty="0"/>
-            </a:br>
-            <a:r>
-              <a:rPr lang="en-US" sz="2000" dirty="0"/>
-              <a:t>​</a:t>
-            </a:r>
-          </a:p>
-          <a:p>
-            <a:pPr fontAlgn="base"/>
-            <a:r>
-              <a:rPr lang="en-US" sz="2000" b="1" dirty="0" err="1"/>
-              <a:t>Produtos</a:t>
-            </a:r>
-            <a:r>
-              <a:rPr lang="en-US" sz="2000" b="1" dirty="0"/>
-              <a:t>:</a:t>
-            </a:r>
-            <a:r>
-              <a:rPr lang="en-US" sz="2000" dirty="0"/>
-              <a:t> Alimentos </a:t>
-            </a:r>
-            <a:r>
-              <a:rPr lang="en-US" sz="2000" dirty="0" err="1"/>
-              <a:t>denominados</a:t>
-            </a:r>
-            <a:r>
-              <a:rPr lang="en-US" sz="2000" dirty="0"/>
-              <a:t> </a:t>
-            </a:r>
-            <a:r>
-              <a:rPr lang="en-US" sz="2000" dirty="0" err="1"/>
-              <a:t>orgânicos</a:t>
-            </a:r>
-            <a:r>
-              <a:rPr lang="en-US" sz="2000" dirty="0"/>
-              <a:t> e </a:t>
-            </a:r>
-            <a:r>
-              <a:rPr lang="en-US" sz="2000" dirty="0" err="1"/>
-              <a:t>saudáveis</a:t>
-            </a:r>
-            <a:r>
-              <a:rPr lang="en-US" sz="2000" dirty="0"/>
-              <a:t>, </a:t>
-            </a:r>
-            <a:r>
-              <a:rPr lang="en-US" sz="2000" dirty="0" err="1"/>
-              <a:t>tais</a:t>
-            </a:r>
-            <a:r>
-              <a:rPr lang="en-US" sz="2000" dirty="0"/>
-              <a:t> </a:t>
-            </a:r>
-            <a:r>
-              <a:rPr lang="en-US" sz="2000" dirty="0" err="1"/>
-              <a:t>como</a:t>
-            </a:r>
-            <a:r>
-              <a:rPr lang="en-US" sz="2000" dirty="0"/>
-              <a:t>; </a:t>
-            </a:r>
-            <a:r>
-              <a:rPr lang="en-US" sz="2000" dirty="0" err="1"/>
-              <a:t>vegetais</a:t>
-            </a:r>
-            <a:r>
-              <a:rPr lang="en-US" sz="2000" dirty="0"/>
-              <a:t>, </a:t>
-            </a:r>
-            <a:r>
-              <a:rPr lang="en-US" sz="2000" dirty="0" err="1"/>
-              <a:t>folhas</a:t>
-            </a:r>
-            <a:r>
-              <a:rPr lang="en-US" sz="2000" dirty="0"/>
-              <a:t>, </a:t>
-            </a:r>
-            <a:r>
-              <a:rPr lang="en-US" sz="2000" dirty="0" err="1"/>
-              <a:t>raízes</a:t>
-            </a:r>
-            <a:r>
-              <a:rPr lang="en-US" sz="2000" dirty="0"/>
-              <a:t>, </a:t>
-            </a:r>
-            <a:r>
-              <a:rPr lang="en-US" sz="2000" dirty="0" smtClean="0"/>
-              <a:t/>
-            </a:r>
-            <a:br>
-              <a:rPr lang="en-US" sz="2000" dirty="0" smtClean="0"/>
-            </a:br>
-            <a:r>
-              <a:rPr lang="en-US" sz="2000" dirty="0" err="1" smtClean="0"/>
-              <a:t>frutas</a:t>
-            </a:r>
-            <a:r>
-              <a:rPr lang="en-US" sz="2000" dirty="0"/>
-              <a:t> e </a:t>
-            </a:r>
-            <a:r>
-              <a:rPr lang="en-US" sz="2000" dirty="0" err="1"/>
-              <a:t>grãos</a:t>
-            </a:r>
-            <a:r>
-              <a:rPr lang="en-US" sz="2000" dirty="0"/>
-              <a:t>.</a:t>
-            </a:r>
-          </a:p>
-          <a:p>
-            <a:endParaRPr lang="pt-BR" dirty="0"/>
-          </a:p>
-        </p:txBody>
-      </p:sp>
-      <p:pic>
-        <p:nvPicPr>
-          <p:cNvPr id="8" name="Imagem 7"/>
-          <p:cNvPicPr>
-            <a:picLocks noChangeAspect="1"/>
-          </p:cNvPicPr>
-          <p:nvPr/>
-        </p:nvPicPr>
-        <p:blipFill>
-          <a:blip r:embed="rId5">
-            <a:extLst>
-              <a:ext uri="{28A0092B-C50C-407E-A947-70E740481C1C}">
-                <a14:useLocalDpi xmlns:a14="http://schemas.microsoft.com/office/drawing/2010/main" val="0"/>
-              </a:ext>
-            </a:extLst>
-          </a:blip>
-          <a:stretch>
-            <a:fillRect/>
-          </a:stretch>
-        </p:blipFill>
-        <p:spPr>
-          <a:xfrm>
-            <a:off x="1695276" y="1389992"/>
-            <a:ext cx="2656007" cy="1939813"/>
-          </a:xfrm>
-          <a:prstGeom prst="rect">
-            <a:avLst/>
-          </a:prstGeom>
-        </p:spPr>
-      </p:pic>
-    </p:spTree>
-    <p:extLst>
-      <p:ext uri="{BB962C8B-B14F-4D97-AF65-F5344CB8AC3E}">
-        <p14:creationId xmlns:p14="http://schemas.microsoft.com/office/powerpoint/2010/main" val="531292951"/>
-      </p:ext>
-    </p:extLst>
-  </p:cSld>
-  <p:clrMapOvr>
-    <a:masterClrMapping/>
-  </p:clrMapOvr>
-  <p:timing>
-    <p:tnLst>
-      <p:par>
-        <p:cTn id="1" dur="indefinite" restart="never" nodeType="tmRoot"/>
-      </p:par>
-    </p:tnLst>
-  </p:timing>
-</p:sld>
-</file>
-
-<file path=ppt/slides/slide5.xml><?xml version="1.0" encoding="utf-8"?>
-<p:sld xmlns:a="http://schemas.openxmlformats.org/drawingml/2006/main" xmlns:r="http://schemas.openxmlformats.org/officeDocument/2006/relationships" xmlns:p="http://schemas.openxmlformats.org/presentationml/2006/main">
-  <p:cSld>
-    <p:spTree>
-      <p:nvGrpSpPr>
-        <p:cNvPr id="1" name=""/>
-        <p:cNvGrpSpPr/>
-        <p:nvPr/>
-      </p:nvGrpSpPr>
-      <p:grpSpPr>
-        <a:xfrm>
-          <a:off x="0" y="0"/>
-          <a:ext cx="0" cy="0"/>
-          <a:chOff x="0" y="0"/>
-          <a:chExt cx="0" cy="0"/>
-        </a:xfrm>
-      </p:grpSpPr>
-      <p:sp>
-        <p:nvSpPr>
-          <p:cNvPr id="2" name="Título 1"/>
-          <p:cNvSpPr>
-            <a:spLocks noGrp="1"/>
-          </p:cNvSpPr>
-          <p:nvPr>
-            <p:ph type="title"/>
-          </p:nvPr>
-        </p:nvSpPr>
-        <p:spPr>
-          <a:xfrm>
-            <a:off x="817600" y="527830"/>
-            <a:ext cx="4048690" cy="1165492"/>
-          </a:xfrm>
-        </p:spPr>
-        <p:txBody>
-          <a:bodyPr>
-            <a:normAutofit fontScale="90000"/>
-          </a:bodyPr>
-          <a:lstStyle/>
-          <a:p>
-            <a:pPr algn="ctr"/>
-            <a:r>
-              <a:rPr lang="en-US" dirty="0"/>
-              <a:t>COMPOSIÇÃO DA MARCA</a:t>
-            </a:r>
-            <a:endParaRPr lang="pt-BR" dirty="0"/>
-          </a:p>
-        </p:txBody>
-      </p:sp>
-      <p:sp>
-        <p:nvSpPr>
-          <p:cNvPr id="3" name="Espaço Reservado para Conteúdo 2"/>
-          <p:cNvSpPr>
-            <a:spLocks noGrp="1"/>
-          </p:cNvSpPr>
-          <p:nvPr>
-            <p:ph idx="1"/>
-          </p:nvPr>
-        </p:nvSpPr>
-        <p:spPr>
-          <a:xfrm>
-            <a:off x="451945" y="2121408"/>
-            <a:ext cx="10676303" cy="4050792"/>
-          </a:xfrm>
-        </p:spPr>
-        <p:txBody>
-          <a:bodyPr>
-            <a:normAutofit fontScale="77500" lnSpcReduction="20000"/>
-          </a:bodyPr>
-          <a:lstStyle/>
-          <a:p>
-            <a:pPr marL="0" indent="0" fontAlgn="base">
-              <a:buNone/>
-            </a:pPr>
-            <a:endParaRPr lang="en-US" dirty="0"/>
-          </a:p>
-          <a:p>
-            <a:pPr fontAlgn="base"/>
-            <a:r>
-              <a:rPr lang="en-US" b="1" dirty="0"/>
-              <a:t>PALETA DE CORES:</a:t>
-            </a:r>
-            <a:r>
-              <a:rPr lang="en-US" dirty="0"/>
-              <a:t>​</a:t>
-            </a:r>
-            <a:br>
-              <a:rPr lang="en-US" dirty="0"/>
-            </a:br>
-            <a:r>
-              <a:rPr lang="en-US" sz="2100" dirty="0">
-                <a:latin typeface="Arial" panose="020B0604020202020204" pitchFamily="34" charset="0"/>
-                <a:cs typeface="Arial" panose="020B0604020202020204" pitchFamily="34" charset="0"/>
-              </a:rPr>
-              <a:t>A  </a:t>
-            </a:r>
-            <a:r>
-              <a:rPr lang="en-US" sz="2100" dirty="0" err="1">
-                <a:latin typeface="Arial" panose="020B0604020202020204" pitchFamily="34" charset="0"/>
-                <a:cs typeface="Arial" panose="020B0604020202020204" pitchFamily="34" charset="0"/>
-              </a:rPr>
-              <a:t>cor</a:t>
-            </a:r>
-            <a:r>
-              <a:rPr lang="en-US" sz="2100" dirty="0">
-                <a:latin typeface="Arial" panose="020B0604020202020204" pitchFamily="34" charset="0"/>
-                <a:cs typeface="Arial" panose="020B0604020202020204" pitchFamily="34" charset="0"/>
-              </a:rPr>
-              <a:t> </a:t>
-            </a:r>
-            <a:r>
-              <a:rPr lang="en-US" sz="2100" dirty="0" err="1">
-                <a:latin typeface="Arial" panose="020B0604020202020204" pitchFamily="34" charset="0"/>
-                <a:cs typeface="Arial" panose="020B0604020202020204" pitchFamily="34" charset="0"/>
-              </a:rPr>
-              <a:t>verde</a:t>
-            </a:r>
-            <a:r>
-              <a:rPr lang="en-US" sz="2100" dirty="0">
-                <a:latin typeface="Arial" panose="020B0604020202020204" pitchFamily="34" charset="0"/>
-                <a:cs typeface="Arial" panose="020B0604020202020204" pitchFamily="34" charset="0"/>
-              </a:rPr>
-              <a:t> </a:t>
-            </a:r>
-            <a:r>
-              <a:rPr lang="en-US" sz="2100" dirty="0" err="1">
-                <a:latin typeface="Arial" panose="020B0604020202020204" pitchFamily="34" charset="0"/>
-                <a:cs typeface="Arial" panose="020B0604020202020204" pitchFamily="34" charset="0"/>
-              </a:rPr>
-              <a:t>está</a:t>
-            </a:r>
-            <a:r>
-              <a:rPr lang="en-US" sz="2100" dirty="0">
-                <a:latin typeface="Arial" panose="020B0604020202020204" pitchFamily="34" charset="0"/>
-                <a:cs typeface="Arial" panose="020B0604020202020204" pitchFamily="34" charset="0"/>
-              </a:rPr>
-              <a:t> </a:t>
-            </a:r>
-            <a:r>
-              <a:rPr lang="en-US" sz="2100" dirty="0" err="1">
-                <a:latin typeface="Arial" panose="020B0604020202020204" pitchFamily="34" charset="0"/>
-                <a:cs typeface="Arial" panose="020B0604020202020204" pitchFamily="34" charset="0"/>
-              </a:rPr>
-              <a:t>associada</a:t>
-            </a:r>
-            <a:r>
-              <a:rPr lang="en-US" sz="2100" dirty="0">
-                <a:latin typeface="Arial" panose="020B0604020202020204" pitchFamily="34" charset="0"/>
-                <a:cs typeface="Arial" panose="020B0604020202020204" pitchFamily="34" charset="0"/>
-              </a:rPr>
-              <a:t> à </a:t>
-            </a:r>
-            <a:r>
-              <a:rPr lang="en-US" sz="2100" dirty="0" err="1">
-                <a:latin typeface="Arial" panose="020B0604020202020204" pitchFamily="34" charset="0"/>
-                <a:cs typeface="Arial" panose="020B0604020202020204" pitchFamily="34" charset="0"/>
-              </a:rPr>
-              <a:t>natureza</a:t>
-            </a:r>
-            <a:r>
-              <a:rPr lang="en-US" sz="2100" dirty="0">
-                <a:latin typeface="Arial" panose="020B0604020202020204" pitchFamily="34" charset="0"/>
-                <a:cs typeface="Arial" panose="020B0604020202020204" pitchFamily="34" charset="0"/>
-              </a:rPr>
-              <a:t> e é </a:t>
-            </a:r>
-            <a:r>
-              <a:rPr lang="en-US" sz="2100" dirty="0" err="1">
-                <a:latin typeface="Arial" panose="020B0604020202020204" pitchFamily="34" charset="0"/>
-                <a:cs typeface="Arial" panose="020B0604020202020204" pitchFamily="34" charset="0"/>
-              </a:rPr>
-              <a:t>comumente</a:t>
-            </a:r>
-            <a:r>
-              <a:rPr lang="en-US" sz="2100" dirty="0">
-                <a:latin typeface="Arial" panose="020B0604020202020204" pitchFamily="34" charset="0"/>
-                <a:cs typeface="Arial" panose="020B0604020202020204" pitchFamily="34" charset="0"/>
-              </a:rPr>
-              <a:t> </a:t>
-            </a:r>
-            <a:r>
-              <a:rPr lang="en-US" sz="2100" dirty="0">
-                <a:latin typeface="Arial" panose="020B0604020202020204" pitchFamily="34" charset="0"/>
-                <a:cs typeface="Arial" panose="020B0604020202020204" pitchFamily="34" charset="0"/>
-              </a:rPr>
-              <a:t/>
-            </a:r>
-            <a:br>
-              <a:rPr lang="en-US" sz="2100" dirty="0">
-                <a:latin typeface="Arial" panose="020B0604020202020204" pitchFamily="34" charset="0"/>
-                <a:cs typeface="Arial" panose="020B0604020202020204" pitchFamily="34" charset="0"/>
-              </a:rPr>
-            </a:br>
-            <a:r>
-              <a:rPr lang="en-US" sz="2100" dirty="0" err="1">
-                <a:latin typeface="Arial" panose="020B0604020202020204" pitchFamily="34" charset="0"/>
-                <a:cs typeface="Arial" panose="020B0604020202020204" pitchFamily="34" charset="0"/>
-              </a:rPr>
-              <a:t>usada</a:t>
-            </a:r>
-            <a:r>
-              <a:rPr lang="en-US" sz="2100" dirty="0">
-                <a:latin typeface="Arial" panose="020B0604020202020204" pitchFamily="34" charset="0"/>
-                <a:cs typeface="Arial" panose="020B0604020202020204" pitchFamily="34" charset="0"/>
-              </a:rPr>
-              <a:t> </a:t>
-            </a:r>
-            <a:r>
-              <a:rPr lang="en-US" sz="2100" dirty="0" err="1">
-                <a:latin typeface="Arial" panose="020B0604020202020204" pitchFamily="34" charset="0"/>
-                <a:cs typeface="Arial" panose="020B0604020202020204" pitchFamily="34" charset="0"/>
-              </a:rPr>
-              <a:t>em</a:t>
-            </a:r>
-            <a:r>
-              <a:rPr lang="en-US" sz="2100" dirty="0">
-                <a:latin typeface="Arial" panose="020B0604020202020204" pitchFamily="34" charset="0"/>
-                <a:cs typeface="Arial" panose="020B0604020202020204" pitchFamily="34" charset="0"/>
-              </a:rPr>
-              <a:t> </a:t>
-            </a:r>
-            <a:r>
-              <a:rPr lang="en-US" sz="2100" dirty="0" err="1">
-                <a:latin typeface="Arial" panose="020B0604020202020204" pitchFamily="34" charset="0"/>
-                <a:cs typeface="Arial" panose="020B0604020202020204" pitchFamily="34" charset="0"/>
-              </a:rPr>
-              <a:t>produtos</a:t>
-            </a:r>
-            <a:r>
-              <a:rPr lang="en-US" sz="2100" dirty="0">
-                <a:latin typeface="Arial" panose="020B0604020202020204" pitchFamily="34" charset="0"/>
-                <a:cs typeface="Arial" panose="020B0604020202020204" pitchFamily="34" charset="0"/>
-              </a:rPr>
-              <a:t> </a:t>
-            </a:r>
-            <a:r>
-              <a:rPr lang="en-US" sz="2100" dirty="0" err="1">
-                <a:latin typeface="Arial" panose="020B0604020202020204" pitchFamily="34" charset="0"/>
-                <a:cs typeface="Arial" panose="020B0604020202020204" pitchFamily="34" charset="0"/>
-              </a:rPr>
-              <a:t>ambientais</a:t>
-            </a:r>
-            <a:r>
-              <a:rPr lang="en-US" sz="2100" dirty="0">
-                <a:latin typeface="Arial" panose="020B0604020202020204" pitchFamily="34" charset="0"/>
-                <a:cs typeface="Arial" panose="020B0604020202020204" pitchFamily="34" charset="0"/>
-              </a:rPr>
-              <a:t>,</a:t>
-            </a:r>
-            <a:r>
-              <a:rPr lang="en-US" sz="2100" dirty="0">
-                <a:latin typeface="Arial" panose="020B0604020202020204" pitchFamily="34" charset="0"/>
-                <a:cs typeface="Arial" panose="020B0604020202020204" pitchFamily="34" charset="0"/>
-              </a:rPr>
-              <a:t>​ </a:t>
-            </a:r>
-            <a:r>
-              <a:rPr lang="en-US" sz="2100" dirty="0" err="1">
-                <a:latin typeface="Arial" panose="020B0604020202020204" pitchFamily="34" charset="0"/>
-                <a:cs typeface="Arial" panose="020B0604020202020204" pitchFamily="34" charset="0"/>
-              </a:rPr>
-              <a:t>orgânicos</a:t>
-            </a:r>
-            <a:r>
-              <a:rPr lang="en-US" sz="2100" dirty="0">
-                <a:latin typeface="Arial" panose="020B0604020202020204" pitchFamily="34" charset="0"/>
-                <a:cs typeface="Arial" panose="020B0604020202020204" pitchFamily="34" charset="0"/>
-              </a:rPr>
-              <a:t>. </a:t>
-            </a:r>
-            <a:r>
-              <a:rPr lang="en-US" sz="2100" dirty="0">
-                <a:latin typeface="Arial" panose="020B0604020202020204" pitchFamily="34" charset="0"/>
-                <a:cs typeface="Arial" panose="020B0604020202020204" pitchFamily="34" charset="0"/>
-              </a:rPr>
-              <a:t/>
-            </a:r>
-            <a:br>
-              <a:rPr lang="en-US" sz="2100" dirty="0">
-                <a:latin typeface="Arial" panose="020B0604020202020204" pitchFamily="34" charset="0"/>
-                <a:cs typeface="Arial" panose="020B0604020202020204" pitchFamily="34" charset="0"/>
-              </a:rPr>
-            </a:br>
-            <a:r>
-              <a:rPr lang="en-US" sz="2100" dirty="0">
-                <a:latin typeface="Arial" panose="020B0604020202020204" pitchFamily="34" charset="0"/>
-                <a:cs typeface="Arial" panose="020B0604020202020204" pitchFamily="34" charset="0"/>
-              </a:rPr>
-              <a:t>Ela</a:t>
-            </a:r>
-            <a:r>
-              <a:rPr lang="en-US" sz="2100" dirty="0">
-                <a:latin typeface="Arial" panose="020B0604020202020204" pitchFamily="34" charset="0"/>
-                <a:cs typeface="Arial" panose="020B0604020202020204" pitchFamily="34" charset="0"/>
-              </a:rPr>
-              <a:t> </a:t>
-            </a:r>
-            <a:r>
-              <a:rPr lang="en-US" sz="2100" dirty="0" err="1">
-                <a:latin typeface="Arial" panose="020B0604020202020204" pitchFamily="34" charset="0"/>
-                <a:cs typeface="Arial" panose="020B0604020202020204" pitchFamily="34" charset="0"/>
-              </a:rPr>
-              <a:t>expressa</a:t>
-            </a:r>
-            <a:r>
-              <a:rPr lang="en-US" sz="2100" dirty="0">
-                <a:latin typeface="Arial" panose="020B0604020202020204" pitchFamily="34" charset="0"/>
-                <a:cs typeface="Arial" panose="020B0604020202020204" pitchFamily="34" charset="0"/>
-              </a:rPr>
-              <a:t> </a:t>
-            </a:r>
-            <a:r>
-              <a:rPr lang="en-US" sz="2100" dirty="0" err="1">
-                <a:latin typeface="Arial" panose="020B0604020202020204" pitchFamily="34" charset="0"/>
-                <a:cs typeface="Arial" panose="020B0604020202020204" pitchFamily="34" charset="0"/>
-              </a:rPr>
-              <a:t>energia</a:t>
-            </a:r>
-            <a:r>
-              <a:rPr lang="en-US" sz="2100" dirty="0">
-                <a:latin typeface="Arial" panose="020B0604020202020204" pitchFamily="34" charset="0"/>
-                <a:cs typeface="Arial" panose="020B0604020202020204" pitchFamily="34" charset="0"/>
-              </a:rPr>
-              <a:t> e </a:t>
-            </a:r>
-            <a:r>
-              <a:rPr lang="en-US" sz="2100" dirty="0" err="1">
-                <a:latin typeface="Arial" panose="020B0604020202020204" pitchFamily="34" charset="0"/>
-                <a:cs typeface="Arial" panose="020B0604020202020204" pitchFamily="34" charset="0"/>
-              </a:rPr>
-              <a:t>dinamismo</a:t>
-            </a:r>
-            <a:r>
-              <a:rPr lang="en-US" sz="2100" dirty="0">
-                <a:latin typeface="Arial" panose="020B0604020202020204" pitchFamily="34" charset="0"/>
-                <a:cs typeface="Arial" panose="020B0604020202020204" pitchFamily="34" charset="0"/>
-              </a:rPr>
-              <a:t> e </a:t>
-            </a:r>
-            <a:r>
-              <a:rPr lang="en-US" sz="2100" dirty="0" err="1">
-                <a:latin typeface="Arial" panose="020B0604020202020204" pitchFamily="34" charset="0"/>
-                <a:cs typeface="Arial" panose="020B0604020202020204" pitchFamily="34" charset="0"/>
-              </a:rPr>
-              <a:t>traz</a:t>
-            </a:r>
-            <a:r>
-              <a:rPr lang="en-US" sz="2100" dirty="0">
-                <a:latin typeface="Arial" panose="020B0604020202020204" pitchFamily="34" charset="0"/>
-                <a:cs typeface="Arial" panose="020B0604020202020204" pitchFamily="34" charset="0"/>
-              </a:rPr>
-              <a:t> a </a:t>
-            </a:r>
-            <a:r>
-              <a:rPr lang="en-US" sz="2100" dirty="0" err="1">
-                <a:latin typeface="Arial" panose="020B0604020202020204" pitchFamily="34" charset="0"/>
-                <a:cs typeface="Arial" panose="020B0604020202020204" pitchFamily="34" charset="0"/>
-              </a:rPr>
-              <a:t>sensação</a:t>
-            </a:r>
-            <a:r>
-              <a:rPr lang="en-US" sz="2100" dirty="0">
-                <a:latin typeface="Arial" panose="020B0604020202020204" pitchFamily="34" charset="0"/>
-                <a:cs typeface="Arial" panose="020B0604020202020204" pitchFamily="34" charset="0"/>
-              </a:rPr>
-              <a:t> ​</a:t>
-            </a:r>
-            <a:br>
-              <a:rPr lang="en-US" sz="2100" dirty="0">
-                <a:latin typeface="Arial" panose="020B0604020202020204" pitchFamily="34" charset="0"/>
-                <a:cs typeface="Arial" panose="020B0604020202020204" pitchFamily="34" charset="0"/>
-              </a:rPr>
-            </a:br>
-            <a:r>
-              <a:rPr lang="en-US" sz="2100" dirty="0">
-                <a:latin typeface="Arial" panose="020B0604020202020204" pitchFamily="34" charset="0"/>
-                <a:cs typeface="Arial" panose="020B0604020202020204" pitchFamily="34" charset="0"/>
-              </a:rPr>
-              <a:t>de </a:t>
-            </a:r>
-            <a:r>
-              <a:rPr lang="en-US" sz="2100" dirty="0" err="1">
-                <a:latin typeface="Arial" panose="020B0604020202020204" pitchFamily="34" charset="0"/>
-                <a:cs typeface="Arial" panose="020B0604020202020204" pitchFamily="34" charset="0"/>
-              </a:rPr>
-              <a:t>renovação</a:t>
-            </a:r>
-            <a:r>
-              <a:rPr lang="en-US" sz="2100" dirty="0">
-                <a:latin typeface="Arial" panose="020B0604020202020204" pitchFamily="34" charset="0"/>
-                <a:cs typeface="Arial" panose="020B0604020202020204" pitchFamily="34" charset="0"/>
-              </a:rPr>
-              <a:t>. ​​</a:t>
-            </a:r>
-            <a:r>
-              <a:rPr lang="en-US" dirty="0"/>
-              <a:t/>
-            </a:r>
-            <a:br>
-              <a:rPr lang="en-US" dirty="0"/>
-            </a:br>
-            <a:r>
-              <a:rPr lang="en-US" dirty="0"/>
-              <a:t> ​</a:t>
-            </a:r>
-          </a:p>
-          <a:p>
-            <a:pPr fontAlgn="base"/>
-            <a:r>
-              <a:rPr lang="en-US" dirty="0"/>
-              <a:t> </a:t>
-            </a:r>
-            <a:r>
-              <a:rPr lang="en-US" b="1" dirty="0"/>
-              <a:t>CORES:</a:t>
-            </a:r>
-            <a:r>
-              <a:rPr lang="en-US" dirty="0"/>
-              <a:t>​</a:t>
-            </a:r>
-            <a:br>
-              <a:rPr lang="en-US" dirty="0"/>
-            </a:br>
-            <a:r>
-              <a:rPr lang="en-US" sz="2100" dirty="0">
-                <a:latin typeface="Arial" panose="020B0604020202020204" pitchFamily="34" charset="0"/>
-                <a:cs typeface="Arial" panose="020B0604020202020204" pitchFamily="34" charset="0"/>
-              </a:rPr>
-              <a:t>#337744 ​​</a:t>
-            </a:r>
-            <a:br>
-              <a:rPr lang="en-US" sz="2100" dirty="0">
-                <a:latin typeface="Arial" panose="020B0604020202020204" pitchFamily="34" charset="0"/>
-                <a:cs typeface="Arial" panose="020B0604020202020204" pitchFamily="34" charset="0"/>
-              </a:rPr>
-            </a:br>
-            <a:r>
-              <a:rPr lang="en-US" sz="2100" dirty="0">
-                <a:latin typeface="Arial" panose="020B0604020202020204" pitchFamily="34" charset="0"/>
-                <a:cs typeface="Arial" panose="020B0604020202020204" pitchFamily="34" charset="0"/>
-              </a:rPr>
-              <a:t>#8fbb1c​​</a:t>
-            </a:r>
-            <a:br>
-              <a:rPr lang="en-US" sz="2100" dirty="0">
-                <a:latin typeface="Arial" panose="020B0604020202020204" pitchFamily="34" charset="0"/>
-                <a:cs typeface="Arial" panose="020B0604020202020204" pitchFamily="34" charset="0"/>
-              </a:rPr>
-            </a:br>
-            <a:r>
-              <a:rPr lang="en-US" sz="2100" dirty="0">
-                <a:latin typeface="Arial" panose="020B0604020202020204" pitchFamily="34" charset="0"/>
-                <a:cs typeface="Arial" panose="020B0604020202020204" pitchFamily="34" charset="0"/>
-              </a:rPr>
-              <a:t>#</a:t>
-            </a:r>
-            <a:r>
-              <a:rPr lang="en-US" sz="2100" dirty="0" err="1">
-                <a:latin typeface="Arial" panose="020B0604020202020204" pitchFamily="34" charset="0"/>
-                <a:cs typeface="Arial" panose="020B0604020202020204" pitchFamily="34" charset="0"/>
-              </a:rPr>
-              <a:t>ffffff</a:t>
-            </a:r>
-            <a:r>
-              <a:rPr lang="en-US" sz="2100" dirty="0">
-                <a:latin typeface="Arial" panose="020B0604020202020204" pitchFamily="34" charset="0"/>
-                <a:cs typeface="Arial" panose="020B0604020202020204" pitchFamily="34" charset="0"/>
-              </a:rPr>
-              <a:t>​​</a:t>
-            </a:r>
-            <a:br>
-              <a:rPr lang="en-US" sz="2100" dirty="0">
-                <a:latin typeface="Arial" panose="020B0604020202020204" pitchFamily="34" charset="0"/>
-                <a:cs typeface="Arial" panose="020B0604020202020204" pitchFamily="34" charset="0"/>
-              </a:rPr>
-            </a:br>
-            <a:r>
-              <a:rPr lang="en-US" sz="2100" dirty="0">
-                <a:latin typeface="Arial" panose="020B0604020202020204" pitchFamily="34" charset="0"/>
-                <a:cs typeface="Arial" panose="020B0604020202020204" pitchFamily="34" charset="0"/>
-              </a:rPr>
-              <a:t>#11421a​</a:t>
-            </a:r>
-            <a:r>
-              <a:rPr lang="en-US" dirty="0"/>
-              <a:t/>
-            </a:r>
-            <a:br>
-              <a:rPr lang="en-US" dirty="0"/>
-            </a:br>
-            <a:r>
-              <a:rPr lang="en-US" dirty="0"/>
-              <a:t>​</a:t>
-            </a:r>
-          </a:p>
-          <a:p>
-            <a:pPr fontAlgn="base"/>
-            <a:r>
-              <a:rPr lang="en-US" b="1" dirty="0"/>
-              <a:t>TIPOGRAFIA:</a:t>
-            </a:r>
-            <a:r>
-              <a:rPr lang="en-US" dirty="0"/>
-              <a:t>​</a:t>
-            </a:r>
-            <a:br>
-              <a:rPr lang="en-US" dirty="0"/>
-            </a:br>
-            <a:r>
-              <a:rPr lang="en-US" dirty="0" err="1">
-                <a:latin typeface="Arial" panose="020B0604020202020204" pitchFamily="34" charset="0"/>
-                <a:cs typeface="Arial" panose="020B0604020202020204" pitchFamily="34" charset="0"/>
-              </a:rPr>
-              <a:t>Letras</a:t>
-            </a:r>
-            <a:r>
-              <a:rPr lang="en-US" dirty="0">
-                <a:latin typeface="Arial" panose="020B0604020202020204" pitchFamily="34" charset="0"/>
-                <a:cs typeface="Arial" panose="020B0604020202020204" pitchFamily="34" charset="0"/>
-              </a:rPr>
-              <a:t> simples e </a:t>
-            </a:r>
-            <a:r>
-              <a:rPr lang="en-US" dirty="0" err="1">
-                <a:latin typeface="Arial" panose="020B0604020202020204" pitchFamily="34" charset="0"/>
-                <a:cs typeface="Arial" panose="020B0604020202020204" pitchFamily="34" charset="0"/>
-              </a:rPr>
-              <a:t>leves</a:t>
-            </a:r>
-            <a:r>
-              <a:rPr lang="en-US" dirty="0">
-                <a:latin typeface="Arial" panose="020B0604020202020204" pitchFamily="34" charset="0"/>
-                <a:cs typeface="Arial" panose="020B0604020202020204" pitchFamily="34" charset="0"/>
-              </a:rPr>
-              <a:t> que </a:t>
-            </a:r>
-            <a:r>
-              <a:rPr lang="en-US" dirty="0" err="1">
-                <a:latin typeface="Arial" panose="020B0604020202020204" pitchFamily="34" charset="0"/>
-                <a:cs typeface="Arial" panose="020B0604020202020204" pitchFamily="34" charset="0"/>
-              </a:rPr>
-              <a:t>tentam</a:t>
-            </a:r>
-            <a:r>
-              <a:rPr lang="en-US" dirty="0">
-                <a:latin typeface="Arial" panose="020B0604020202020204" pitchFamily="34" charset="0"/>
-                <a:cs typeface="Arial" panose="020B0604020202020204" pitchFamily="34" charset="0"/>
-              </a:rPr>
-              <a:t> </a:t>
-            </a:r>
-            <a:r>
-              <a:rPr lang="en-US" dirty="0" err="1">
-                <a:latin typeface="Arial" panose="020B0604020202020204" pitchFamily="34" charset="0"/>
-                <a:cs typeface="Arial" panose="020B0604020202020204" pitchFamily="34" charset="0"/>
-              </a:rPr>
-              <a:t>mostrar</a:t>
-            </a:r>
-            <a:r>
-              <a:rPr lang="en-US" dirty="0">
-                <a:latin typeface="Arial" panose="020B0604020202020204" pitchFamily="34" charset="0"/>
-                <a:cs typeface="Arial" panose="020B0604020202020204" pitchFamily="34" charset="0"/>
-              </a:rPr>
-              <a:t> </a:t>
-            </a:r>
-            <a:r>
-              <a:rPr lang="en-US" dirty="0" err="1">
-                <a:latin typeface="Arial" panose="020B0604020202020204" pitchFamily="34" charset="0"/>
-                <a:cs typeface="Arial" panose="020B0604020202020204" pitchFamily="34" charset="0"/>
-              </a:rPr>
-              <a:t>como</a:t>
-            </a:r>
-            <a:r>
-              <a:rPr lang="en-US" dirty="0">
-                <a:latin typeface="Arial" panose="020B0604020202020204" pitchFamily="34" charset="0"/>
-                <a:cs typeface="Arial" panose="020B0604020202020204" pitchFamily="34" charset="0"/>
-              </a:rPr>
-              <a:t> a </a:t>
-            </a:r>
-            <a:r>
-              <a:rPr lang="en-US" dirty="0" err="1">
-                <a:latin typeface="Arial" panose="020B0604020202020204" pitchFamily="34" charset="0"/>
-                <a:cs typeface="Arial" panose="020B0604020202020204" pitchFamily="34" charset="0"/>
-              </a:rPr>
-              <a:t>empresa</a:t>
-            </a:r>
-            <a:r>
-              <a:rPr lang="en-US" dirty="0">
-                <a:latin typeface="Arial" panose="020B0604020202020204" pitchFamily="34" charset="0"/>
-                <a:cs typeface="Arial" panose="020B0604020202020204" pitchFamily="34" charset="0"/>
-              </a:rPr>
-              <a:t>​</a:t>
-            </a:r>
-            <a:br>
-              <a:rPr lang="en-US" dirty="0">
-                <a:latin typeface="Arial" panose="020B0604020202020204" pitchFamily="34" charset="0"/>
-                <a:cs typeface="Arial" panose="020B0604020202020204" pitchFamily="34" charset="0"/>
-              </a:rPr>
-            </a:br>
-            <a:r>
-              <a:rPr lang="en-US" dirty="0" err="1">
-                <a:latin typeface="Arial" panose="020B0604020202020204" pitchFamily="34" charset="0"/>
-                <a:cs typeface="Arial" panose="020B0604020202020204" pitchFamily="34" charset="0"/>
-              </a:rPr>
-              <a:t>traz</a:t>
-            </a:r>
-            <a:r>
-              <a:rPr lang="en-US" dirty="0">
-                <a:latin typeface="Arial" panose="020B0604020202020204" pitchFamily="34" charset="0"/>
-                <a:cs typeface="Arial" panose="020B0604020202020204" pitchFamily="34" charset="0"/>
-              </a:rPr>
-              <a:t> </a:t>
-            </a:r>
-            <a:r>
-              <a:rPr lang="en-US" dirty="0" err="1">
-                <a:latin typeface="Arial" panose="020B0604020202020204" pitchFamily="34" charset="0"/>
-                <a:cs typeface="Arial" panose="020B0604020202020204" pitchFamily="34" charset="0"/>
-              </a:rPr>
-              <a:t>praticidade</a:t>
-            </a:r>
-            <a:r>
-              <a:rPr lang="en-US" dirty="0">
-                <a:latin typeface="Arial" panose="020B0604020202020204" pitchFamily="34" charset="0"/>
-                <a:cs typeface="Arial" panose="020B0604020202020204" pitchFamily="34" charset="0"/>
-              </a:rPr>
-              <a:t> e </a:t>
-            </a:r>
-            <a:r>
-              <a:rPr lang="en-US" dirty="0" err="1">
-                <a:latin typeface="Arial" panose="020B0604020202020204" pitchFamily="34" charset="0"/>
-                <a:cs typeface="Arial" panose="020B0604020202020204" pitchFamily="34" charset="0"/>
-              </a:rPr>
-              <a:t>modernidade</a:t>
-            </a:r>
-            <a:r>
-              <a:rPr lang="en-US" dirty="0">
-                <a:latin typeface="Arial" panose="020B0604020202020204" pitchFamily="34" charset="0"/>
-                <a:cs typeface="Arial" panose="020B0604020202020204" pitchFamily="34" charset="0"/>
-              </a:rPr>
-              <a:t>. ​</a:t>
-            </a:r>
-            <a:br>
-              <a:rPr lang="en-US" dirty="0">
-                <a:latin typeface="Arial" panose="020B0604020202020204" pitchFamily="34" charset="0"/>
-                <a:cs typeface="Arial" panose="020B0604020202020204" pitchFamily="34" charset="0"/>
-              </a:rPr>
-            </a:br>
-            <a:r>
-              <a:rPr lang="en-US" dirty="0">
-                <a:latin typeface="Arial" panose="020B0604020202020204" pitchFamily="34" charset="0"/>
-                <a:cs typeface="Arial" panose="020B0604020202020204" pitchFamily="34" charset="0"/>
-              </a:rPr>
-              <a:t>​</a:t>
-            </a:r>
-          </a:p>
-          <a:p>
-            <a:pPr fontAlgn="base"/>
-            <a:r>
-              <a:rPr lang="en-US" dirty="0">
-                <a:latin typeface="Arial" panose="020B0604020202020204" pitchFamily="34" charset="0"/>
-                <a:cs typeface="Arial" panose="020B0604020202020204" pitchFamily="34" charset="0"/>
-              </a:rPr>
-              <a:t> </a:t>
-            </a:r>
-            <a:r>
-              <a:rPr lang="en-US" b="1" dirty="0"/>
-              <a:t>Fonte: </a:t>
-            </a:r>
-            <a:r>
-              <a:rPr lang="en-US" dirty="0" err="1">
-                <a:latin typeface="Arial" panose="020B0604020202020204" pitchFamily="34" charset="0"/>
-                <a:cs typeface="Arial" panose="020B0604020202020204" pitchFamily="34" charset="0"/>
-              </a:rPr>
-              <a:t>Pacifico</a:t>
-            </a:r>
-            <a:r>
-              <a:rPr lang="en-US" dirty="0">
-                <a:latin typeface="Arial" panose="020B0604020202020204" pitchFamily="34" charset="0"/>
-                <a:cs typeface="Arial" panose="020B0604020202020204" pitchFamily="34" charset="0"/>
-              </a:rPr>
-              <a:t> </a:t>
-            </a:r>
-            <a:r>
-              <a:rPr lang="en-US" dirty="0" smtClean="0">
-                <a:latin typeface="Arial" panose="020B0604020202020204" pitchFamily="34" charset="0"/>
-                <a:cs typeface="Arial" panose="020B0604020202020204" pitchFamily="34" charset="0"/>
-              </a:rPr>
-              <a:t>​</a:t>
-            </a:r>
-            <a:br>
-              <a:rPr lang="en-US" dirty="0" smtClean="0">
-                <a:latin typeface="Arial" panose="020B0604020202020204" pitchFamily="34" charset="0"/>
-                <a:cs typeface="Arial" panose="020B0604020202020204" pitchFamily="34" charset="0"/>
-              </a:rPr>
-            </a:br>
-            <a:r>
-              <a:rPr lang="en-US" dirty="0" err="1" smtClean="0">
-                <a:latin typeface="Arial" panose="020B0604020202020204" pitchFamily="34" charset="0"/>
-                <a:cs typeface="Arial" panose="020B0604020202020204" pitchFamily="34" charset="0"/>
-              </a:rPr>
-              <a:t>Disponível</a:t>
-            </a:r>
-            <a:r>
-              <a:rPr lang="en-US" dirty="0">
-                <a:latin typeface="Arial" panose="020B0604020202020204" pitchFamily="34" charset="0"/>
-                <a:cs typeface="Arial" panose="020B0604020202020204" pitchFamily="34" charset="0"/>
-              </a:rPr>
-              <a:t> </a:t>
-            </a:r>
-            <a:r>
-              <a:rPr lang="en-US" dirty="0" err="1">
-                <a:latin typeface="Arial" panose="020B0604020202020204" pitchFamily="34" charset="0"/>
-                <a:cs typeface="Arial" panose="020B0604020202020204" pitchFamily="34" charset="0"/>
-              </a:rPr>
-              <a:t>em</a:t>
-            </a:r>
-            <a:r>
-              <a:rPr lang="en-US" dirty="0">
-                <a:latin typeface="Arial" panose="020B0604020202020204" pitchFamily="34" charset="0"/>
-                <a:cs typeface="Arial" panose="020B0604020202020204" pitchFamily="34" charset="0"/>
-              </a:rPr>
-              <a:t> www.dafont.com</a:t>
-            </a:r>
-          </a:p>
-          <a:p>
-            <a:endParaRPr lang="pt-BR" dirty="0"/>
-          </a:p>
-        </p:txBody>
-      </p:sp>
-      <p:sp>
-        <p:nvSpPr>
-          <p:cNvPr id="4" name="Espaço Reservado para Número de Slide 3"/>
-          <p:cNvSpPr>
-            <a:spLocks noGrp="1"/>
-          </p:cNvSpPr>
-          <p:nvPr>
-            <p:ph type="sldNum" sz="quarter" idx="12"/>
-          </p:nvPr>
-        </p:nvSpPr>
-        <p:spPr/>
-        <p:txBody>
-          <a:bodyPr/>
-          <a:lstStyle/>
-          <a:p>
-            <a:pPr rtl="0"/>
-            <a:fld id="{4FAB73BC-B049-4115-A692-8D63A059BFB8}" type="slidenum">
-              <a:rPr lang="pt-BR" noProof="0" smtClean="0"/>
-              <a:t>5</a:t>
-            </a:fld>
-            <a:endParaRPr lang="pt-BR" noProof="0" dirty="0"/>
-          </a:p>
-        </p:txBody>
-      </p:sp>
-      <p:pic>
-        <p:nvPicPr>
-          <p:cNvPr id="5" name="Imagem 4"/>
-          <p:cNvPicPr>
-            <a:picLocks noChangeAspect="1"/>
-          </p:cNvPicPr>
-          <p:nvPr/>
-        </p:nvPicPr>
-        <p:blipFill>
-          <a:blip r:embed="rId2">
-            <a:extLst>
-              <a:ext uri="{28A0092B-C50C-407E-A947-70E740481C1C}">
-                <a14:useLocalDpi xmlns:a14="http://schemas.microsoft.com/office/drawing/2010/main" val="0"/>
-              </a:ext>
-            </a:extLst>
-          </a:blip>
-          <a:stretch>
-            <a:fillRect/>
-          </a:stretch>
-        </p:blipFill>
-        <p:spPr>
-          <a:xfrm>
-            <a:off x="5902413" y="-84082"/>
-            <a:ext cx="6289587" cy="6942082"/>
-          </a:xfrm>
-          <a:prstGeom prst="rect">
-            <a:avLst/>
-          </a:prstGeom>
-        </p:spPr>
-      </p:pic>
-    </p:spTree>
-    <p:extLst>
-      <p:ext uri="{BB962C8B-B14F-4D97-AF65-F5344CB8AC3E}">
-        <p14:creationId xmlns:p14="http://schemas.microsoft.com/office/powerpoint/2010/main" val="1977514925"/>
-      </p:ext>
-    </p:extLst>
-  </p:cSld>
-  <p:clrMapOvr>
-    <a:masterClrMapping/>
-  </p:clrMapOvr>
-  <p:timing>
-    <p:tnLst>
-      <p:par>
-        <p:cTn id="1" dur="indefinite" restart="never" nodeType="tmRoot"/>
-      </p:par>
-    </p:tnLst>
-  </p:timing>
-</p:sld>
-</file>
-
-<file path=ppt/slides/slide6.xml><?xml version="1.0" encoding="utf-8"?>
-<p:sld xmlns:a="http://schemas.openxmlformats.org/drawingml/2006/main" xmlns:r="http://schemas.openxmlformats.org/officeDocument/2006/relationships" xmlns:p="http://schemas.openxmlformats.org/presentationml/2006/main">
-  <p:cSld>
-    <p:bg>
-      <p:bgPr>
-        <a:solidFill>
-          <a:schemeClr val="bg1"/>
-        </a:solidFill>
-        <a:effectLst/>
-      </p:bgPr>
-    </p:bg>
-    <p:spTree>
-      <p:nvGrpSpPr>
-        <p:cNvPr id="1" name=""/>
-        <p:cNvGrpSpPr/>
-        <p:nvPr/>
-      </p:nvGrpSpPr>
-      <p:grpSpPr>
-        <a:xfrm>
-          <a:off x="0" y="0"/>
-          <a:ext cx="0" cy="0"/>
-          <a:chOff x="0" y="0"/>
-          <a:chExt cx="0" cy="0"/>
-        </a:xfrm>
-      </p:grpSpPr>
-      <p:sp>
-        <p:nvSpPr>
-          <p:cNvPr id="22" name="Retângulo 13">
-            <a:extLst>
-              <a:ext uri="{FF2B5EF4-FFF2-40B4-BE49-F238E27FC236}">
-                <a16:creationId xmlns:a16="http://schemas.microsoft.com/office/drawing/2014/main" id="{A943D298-0548-4C7A-870B-7594104F8214}"/>
-              </a:ext>
-              <a:ext uri="{C183D7F6-B498-43B3-948B-1728B52AA6E4}">
-                <adec:decorative xmlns="" xmlns:adec="http://schemas.microsoft.com/office/drawing/2017/decorative" val="1"/>
-              </a:ext>
-            </a:extLst>
-          </p:cNvPr>
-          <p:cNvSpPr>
-            <a:spLocks noGrp="1" noRot="1" noChangeAspect="1" noMove="1" noResize="1" noEditPoints="1" noAdjustHandles="1" noChangeArrowheads="1" noChangeShapeType="1" noTextEdit="1"/>
-          </p:cNvSpPr>
-          <p:nvPr>
-            <p:extLst>
-              <p:ext uri="{386F3935-93C4-4BCD-93E2-E3B085C9AB24}">
-                <p16:designElem xmlns:p16="http://schemas.microsoft.com/office/powerpoint/2015/main" val="1"/>
-              </p:ext>
-            </p:extLst>
-          </p:nvPr>
-        </p:nvSpPr>
-        <p:spPr bwMode="white">
-          <a:xfrm>
-            <a:off x="-7620" y="-1"/>
-            <a:ext cx="12207240" cy="6858001"/>
-          </a:xfrm>
-          <a:prstGeom prst="rect">
-            <a:avLst/>
-          </a:prstGeom>
-          <a:solidFill>
-            <a:schemeClr val="bg1"/>
-          </a:solidFill>
-          <a:ln>
-            <a:noFill/>
-          </a:ln>
-        </p:spPr>
-        <p:style>
-          <a:lnRef idx="2">
-            <a:schemeClr val="accent1">
-              <a:shade val="50000"/>
-            </a:schemeClr>
-          </a:lnRef>
-          <a:fillRef idx="1">
-            <a:schemeClr val="accent1"/>
-          </a:fillRef>
-          <a:effectRef idx="0">
-            <a:schemeClr val="accent1"/>
-          </a:effectRef>
-          <a:fontRef idx="minor">
-            <a:schemeClr val="lt1"/>
-          </a:fontRef>
-        </p:style>
-        <p:txBody>
-          <a:bodyPr rot="0" spcFirstLastPara="0" vert="horz" wrap="square" lIns="91440" tIns="45720" rIns="91440" bIns="45720" numCol="1" spcCol="0" rtlCol="0" fromWordArt="0" anchor="ctr" anchorCtr="0" forceAA="0" compatLnSpc="1">
-            <a:prstTxWarp prst="textNoShape">
-              <a:avLst/>
-            </a:prstTxWarp>
-            <a:noAutofit/>
-          </a:bodyPr>
-          <a:lstStyle>
-            <a:defPPr>
-              <a:defRPr lang="en-US"/>
-            </a:defPPr>
-            <a:lvl1pPr marL="0" algn="l" defTabSz="914400" rtl="0" eaLnBrk="1" latinLnBrk="0" hangingPunct="1">
-              <a:defRPr sz="1800" kern="1200">
-                <a:solidFill>
-                  <a:schemeClr val="lt1"/>
-                </a:solidFill>
-                <a:latin typeface="+mn-lt"/>
-                <a:ea typeface="+mn-ea"/>
-                <a:cs typeface="+mn-cs"/>
-              </a:defRPr>
-            </a:lvl1pPr>
-            <a:lvl2pPr marL="457200" algn="l" defTabSz="914400" rtl="0" eaLnBrk="1" latinLnBrk="0" hangingPunct="1">
-              <a:defRPr sz="1800" kern="1200">
-                <a:solidFill>
-                  <a:schemeClr val="lt1"/>
-                </a:solidFill>
-                <a:latin typeface="+mn-lt"/>
-                <a:ea typeface="+mn-ea"/>
-                <a:cs typeface="+mn-cs"/>
-              </a:defRPr>
-            </a:lvl2pPr>
-            <a:lvl3pPr marL="914400" algn="l" defTabSz="914400" rtl="0" eaLnBrk="1" latinLnBrk="0" hangingPunct="1">
-              <a:defRPr sz="1800" kern="1200">
-                <a:solidFill>
-                  <a:schemeClr val="lt1"/>
-                </a:solidFill>
-                <a:latin typeface="+mn-lt"/>
-                <a:ea typeface="+mn-ea"/>
-                <a:cs typeface="+mn-cs"/>
-              </a:defRPr>
-            </a:lvl3pPr>
-            <a:lvl4pPr marL="1371600" algn="l" defTabSz="914400" rtl="0" eaLnBrk="1" latinLnBrk="0" hangingPunct="1">
-              <a:defRPr sz="1800" kern="1200">
-                <a:solidFill>
-                  <a:schemeClr val="lt1"/>
-                </a:solidFill>
-                <a:latin typeface="+mn-lt"/>
-                <a:ea typeface="+mn-ea"/>
-                <a:cs typeface="+mn-cs"/>
-              </a:defRPr>
-            </a:lvl4pPr>
-            <a:lvl5pPr marL="1828800" algn="l" defTabSz="914400" rtl="0" eaLnBrk="1" latinLnBrk="0" hangingPunct="1">
-              <a:defRPr sz="1800" kern="1200">
-                <a:solidFill>
-                  <a:schemeClr val="lt1"/>
-                </a:solidFill>
-                <a:latin typeface="+mn-lt"/>
-                <a:ea typeface="+mn-ea"/>
-                <a:cs typeface="+mn-cs"/>
-              </a:defRPr>
-            </a:lvl5pPr>
-            <a:lvl6pPr marL="2286000" algn="l" defTabSz="914400" rtl="0" eaLnBrk="1" latinLnBrk="0" hangingPunct="1">
-              <a:defRPr sz="1800" kern="1200">
-                <a:solidFill>
-                  <a:schemeClr val="lt1"/>
-                </a:solidFill>
-                <a:latin typeface="+mn-lt"/>
-                <a:ea typeface="+mn-ea"/>
-                <a:cs typeface="+mn-cs"/>
-              </a:defRPr>
-            </a:lvl6pPr>
-            <a:lvl7pPr marL="2743200" algn="l" defTabSz="914400" rtl="0" eaLnBrk="1" latinLnBrk="0" hangingPunct="1">
-              <a:defRPr sz="1800" kern="1200">
-                <a:solidFill>
-                  <a:schemeClr val="lt1"/>
-                </a:solidFill>
-                <a:latin typeface="+mn-lt"/>
-                <a:ea typeface="+mn-ea"/>
-                <a:cs typeface="+mn-cs"/>
-              </a:defRPr>
-            </a:lvl7pPr>
-            <a:lvl8pPr marL="3200400" algn="l" defTabSz="914400" rtl="0" eaLnBrk="1" latinLnBrk="0" hangingPunct="1">
-              <a:defRPr sz="1800" kern="1200">
-                <a:solidFill>
-                  <a:schemeClr val="lt1"/>
-                </a:solidFill>
-                <a:latin typeface="+mn-lt"/>
-                <a:ea typeface="+mn-ea"/>
-                <a:cs typeface="+mn-cs"/>
-              </a:defRPr>
-            </a:lvl8pPr>
-            <a:lvl9pPr marL="3657600" algn="l" defTabSz="914400" rtl="0" eaLnBrk="1" latinLnBrk="0" hangingPunct="1">
-              <a:defRPr sz="1800" kern="1200">
-                <a:solidFill>
-                  <a:schemeClr val="lt1"/>
-                </a:solidFill>
-                <a:latin typeface="+mn-lt"/>
-                <a:ea typeface="+mn-ea"/>
-                <a:cs typeface="+mn-cs"/>
-              </a:defRPr>
-            </a:lvl9pPr>
-          </a:lstStyle>
-          <a:p>
-            <a:pPr algn="ctr" rtl="0"/>
-            <a:endParaRPr lang="pt-BR" dirty="0"/>
-          </a:p>
-        </p:txBody>
-      </p:sp>
-      <p:sp>
-        <p:nvSpPr>
-          <p:cNvPr id="23" name="Retângulo 15">
-            <a:extLst>
-              <a:ext uri="{FF2B5EF4-FFF2-40B4-BE49-F238E27FC236}">
-                <a16:creationId xmlns:a16="http://schemas.microsoft.com/office/drawing/2014/main" id="{FF7B26C5-D249-4988-B86B-5A3D9E7BD900}"/>
-              </a:ext>
-              <a:ext uri="{C183D7F6-B498-43B3-948B-1728B52AA6E4}">
-                <adec:decorative xmlns="" xmlns:adec="http://schemas.microsoft.com/office/drawing/2017/decorative" val="1"/>
-              </a:ext>
-            </a:extLst>
-          </p:cNvPr>
-          <p:cNvSpPr>
-            <a:spLocks noGrp="1" noRot="1" noChangeAspect="1" noMove="1" noResize="1" noEditPoints="1" noAdjustHandles="1" noChangeArrowheads="1" noChangeShapeType="1" noTextEdit="1"/>
-          </p:cNvSpPr>
-          <p:nvPr>
-            <p:extLst>
-              <p:ext uri="{386F3935-93C4-4BCD-93E2-E3B085C9AB24}">
-                <p16:designElem xmlns:p16="http://schemas.microsoft.com/office/powerpoint/2015/main" val="1"/>
-              </p:ext>
-            </p:extLst>
-          </p:nvPr>
-        </p:nvSpPr>
-        <p:spPr>
-          <a:xfrm>
-            <a:off x="-22860" y="0"/>
-            <a:ext cx="12188952" cy="6858000"/>
-          </a:xfrm>
-          <a:prstGeom prst="rect">
-            <a:avLst/>
-          </a:prstGeom>
-          <a:blipFill dpi="0" rotWithShape="1">
-            <a:blip r:embed="rId3">
-              <a:alphaModFix amt="45000"/>
-              <a:lum bright="70000" contrast="-70000"/>
-            </a:blip>
-            <a:srcRect/>
-            <a:tile tx="0" ty="-762000" sx="92000" sy="89000" flip="xy" algn="ctr"/>
-          </a:blipFill>
-          <a:ln>
-            <a:noFill/>
-          </a:ln>
-        </p:spPr>
-        <p:style>
-          <a:lnRef idx="2">
-            <a:schemeClr val="accent1">
-              <a:shade val="50000"/>
-            </a:schemeClr>
-          </a:lnRef>
-          <a:fillRef idx="1">
-            <a:schemeClr val="accent1"/>
-          </a:fillRef>
-          <a:effectRef idx="0">
-            <a:schemeClr val="accent1"/>
-          </a:effectRef>
-          <a:fontRef idx="minor">
-            <a:schemeClr val="lt1"/>
-          </a:fontRef>
-        </p:style>
-        <p:txBody>
-          <a:bodyPr rtlCol="0" anchor="ctr"/>
-          <a:lstStyle/>
-          <a:p>
-            <a:pPr algn="ctr" rtl="0"/>
-            <a:endParaRPr lang="pt-BR" dirty="0"/>
-          </a:p>
-        </p:txBody>
-      </p:sp>
-      <p:sp>
-        <p:nvSpPr>
-          <p:cNvPr id="2" name="Título 1">
-            <a:extLst>
-              <a:ext uri="{FF2B5EF4-FFF2-40B4-BE49-F238E27FC236}">
-                <a16:creationId xmlns:a16="http://schemas.microsoft.com/office/drawing/2014/main" id="{23F6D5E8-15CF-4755-910B-1B5A1E777357}"/>
-              </a:ext>
-            </a:extLst>
-          </p:cNvPr>
-          <p:cNvSpPr>
-            <a:spLocks noGrp="1"/>
-          </p:cNvSpPr>
-          <p:nvPr>
-            <p:ph type="title"/>
-          </p:nvPr>
-        </p:nvSpPr>
-        <p:spPr>
-          <a:xfrm>
-            <a:off x="-7619" y="-1"/>
-            <a:ext cx="9099068" cy="735726"/>
-          </a:xfrm>
-        </p:spPr>
-        <p:txBody>
-          <a:bodyPr rtlCol="0">
-            <a:normAutofit/>
-          </a:bodyPr>
-          <a:lstStyle/>
-          <a:p>
-            <a:pPr rtl="0"/>
-            <a:r>
-              <a:rPr lang="pt-BR" sz="3600" dirty="0" smtClean="0"/>
-              <a:t>Página inicial</a:t>
-            </a:r>
-            <a:endParaRPr lang="pt-BR" sz="3600" dirty="0"/>
           </a:p>
         </p:txBody>
       </p:sp>
@@ -9010,8 +5438,8 @@
         </p:blipFill>
         <p:spPr>
           <a:xfrm>
-            <a:off x="-59436" y="609601"/>
-            <a:ext cx="12259056" cy="6248400"/>
+            <a:off x="0" y="5139"/>
+            <a:ext cx="12201149" cy="6852861"/>
           </a:xfrm>
           <a:prstGeom prst="rect">
             <a:avLst/>
@@ -9021,7 +5449,7 @@
     </p:spTree>
     <p:extLst>
       <p:ext uri="{BB962C8B-B14F-4D97-AF65-F5344CB8AC3E}">
-        <p14:creationId xmlns:p14="http://schemas.microsoft.com/office/powerpoint/2010/main" val="2910136926"/>
+        <p14:creationId xmlns:p14="http://schemas.microsoft.com/office/powerpoint/2010/main" val="531292951"/>
       </p:ext>
     </p:extLst>
   </p:cSld>
@@ -9038,7 +5466,7 @@
 </p:sld>
 </file>
 
-<file path=ppt/slides/slide7.xml><?xml version="1.0" encoding="utf-8"?>
+<file path=ppt/slides/slide3.xml><?xml version="1.0" encoding="utf-8"?>
 <p:sld xmlns:a="http://schemas.openxmlformats.org/drawingml/2006/main" xmlns:r="http://schemas.openxmlformats.org/officeDocument/2006/relationships" xmlns:p="http://schemas.openxmlformats.org/presentationml/2006/main">
   <p:cSld>
     <p:bg>
@@ -9290,43 +5718,6 @@
           <a:p>
             <a:pPr algn="ctr" rtl="0"/>
             <a:endParaRPr lang="pt-BR" dirty="0"/>
-          </a:p>
-        </p:txBody>
-      </p:sp>
-      <p:sp>
-        <p:nvSpPr>
-          <p:cNvPr id="2" name="Título 1">
-            <a:extLst>
-              <a:ext uri="{FF2B5EF4-FFF2-40B4-BE49-F238E27FC236}">
-                <a16:creationId xmlns:a16="http://schemas.microsoft.com/office/drawing/2014/main" id="{23F6D5E8-15CF-4755-910B-1B5A1E777357}"/>
-              </a:ext>
-            </a:extLst>
-          </p:cNvPr>
-          <p:cNvSpPr>
-            <a:spLocks noGrp="1"/>
-          </p:cNvSpPr>
-          <p:nvPr>
-            <p:ph type="title"/>
-          </p:nvPr>
-        </p:nvSpPr>
-        <p:spPr>
-          <a:xfrm>
-            <a:off x="-7619" y="-1"/>
-            <a:ext cx="9099068" cy="735726"/>
-          </a:xfrm>
-        </p:spPr>
-        <p:txBody>
-          <a:bodyPr rtlCol="0">
-            <a:normAutofit/>
-          </a:bodyPr>
-          <a:lstStyle/>
-          <a:p>
-            <a:pPr rtl="0"/>
-            <a:r>
-              <a:rPr lang="pt-BR" sz="3600" dirty="0" smtClean="0"/>
-              <a:t>Página de cadastro</a:t>
-            </a:r>
-            <a:endParaRPr lang="pt-BR" sz="3600" dirty="0"/>
           </a:p>
         </p:txBody>
       </p:sp>
@@ -9525,9 +5916,389 @@
           </p:txBody>
         </p:sp>
       </p:grpSp>
+      <p:sp>
+        <p:nvSpPr>
+          <p:cNvPr id="7" name="CaixaDeTexto 6"/>
+          <p:cNvSpPr txBox="1"/>
+          <p:nvPr/>
+        </p:nvSpPr>
+        <p:spPr>
+          <a:xfrm>
+            <a:off x="327239" y="389604"/>
+            <a:ext cx="11103679" cy="6186309"/>
+          </a:xfrm>
+          <a:prstGeom prst="rect">
+            <a:avLst/>
+          </a:prstGeom>
+          <a:noFill/>
+        </p:spPr>
+        <p:txBody>
+          <a:bodyPr wrap="square" rtlCol="0">
+            <a:spAutoFit/>
+          </a:bodyPr>
+          <a:lstStyle/>
+          <a:p>
+            <a:pPr fontAlgn="base"/>
+            <a:r>
+              <a:rPr lang="en-US" sz="3200" b="1" dirty="0"/>
+              <a:t>RAMO DE ATUAÇÃO DA EMPRESA</a:t>
+            </a:r>
+            <a:r>
+              <a:rPr lang="en-US" sz="3200" dirty="0"/>
+              <a:t> </a:t>
+            </a:r>
+            <a:r>
+              <a:rPr lang="en-US" sz="3200" dirty="0" smtClean="0"/>
+              <a:t>​</a:t>
+            </a:r>
+            <a:br>
+              <a:rPr lang="en-US" sz="3200" dirty="0" smtClean="0"/>
+            </a:br>
+            <a:r>
+              <a:rPr lang="en-US" sz="3200" dirty="0" smtClean="0"/>
+              <a:t/>
+            </a:r>
+            <a:br>
+              <a:rPr lang="en-US" sz="3200" dirty="0" smtClean="0"/>
+            </a:br>
+            <a:endParaRPr lang="en-US" sz="3200" dirty="0"/>
+          </a:p>
+          <a:p>
+            <a:pPr fontAlgn="base"/>
+            <a:r>
+              <a:rPr lang="en-US" dirty="0"/>
+              <a:t>​</a:t>
+            </a:r>
+            <a:br>
+              <a:rPr lang="en-US" dirty="0"/>
+            </a:br>
+            <a:r>
+              <a:rPr lang="en-US" dirty="0"/>
+              <a:t>​</a:t>
+            </a:r>
+            <a:endParaRPr lang="en-US" sz="2000" dirty="0"/>
+          </a:p>
+          <a:p>
+            <a:pPr fontAlgn="base"/>
+            <a:r>
+              <a:rPr lang="en-US" sz="2000" dirty="0"/>
+              <a:t>​</a:t>
+            </a:r>
+            <a:br>
+              <a:rPr lang="en-US" sz="2000" dirty="0"/>
+            </a:br>
+            <a:r>
+              <a:rPr lang="en-US" sz="2000" dirty="0"/>
+              <a:t>A </a:t>
+            </a:r>
+            <a:r>
+              <a:rPr lang="en-US" sz="2000" dirty="0" err="1"/>
+              <a:t>empresa</a:t>
+            </a:r>
+            <a:r>
+              <a:rPr lang="en-US" sz="2000" dirty="0"/>
+              <a:t>                               </a:t>
+            </a:r>
+            <a:r>
+              <a:rPr lang="en-US" sz="2000" dirty="0" smtClean="0"/>
+              <a:t>               </a:t>
+            </a:r>
+            <a:r>
+              <a:rPr lang="en-US" sz="2000" dirty="0" err="1" smtClean="0"/>
+              <a:t>atua</a:t>
+            </a:r>
+            <a:r>
+              <a:rPr lang="en-US" sz="2000" dirty="0"/>
+              <a:t> no </a:t>
+            </a:r>
+            <a:r>
+              <a:rPr lang="en-US" sz="2000" dirty="0" err="1"/>
+              <a:t>ramo</a:t>
+            </a:r>
+            <a:r>
+              <a:rPr lang="en-US" sz="2000" dirty="0"/>
+              <a:t> da </a:t>
+            </a:r>
+            <a:r>
+              <a:rPr lang="en-US" sz="2000" dirty="0" err="1"/>
+              <a:t>alimentação</a:t>
+            </a:r>
+            <a:r>
+              <a:rPr lang="en-US" sz="2000" dirty="0"/>
+              <a:t> </a:t>
+            </a:r>
+            <a:r>
+              <a:rPr lang="en-US" sz="2000" dirty="0" err="1"/>
+              <a:t>saudável</a:t>
+            </a:r>
+            <a:r>
+              <a:rPr lang="en-US" sz="2000" dirty="0"/>
+              <a:t> e </a:t>
+            </a:r>
+            <a:r>
+              <a:rPr lang="en-US" sz="2000" dirty="0" err="1"/>
+              <a:t>orgânica</a:t>
+            </a:r>
+            <a:r>
+              <a:rPr lang="en-US" sz="2000" dirty="0"/>
+              <a:t>.​</a:t>
+            </a:r>
+            <a:r>
+              <a:rPr lang="en-US" dirty="0"/>
+              <a:t/>
+            </a:r>
+            <a:br>
+              <a:rPr lang="en-US" dirty="0"/>
+            </a:br>
+            <a:r>
+              <a:rPr lang="en-US" dirty="0" smtClean="0"/>
+              <a:t>​</a:t>
+            </a:r>
+            <a:r>
+              <a:rPr lang="en-US" sz="3200" dirty="0"/>
+              <a:t/>
+            </a:r>
+            <a:br>
+              <a:rPr lang="en-US" sz="3200" dirty="0"/>
+            </a:br>
+            <a:r>
+              <a:rPr lang="en-US" sz="3200" dirty="0"/>
+              <a:t/>
+            </a:r>
+            <a:br>
+              <a:rPr lang="en-US" sz="3200" dirty="0"/>
+            </a:br>
+            <a:r>
+              <a:rPr lang="en-US" sz="3200" b="1" dirty="0"/>
+              <a:t>SERVIÇOS E PRODUTOS PRESTADOS </a:t>
+            </a:r>
+            <a:r>
+              <a:rPr lang="en-US" sz="3200" dirty="0" smtClean="0"/>
+              <a:t>​</a:t>
+            </a:r>
+            <a:r>
+              <a:rPr lang="en-US" dirty="0" smtClean="0"/>
+              <a:t/>
+            </a:r>
+            <a:br>
+              <a:rPr lang="en-US" dirty="0" smtClean="0"/>
+            </a:br>
+            <a:r>
+              <a:rPr lang="en-US" sz="2400" dirty="0"/>
+              <a:t/>
+            </a:r>
+            <a:br>
+              <a:rPr lang="en-US" sz="2400" dirty="0"/>
+            </a:br>
+            <a:r>
+              <a:rPr lang="en-US" sz="2000" b="1" dirty="0" err="1"/>
+              <a:t>Serviços</a:t>
+            </a:r>
+            <a:r>
+              <a:rPr lang="en-US" sz="2000" b="1" dirty="0"/>
+              <a:t>:</a:t>
+            </a:r>
+            <a:r>
+              <a:rPr lang="en-US" sz="2000" dirty="0"/>
+              <a:t> </a:t>
+            </a:r>
+            <a:r>
+              <a:rPr lang="en-US" sz="2000" dirty="0" err="1"/>
+              <a:t>Seleção</a:t>
+            </a:r>
+            <a:r>
+              <a:rPr lang="en-US" sz="2000" dirty="0"/>
+              <a:t> dos </a:t>
+            </a:r>
+            <a:r>
+              <a:rPr lang="en-US" sz="2000" dirty="0" err="1"/>
+              <a:t>produtos</a:t>
+            </a:r>
+            <a:r>
+              <a:rPr lang="en-US" sz="2000" dirty="0"/>
+              <a:t> e </a:t>
+            </a:r>
+            <a:r>
+              <a:rPr lang="en-US" sz="2000" dirty="0" err="1"/>
+              <a:t>entrega</a:t>
+            </a:r>
+            <a:r>
+              <a:rPr lang="en-US" sz="2000" dirty="0"/>
+              <a:t> </a:t>
+            </a:r>
+            <a:r>
+              <a:rPr lang="en-US" sz="2000" dirty="0" err="1"/>
+              <a:t>onde</a:t>
+            </a:r>
+            <a:r>
+              <a:rPr lang="en-US" sz="2000" dirty="0"/>
+              <a:t> o </a:t>
+            </a:r>
+            <a:r>
+              <a:rPr lang="en-US" sz="2000" dirty="0" err="1"/>
+              <a:t>cliente</a:t>
+            </a:r>
+            <a:r>
+              <a:rPr lang="en-US" sz="2000" dirty="0"/>
+              <a:t> </a:t>
+            </a:r>
+            <a:r>
+              <a:rPr lang="en-US" sz="2000" dirty="0" err="1"/>
+              <a:t>estiver</a:t>
+            </a:r>
+            <a:r>
+              <a:rPr lang="en-US" sz="2000" dirty="0"/>
+              <a:t>, </a:t>
+            </a:r>
+            <a:r>
+              <a:rPr lang="en-US" sz="2000" dirty="0" err="1"/>
+              <a:t>oferecendo</a:t>
+            </a:r>
+            <a:r>
+              <a:rPr lang="en-US" sz="2000" dirty="0"/>
+              <a:t> </a:t>
+            </a:r>
+            <a:r>
+              <a:rPr lang="en-US" sz="2000" dirty="0" err="1"/>
+              <a:t>qualidade</a:t>
+            </a:r>
+            <a:r>
+              <a:rPr lang="en-US" sz="2000" dirty="0"/>
+              <a:t> </a:t>
+            </a:r>
+            <a:r>
+              <a:rPr lang="en-US" sz="2000" dirty="0" smtClean="0"/>
+              <a:t>e</a:t>
+            </a:r>
+            <a:br>
+              <a:rPr lang="en-US" sz="2000" dirty="0" smtClean="0"/>
+            </a:br>
+            <a:r>
+              <a:rPr lang="en-US" sz="2000" dirty="0" err="1" smtClean="0"/>
+              <a:t>conforto</a:t>
+            </a:r>
+            <a:r>
+              <a:rPr lang="en-US" sz="2000" dirty="0"/>
+              <a:t>. ​</a:t>
+            </a:r>
+            <a:br>
+              <a:rPr lang="en-US" sz="2000" dirty="0"/>
+            </a:br>
+            <a:r>
+              <a:rPr lang="en-US" sz="2000" dirty="0"/>
+              <a:t>​</a:t>
+            </a:r>
+          </a:p>
+          <a:p>
+            <a:pPr fontAlgn="base"/>
+            <a:r>
+              <a:rPr lang="en-US" sz="2000" b="1" dirty="0" err="1"/>
+              <a:t>Produtos</a:t>
+            </a:r>
+            <a:r>
+              <a:rPr lang="en-US" sz="2000" b="1" dirty="0"/>
+              <a:t>:</a:t>
+            </a:r>
+            <a:r>
+              <a:rPr lang="en-US" sz="2000" dirty="0"/>
+              <a:t> Alimentos </a:t>
+            </a:r>
+            <a:r>
+              <a:rPr lang="en-US" sz="2000" dirty="0" err="1"/>
+              <a:t>denominados</a:t>
+            </a:r>
+            <a:r>
+              <a:rPr lang="en-US" sz="2000" dirty="0"/>
+              <a:t> </a:t>
+            </a:r>
+            <a:r>
+              <a:rPr lang="en-US" sz="2000" dirty="0" err="1"/>
+              <a:t>orgânicos</a:t>
+            </a:r>
+            <a:r>
+              <a:rPr lang="en-US" sz="2000" dirty="0"/>
+              <a:t> e </a:t>
+            </a:r>
+            <a:r>
+              <a:rPr lang="en-US" sz="2000" dirty="0" err="1"/>
+              <a:t>saudáveis</a:t>
+            </a:r>
+            <a:r>
+              <a:rPr lang="en-US" sz="2000" dirty="0"/>
+              <a:t>, </a:t>
+            </a:r>
+            <a:r>
+              <a:rPr lang="en-US" sz="2000" dirty="0" err="1"/>
+              <a:t>tais</a:t>
+            </a:r>
+            <a:r>
+              <a:rPr lang="en-US" sz="2000" dirty="0"/>
+              <a:t> </a:t>
+            </a:r>
+            <a:r>
+              <a:rPr lang="en-US" sz="2000" dirty="0" err="1"/>
+              <a:t>como</a:t>
+            </a:r>
+            <a:r>
+              <a:rPr lang="en-US" sz="2000" dirty="0"/>
+              <a:t>; </a:t>
+            </a:r>
+            <a:r>
+              <a:rPr lang="en-US" sz="2000" dirty="0" err="1"/>
+              <a:t>vegetais</a:t>
+            </a:r>
+            <a:r>
+              <a:rPr lang="en-US" sz="2000" dirty="0"/>
+              <a:t>, </a:t>
+            </a:r>
+            <a:r>
+              <a:rPr lang="en-US" sz="2000" dirty="0" err="1"/>
+              <a:t>folhas</a:t>
+            </a:r>
+            <a:r>
+              <a:rPr lang="en-US" sz="2000" dirty="0"/>
+              <a:t>, </a:t>
+            </a:r>
+            <a:r>
+              <a:rPr lang="en-US" sz="2000" dirty="0" err="1"/>
+              <a:t>raízes</a:t>
+            </a:r>
+            <a:r>
+              <a:rPr lang="en-US" sz="2000" dirty="0"/>
+              <a:t>, </a:t>
+            </a:r>
+            <a:r>
+              <a:rPr lang="en-US" sz="2000" dirty="0" smtClean="0"/>
+              <a:t/>
+            </a:r>
+            <a:br>
+              <a:rPr lang="en-US" sz="2000" dirty="0" smtClean="0"/>
+            </a:br>
+            <a:r>
+              <a:rPr lang="en-US" sz="2000" dirty="0" err="1" smtClean="0"/>
+              <a:t>frutas</a:t>
+            </a:r>
+            <a:r>
+              <a:rPr lang="en-US" sz="2000" dirty="0"/>
+              <a:t> e </a:t>
+            </a:r>
+            <a:r>
+              <a:rPr lang="en-US" sz="2000" dirty="0" err="1"/>
+              <a:t>grãos</a:t>
+            </a:r>
+            <a:r>
+              <a:rPr lang="en-US" sz="2000" dirty="0"/>
+              <a:t>.</a:t>
+            </a:r>
+          </a:p>
+          <a:p>
+            <a:endParaRPr lang="pt-BR" dirty="0"/>
+          </a:p>
+        </p:txBody>
+      </p:sp>
       <p:pic>
         <p:nvPicPr>
-          <p:cNvPr id="4" name="Imagem 3"/>
+          <p:cNvPr id="8" name="Imagem 7"/>
           <p:cNvPicPr>
             <a:picLocks noChangeAspect="1"/>
           </p:cNvPicPr>
@@ -9547,8 +6318,8 @@
         </p:blipFill>
         <p:spPr>
           <a:xfrm>
-            <a:off x="-33528" y="611944"/>
-            <a:ext cx="12199620" cy="6246055"/>
+            <a:off x="1695276" y="1389992"/>
+            <a:ext cx="2656007" cy="1939813"/>
           </a:xfrm>
           <a:prstGeom prst="rect">
             <a:avLst/>
@@ -9558,7 +6329,1299 @@
     </p:spTree>
     <p:extLst>
       <p:ext uri="{BB962C8B-B14F-4D97-AF65-F5344CB8AC3E}">
-        <p14:creationId xmlns:p14="http://schemas.microsoft.com/office/powerpoint/2010/main" val="2082281209"/>
+        <p14:creationId xmlns:p14="http://schemas.microsoft.com/office/powerpoint/2010/main" val="687113838"/>
+      </p:ext>
+    </p:extLst>
+  </p:cSld>
+  <p:clrMapOvr>
+    <a:masterClrMapping/>
+  </p:clrMapOvr>
+  <p:timing>
+    <p:tnLst>
+      <p:par>
+        <p:cTn id="1" dur="indefinite" restart="never" nodeType="tmRoot"/>
+      </p:par>
+    </p:tnLst>
+  </p:timing>
+</p:sld>
+</file>
+
+<file path=ppt/slides/slide4.xml><?xml version="1.0" encoding="utf-8"?>
+<p:sld xmlns:a="http://schemas.openxmlformats.org/drawingml/2006/main" xmlns:r="http://schemas.openxmlformats.org/officeDocument/2006/relationships" xmlns:p="http://schemas.openxmlformats.org/presentationml/2006/main">
+  <p:cSld>
+    <p:spTree>
+      <p:nvGrpSpPr>
+        <p:cNvPr id="1" name=""/>
+        <p:cNvGrpSpPr/>
+        <p:nvPr/>
+      </p:nvGrpSpPr>
+      <p:grpSpPr>
+        <a:xfrm>
+          <a:off x="0" y="0"/>
+          <a:ext cx="0" cy="0"/>
+          <a:chOff x="0" y="0"/>
+          <a:chExt cx="0" cy="0"/>
+        </a:xfrm>
+      </p:grpSpPr>
+      <p:pic>
+        <p:nvPicPr>
+          <p:cNvPr id="5" name="Imagem 4"/>
+          <p:cNvPicPr>
+            <a:picLocks noChangeAspect="1"/>
+          </p:cNvPicPr>
+          <p:nvPr/>
+        </p:nvPicPr>
+        <p:blipFill>
+          <a:blip r:embed="rId2">
+            <a:extLst>
+              <a:ext uri="{28A0092B-C50C-407E-A947-70E740481C1C}">
+                <a14:useLocalDpi xmlns:a14="http://schemas.microsoft.com/office/drawing/2010/main" val="0"/>
+              </a:ext>
+            </a:extLst>
+          </a:blip>
+          <a:stretch>
+            <a:fillRect/>
+          </a:stretch>
+        </p:blipFill>
+        <p:spPr>
+          <a:xfrm>
+            <a:off x="0" y="102"/>
+            <a:ext cx="12201134" cy="6858000"/>
+          </a:xfrm>
+          <a:prstGeom prst="rect">
+            <a:avLst/>
+          </a:prstGeom>
+        </p:spPr>
+      </p:pic>
+    </p:spTree>
+    <p:extLst>
+      <p:ext uri="{BB962C8B-B14F-4D97-AF65-F5344CB8AC3E}">
+        <p14:creationId xmlns:p14="http://schemas.microsoft.com/office/powerpoint/2010/main" val="631188012"/>
+      </p:ext>
+    </p:extLst>
+  </p:cSld>
+  <p:clrMapOvr>
+    <a:masterClrMapping/>
+  </p:clrMapOvr>
+  <p:timing>
+    <p:tnLst>
+      <p:par>
+        <p:cTn id="1" dur="indefinite" restart="never" nodeType="tmRoot"/>
+      </p:par>
+    </p:tnLst>
+  </p:timing>
+</p:sld>
+</file>
+
+<file path=ppt/slides/slide5.xml><?xml version="1.0" encoding="utf-8"?>
+<p:sld xmlns:a="http://schemas.openxmlformats.org/drawingml/2006/main" xmlns:r="http://schemas.openxmlformats.org/officeDocument/2006/relationships" xmlns:p="http://schemas.openxmlformats.org/presentationml/2006/main">
+  <p:cSld>
+    <p:spTree>
+      <p:nvGrpSpPr>
+        <p:cNvPr id="1" name=""/>
+        <p:cNvGrpSpPr/>
+        <p:nvPr/>
+      </p:nvGrpSpPr>
+      <p:grpSpPr>
+        <a:xfrm>
+          <a:off x="0" y="0"/>
+          <a:ext cx="0" cy="0"/>
+          <a:chOff x="0" y="0"/>
+          <a:chExt cx="0" cy="0"/>
+        </a:xfrm>
+      </p:grpSpPr>
+      <p:sp>
+        <p:nvSpPr>
+          <p:cNvPr id="2" name="Título 1"/>
+          <p:cNvSpPr>
+            <a:spLocks noGrp="1"/>
+          </p:cNvSpPr>
+          <p:nvPr>
+            <p:ph type="title"/>
+          </p:nvPr>
+        </p:nvSpPr>
+        <p:spPr>
+          <a:xfrm>
+            <a:off x="817600" y="527830"/>
+            <a:ext cx="4048690" cy="1165492"/>
+          </a:xfrm>
+        </p:spPr>
+        <p:txBody>
+          <a:bodyPr>
+            <a:normAutofit fontScale="90000"/>
+          </a:bodyPr>
+          <a:lstStyle/>
+          <a:p>
+            <a:pPr algn="ctr"/>
+            <a:r>
+              <a:rPr lang="en-US" dirty="0"/>
+              <a:t>COMPOSIÇÃO DA MARCA</a:t>
+            </a:r>
+            <a:endParaRPr lang="pt-BR" dirty="0"/>
+          </a:p>
+        </p:txBody>
+      </p:sp>
+      <p:sp>
+        <p:nvSpPr>
+          <p:cNvPr id="3" name="Espaço Reservado para Conteúdo 2"/>
+          <p:cNvSpPr>
+            <a:spLocks noGrp="1"/>
+          </p:cNvSpPr>
+          <p:nvPr>
+            <p:ph idx="1"/>
+          </p:nvPr>
+        </p:nvSpPr>
+        <p:spPr>
+          <a:xfrm>
+            <a:off x="451944" y="1933903"/>
+            <a:ext cx="5360277" cy="4803228"/>
+          </a:xfrm>
+        </p:spPr>
+        <p:txBody>
+          <a:bodyPr>
+            <a:normAutofit fontScale="32500" lnSpcReduction="20000"/>
+          </a:bodyPr>
+          <a:lstStyle/>
+          <a:p>
+            <a:pPr marL="0" indent="0" fontAlgn="base">
+              <a:lnSpc>
+                <a:spcPct val="170000"/>
+              </a:lnSpc>
+              <a:spcBef>
+                <a:spcPts val="0"/>
+              </a:spcBef>
+              <a:buNone/>
+            </a:pPr>
+            <a:endParaRPr lang="en-US" sz="4000" dirty="0">
+              <a:latin typeface="Arial" panose="020B0604020202020204" pitchFamily="34" charset="0"/>
+              <a:cs typeface="Arial" panose="020B0604020202020204" pitchFamily="34" charset="0"/>
+            </a:endParaRPr>
+          </a:p>
+          <a:p>
+            <a:pPr fontAlgn="base">
+              <a:lnSpc>
+                <a:spcPct val="120000"/>
+              </a:lnSpc>
+              <a:spcBef>
+                <a:spcPts val="0"/>
+              </a:spcBef>
+            </a:pPr>
+            <a:r>
+              <a:rPr lang="en-US" sz="4000" b="1" dirty="0">
+                <a:latin typeface="Arial" panose="020B0604020202020204" pitchFamily="34" charset="0"/>
+                <a:cs typeface="Arial" panose="020B0604020202020204" pitchFamily="34" charset="0"/>
+              </a:rPr>
+              <a:t>PALETA DE CORES:</a:t>
+            </a:r>
+            <a:r>
+              <a:rPr lang="en-US" sz="4000" dirty="0">
+                <a:latin typeface="Arial" panose="020B0604020202020204" pitchFamily="34" charset="0"/>
+                <a:cs typeface="Arial" panose="020B0604020202020204" pitchFamily="34" charset="0"/>
+              </a:rPr>
+              <a:t>​</a:t>
+            </a:r>
+            <a:br>
+              <a:rPr lang="en-US" sz="4000" dirty="0">
+                <a:latin typeface="Arial" panose="020B0604020202020204" pitchFamily="34" charset="0"/>
+                <a:cs typeface="Arial" panose="020B0604020202020204" pitchFamily="34" charset="0"/>
+              </a:rPr>
+            </a:br>
+            <a:r>
+              <a:rPr lang="en-US" sz="4000" dirty="0">
+                <a:latin typeface="Arial" panose="020B0604020202020204" pitchFamily="34" charset="0"/>
+                <a:cs typeface="Arial" panose="020B0604020202020204" pitchFamily="34" charset="0"/>
+              </a:rPr>
+              <a:t>A  </a:t>
+            </a:r>
+            <a:r>
+              <a:rPr lang="en-US" sz="4000" dirty="0" err="1">
+                <a:latin typeface="Arial" panose="020B0604020202020204" pitchFamily="34" charset="0"/>
+                <a:cs typeface="Arial" panose="020B0604020202020204" pitchFamily="34" charset="0"/>
+              </a:rPr>
+              <a:t>cor</a:t>
+            </a:r>
+            <a:r>
+              <a:rPr lang="en-US" sz="4000" dirty="0">
+                <a:latin typeface="Arial" panose="020B0604020202020204" pitchFamily="34" charset="0"/>
+                <a:cs typeface="Arial" panose="020B0604020202020204" pitchFamily="34" charset="0"/>
+              </a:rPr>
+              <a:t> </a:t>
+            </a:r>
+            <a:r>
+              <a:rPr lang="en-US" sz="4000" dirty="0" err="1">
+                <a:latin typeface="Arial" panose="020B0604020202020204" pitchFamily="34" charset="0"/>
+                <a:cs typeface="Arial" panose="020B0604020202020204" pitchFamily="34" charset="0"/>
+              </a:rPr>
+              <a:t>verde</a:t>
+            </a:r>
+            <a:r>
+              <a:rPr lang="en-US" sz="4000" dirty="0">
+                <a:latin typeface="Arial" panose="020B0604020202020204" pitchFamily="34" charset="0"/>
+                <a:cs typeface="Arial" panose="020B0604020202020204" pitchFamily="34" charset="0"/>
+              </a:rPr>
+              <a:t> </a:t>
+            </a:r>
+            <a:r>
+              <a:rPr lang="en-US" sz="4000" dirty="0" err="1">
+                <a:latin typeface="Arial" panose="020B0604020202020204" pitchFamily="34" charset="0"/>
+                <a:cs typeface="Arial" panose="020B0604020202020204" pitchFamily="34" charset="0"/>
+              </a:rPr>
+              <a:t>está</a:t>
+            </a:r>
+            <a:r>
+              <a:rPr lang="en-US" sz="4000" dirty="0">
+                <a:latin typeface="Arial" panose="020B0604020202020204" pitchFamily="34" charset="0"/>
+                <a:cs typeface="Arial" panose="020B0604020202020204" pitchFamily="34" charset="0"/>
+              </a:rPr>
+              <a:t> </a:t>
+            </a:r>
+            <a:r>
+              <a:rPr lang="en-US" sz="4000" dirty="0" err="1">
+                <a:latin typeface="Arial" panose="020B0604020202020204" pitchFamily="34" charset="0"/>
+                <a:cs typeface="Arial" panose="020B0604020202020204" pitchFamily="34" charset="0"/>
+              </a:rPr>
+              <a:t>associada</a:t>
+            </a:r>
+            <a:r>
+              <a:rPr lang="en-US" sz="4000" dirty="0">
+                <a:latin typeface="Arial" panose="020B0604020202020204" pitchFamily="34" charset="0"/>
+                <a:cs typeface="Arial" panose="020B0604020202020204" pitchFamily="34" charset="0"/>
+              </a:rPr>
+              <a:t> à </a:t>
+            </a:r>
+            <a:r>
+              <a:rPr lang="en-US" sz="4000" dirty="0" err="1">
+                <a:latin typeface="Arial" panose="020B0604020202020204" pitchFamily="34" charset="0"/>
+                <a:cs typeface="Arial" panose="020B0604020202020204" pitchFamily="34" charset="0"/>
+              </a:rPr>
+              <a:t>natureza</a:t>
+            </a:r>
+            <a:r>
+              <a:rPr lang="en-US" sz="4000" dirty="0">
+                <a:latin typeface="Arial" panose="020B0604020202020204" pitchFamily="34" charset="0"/>
+                <a:cs typeface="Arial" panose="020B0604020202020204" pitchFamily="34" charset="0"/>
+              </a:rPr>
+              <a:t> e é </a:t>
+            </a:r>
+            <a:r>
+              <a:rPr lang="en-US" sz="4000" dirty="0" err="1">
+                <a:latin typeface="Arial" panose="020B0604020202020204" pitchFamily="34" charset="0"/>
+                <a:cs typeface="Arial" panose="020B0604020202020204" pitchFamily="34" charset="0"/>
+              </a:rPr>
+              <a:t>comumente</a:t>
+            </a:r>
+            <a:r>
+              <a:rPr lang="en-US" sz="4000" dirty="0">
+                <a:latin typeface="Arial" panose="020B0604020202020204" pitchFamily="34" charset="0"/>
+                <a:cs typeface="Arial" panose="020B0604020202020204" pitchFamily="34" charset="0"/>
+              </a:rPr>
+              <a:t> </a:t>
+            </a:r>
+            <a:r>
+              <a:rPr lang="en-US" sz="4000" dirty="0" smtClean="0">
+                <a:latin typeface="Arial" panose="020B0604020202020204" pitchFamily="34" charset="0"/>
+                <a:cs typeface="Arial" panose="020B0604020202020204" pitchFamily="34" charset="0"/>
+              </a:rPr>
+              <a:t> </a:t>
+            </a:r>
+            <a:r>
+              <a:rPr lang="en-US" sz="4000" dirty="0" err="1" smtClean="0">
+                <a:latin typeface="Arial" panose="020B0604020202020204" pitchFamily="34" charset="0"/>
+                <a:cs typeface="Arial" panose="020B0604020202020204" pitchFamily="34" charset="0"/>
+              </a:rPr>
+              <a:t>usada</a:t>
+            </a:r>
+            <a:r>
+              <a:rPr lang="en-US" sz="4000" dirty="0">
+                <a:latin typeface="Arial" panose="020B0604020202020204" pitchFamily="34" charset="0"/>
+                <a:cs typeface="Arial" panose="020B0604020202020204" pitchFamily="34" charset="0"/>
+              </a:rPr>
+              <a:t> </a:t>
+            </a:r>
+            <a:r>
+              <a:rPr lang="en-US" sz="4000" dirty="0" err="1">
+                <a:latin typeface="Arial" panose="020B0604020202020204" pitchFamily="34" charset="0"/>
+                <a:cs typeface="Arial" panose="020B0604020202020204" pitchFamily="34" charset="0"/>
+              </a:rPr>
+              <a:t>em</a:t>
+            </a:r>
+            <a:r>
+              <a:rPr lang="en-US" sz="4000" dirty="0">
+                <a:latin typeface="Arial" panose="020B0604020202020204" pitchFamily="34" charset="0"/>
+                <a:cs typeface="Arial" panose="020B0604020202020204" pitchFamily="34" charset="0"/>
+              </a:rPr>
+              <a:t> </a:t>
+            </a:r>
+            <a:r>
+              <a:rPr lang="en-US" sz="4000" dirty="0" err="1">
+                <a:latin typeface="Arial" panose="020B0604020202020204" pitchFamily="34" charset="0"/>
+                <a:cs typeface="Arial" panose="020B0604020202020204" pitchFamily="34" charset="0"/>
+              </a:rPr>
+              <a:t>produtos</a:t>
+            </a:r>
+            <a:r>
+              <a:rPr lang="en-US" sz="4000" dirty="0">
+                <a:latin typeface="Arial" panose="020B0604020202020204" pitchFamily="34" charset="0"/>
+                <a:cs typeface="Arial" panose="020B0604020202020204" pitchFamily="34" charset="0"/>
+              </a:rPr>
+              <a:t> </a:t>
+            </a:r>
+            <a:r>
+              <a:rPr lang="en-US" sz="4000" dirty="0" err="1">
+                <a:latin typeface="Arial" panose="020B0604020202020204" pitchFamily="34" charset="0"/>
+                <a:cs typeface="Arial" panose="020B0604020202020204" pitchFamily="34" charset="0"/>
+              </a:rPr>
+              <a:t>ambientais</a:t>
+            </a:r>
+            <a:r>
+              <a:rPr lang="en-US" sz="4000" dirty="0">
+                <a:latin typeface="Arial" panose="020B0604020202020204" pitchFamily="34" charset="0"/>
+                <a:cs typeface="Arial" panose="020B0604020202020204" pitchFamily="34" charset="0"/>
+              </a:rPr>
+              <a:t>,​ </a:t>
+            </a:r>
+            <a:r>
+              <a:rPr lang="en-US" sz="4000" dirty="0" err="1" smtClean="0">
+                <a:latin typeface="Arial" panose="020B0604020202020204" pitchFamily="34" charset="0"/>
+                <a:cs typeface="Arial" panose="020B0604020202020204" pitchFamily="34" charset="0"/>
+              </a:rPr>
+              <a:t>orgânicos</a:t>
+            </a:r>
+            <a:r>
+              <a:rPr lang="en-US" sz="4000" dirty="0" smtClean="0">
+                <a:latin typeface="Arial" panose="020B0604020202020204" pitchFamily="34" charset="0"/>
+                <a:cs typeface="Arial" panose="020B0604020202020204" pitchFamily="34" charset="0"/>
+              </a:rPr>
+              <a:t>. </a:t>
+            </a:r>
+            <a:br>
+              <a:rPr lang="en-US" sz="4000" dirty="0" smtClean="0">
+                <a:latin typeface="Arial" panose="020B0604020202020204" pitchFamily="34" charset="0"/>
+                <a:cs typeface="Arial" panose="020B0604020202020204" pitchFamily="34" charset="0"/>
+              </a:rPr>
+            </a:br>
+            <a:r>
+              <a:rPr lang="en-US" sz="4000" dirty="0" smtClean="0">
+                <a:latin typeface="Arial" panose="020B0604020202020204" pitchFamily="34" charset="0"/>
+                <a:cs typeface="Arial" panose="020B0604020202020204" pitchFamily="34" charset="0"/>
+              </a:rPr>
+              <a:t>Ela</a:t>
+            </a:r>
+            <a:r>
+              <a:rPr lang="en-US" sz="4000" dirty="0">
+                <a:latin typeface="Arial" panose="020B0604020202020204" pitchFamily="34" charset="0"/>
+                <a:cs typeface="Arial" panose="020B0604020202020204" pitchFamily="34" charset="0"/>
+              </a:rPr>
+              <a:t> </a:t>
+            </a:r>
+            <a:r>
+              <a:rPr lang="en-US" sz="4000" dirty="0" err="1">
+                <a:latin typeface="Arial" panose="020B0604020202020204" pitchFamily="34" charset="0"/>
+                <a:cs typeface="Arial" panose="020B0604020202020204" pitchFamily="34" charset="0"/>
+              </a:rPr>
+              <a:t>expressa</a:t>
+            </a:r>
+            <a:r>
+              <a:rPr lang="en-US" sz="4000" dirty="0">
+                <a:latin typeface="Arial" panose="020B0604020202020204" pitchFamily="34" charset="0"/>
+                <a:cs typeface="Arial" panose="020B0604020202020204" pitchFamily="34" charset="0"/>
+              </a:rPr>
+              <a:t> </a:t>
+            </a:r>
+            <a:r>
+              <a:rPr lang="en-US" sz="4000" dirty="0" err="1">
+                <a:latin typeface="Arial" panose="020B0604020202020204" pitchFamily="34" charset="0"/>
+                <a:cs typeface="Arial" panose="020B0604020202020204" pitchFamily="34" charset="0"/>
+              </a:rPr>
+              <a:t>energia</a:t>
+            </a:r>
+            <a:r>
+              <a:rPr lang="en-US" sz="4000" dirty="0">
+                <a:latin typeface="Arial" panose="020B0604020202020204" pitchFamily="34" charset="0"/>
+                <a:cs typeface="Arial" panose="020B0604020202020204" pitchFamily="34" charset="0"/>
+              </a:rPr>
+              <a:t> e </a:t>
+            </a:r>
+            <a:r>
+              <a:rPr lang="en-US" sz="4000" dirty="0" err="1">
+                <a:latin typeface="Arial" panose="020B0604020202020204" pitchFamily="34" charset="0"/>
+                <a:cs typeface="Arial" panose="020B0604020202020204" pitchFamily="34" charset="0"/>
+              </a:rPr>
+              <a:t>dinamismo</a:t>
+            </a:r>
+            <a:r>
+              <a:rPr lang="en-US" sz="4000" dirty="0">
+                <a:latin typeface="Arial" panose="020B0604020202020204" pitchFamily="34" charset="0"/>
+                <a:cs typeface="Arial" panose="020B0604020202020204" pitchFamily="34" charset="0"/>
+              </a:rPr>
+              <a:t> e </a:t>
+            </a:r>
+            <a:r>
+              <a:rPr lang="en-US" sz="4000" dirty="0" err="1">
+                <a:latin typeface="Arial" panose="020B0604020202020204" pitchFamily="34" charset="0"/>
+                <a:cs typeface="Arial" panose="020B0604020202020204" pitchFamily="34" charset="0"/>
+              </a:rPr>
+              <a:t>traz</a:t>
+            </a:r>
+            <a:r>
+              <a:rPr lang="en-US" sz="4000" dirty="0">
+                <a:latin typeface="Arial" panose="020B0604020202020204" pitchFamily="34" charset="0"/>
+                <a:cs typeface="Arial" panose="020B0604020202020204" pitchFamily="34" charset="0"/>
+              </a:rPr>
+              <a:t> a </a:t>
+            </a:r>
+            <a:r>
+              <a:rPr lang="en-US" sz="4000" dirty="0" err="1">
+                <a:latin typeface="Arial" panose="020B0604020202020204" pitchFamily="34" charset="0"/>
+                <a:cs typeface="Arial" panose="020B0604020202020204" pitchFamily="34" charset="0"/>
+              </a:rPr>
+              <a:t>sensação</a:t>
+            </a:r>
+            <a:r>
+              <a:rPr lang="en-US" sz="4000" dirty="0">
+                <a:latin typeface="Arial" panose="020B0604020202020204" pitchFamily="34" charset="0"/>
+                <a:cs typeface="Arial" panose="020B0604020202020204" pitchFamily="34" charset="0"/>
+              </a:rPr>
+              <a:t> </a:t>
+            </a:r>
+            <a:r>
+              <a:rPr lang="en-US" sz="4000" dirty="0" smtClean="0">
+                <a:latin typeface="Arial" panose="020B0604020202020204" pitchFamily="34" charset="0"/>
+                <a:cs typeface="Arial" panose="020B0604020202020204" pitchFamily="34" charset="0"/>
+              </a:rPr>
+              <a:t>​de</a:t>
+            </a:r>
+            <a:r>
+              <a:rPr lang="en-US" sz="4000" dirty="0">
+                <a:latin typeface="Arial" panose="020B0604020202020204" pitchFamily="34" charset="0"/>
+                <a:cs typeface="Arial" panose="020B0604020202020204" pitchFamily="34" charset="0"/>
+              </a:rPr>
+              <a:t> </a:t>
+            </a:r>
+            <a:r>
+              <a:rPr lang="en-US" sz="4000" dirty="0" err="1">
+                <a:latin typeface="Arial" panose="020B0604020202020204" pitchFamily="34" charset="0"/>
+                <a:cs typeface="Arial" panose="020B0604020202020204" pitchFamily="34" charset="0"/>
+              </a:rPr>
+              <a:t>renovação</a:t>
+            </a:r>
+            <a:r>
+              <a:rPr lang="en-US" sz="4000" dirty="0">
+                <a:latin typeface="Arial" panose="020B0604020202020204" pitchFamily="34" charset="0"/>
+                <a:cs typeface="Arial" panose="020B0604020202020204" pitchFamily="34" charset="0"/>
+              </a:rPr>
+              <a:t>. </a:t>
+            </a:r>
+            <a:r>
+              <a:rPr lang="en-US" sz="4000" dirty="0" smtClean="0">
+                <a:latin typeface="Arial" panose="020B0604020202020204" pitchFamily="34" charset="0"/>
+                <a:cs typeface="Arial" panose="020B0604020202020204" pitchFamily="34" charset="0"/>
+              </a:rPr>
+              <a:t>​​</a:t>
+            </a:r>
+            <a:br>
+              <a:rPr lang="en-US" sz="4000" dirty="0" smtClean="0">
+                <a:latin typeface="Arial" panose="020B0604020202020204" pitchFamily="34" charset="0"/>
+                <a:cs typeface="Arial" panose="020B0604020202020204" pitchFamily="34" charset="0"/>
+              </a:rPr>
+            </a:br>
+            <a:endParaRPr lang="en-US" sz="4000" dirty="0">
+              <a:latin typeface="Arial" panose="020B0604020202020204" pitchFamily="34" charset="0"/>
+              <a:cs typeface="Arial" panose="020B0604020202020204" pitchFamily="34" charset="0"/>
+            </a:endParaRPr>
+          </a:p>
+          <a:p>
+            <a:pPr fontAlgn="base">
+              <a:lnSpc>
+                <a:spcPct val="120000"/>
+              </a:lnSpc>
+              <a:spcBef>
+                <a:spcPts val="0"/>
+              </a:spcBef>
+            </a:pPr>
+            <a:r>
+              <a:rPr lang="en-US" sz="4000" dirty="0">
+                <a:latin typeface="Arial" panose="020B0604020202020204" pitchFamily="34" charset="0"/>
+                <a:cs typeface="Arial" panose="020B0604020202020204" pitchFamily="34" charset="0"/>
+              </a:rPr>
+              <a:t> </a:t>
+            </a:r>
+            <a:r>
+              <a:rPr lang="en-US" sz="4000" b="1" dirty="0">
+                <a:latin typeface="Arial" panose="020B0604020202020204" pitchFamily="34" charset="0"/>
+                <a:cs typeface="Arial" panose="020B0604020202020204" pitchFamily="34" charset="0"/>
+              </a:rPr>
+              <a:t>CORES:</a:t>
+            </a:r>
+            <a:r>
+              <a:rPr lang="en-US" sz="4000" dirty="0">
+                <a:latin typeface="Arial" panose="020B0604020202020204" pitchFamily="34" charset="0"/>
+                <a:cs typeface="Arial" panose="020B0604020202020204" pitchFamily="34" charset="0"/>
+              </a:rPr>
+              <a:t>​</a:t>
+            </a:r>
+            <a:br>
+              <a:rPr lang="en-US" sz="4000" dirty="0">
+                <a:latin typeface="Arial" panose="020B0604020202020204" pitchFamily="34" charset="0"/>
+                <a:cs typeface="Arial" panose="020B0604020202020204" pitchFamily="34" charset="0"/>
+              </a:rPr>
+            </a:br>
+            <a:r>
+              <a:rPr lang="en-US" sz="4000" dirty="0">
+                <a:latin typeface="Arial" panose="020B0604020202020204" pitchFamily="34" charset="0"/>
+                <a:cs typeface="Arial" panose="020B0604020202020204" pitchFamily="34" charset="0"/>
+              </a:rPr>
+              <a:t>#337744 ​​</a:t>
+            </a:r>
+            <a:br>
+              <a:rPr lang="en-US" sz="4000" dirty="0">
+                <a:latin typeface="Arial" panose="020B0604020202020204" pitchFamily="34" charset="0"/>
+                <a:cs typeface="Arial" panose="020B0604020202020204" pitchFamily="34" charset="0"/>
+              </a:rPr>
+            </a:br>
+            <a:r>
+              <a:rPr lang="en-US" sz="4000" dirty="0">
+                <a:latin typeface="Arial" panose="020B0604020202020204" pitchFamily="34" charset="0"/>
+                <a:cs typeface="Arial" panose="020B0604020202020204" pitchFamily="34" charset="0"/>
+              </a:rPr>
+              <a:t>#8fbb1c​​</a:t>
+            </a:r>
+            <a:br>
+              <a:rPr lang="en-US" sz="4000" dirty="0">
+                <a:latin typeface="Arial" panose="020B0604020202020204" pitchFamily="34" charset="0"/>
+                <a:cs typeface="Arial" panose="020B0604020202020204" pitchFamily="34" charset="0"/>
+              </a:rPr>
+            </a:br>
+            <a:r>
+              <a:rPr lang="en-US" sz="4000" dirty="0">
+                <a:latin typeface="Arial" panose="020B0604020202020204" pitchFamily="34" charset="0"/>
+                <a:cs typeface="Arial" panose="020B0604020202020204" pitchFamily="34" charset="0"/>
+              </a:rPr>
+              <a:t>#</a:t>
+            </a:r>
+            <a:r>
+              <a:rPr lang="en-US" sz="4000" dirty="0" err="1">
+                <a:latin typeface="Arial" panose="020B0604020202020204" pitchFamily="34" charset="0"/>
+                <a:cs typeface="Arial" panose="020B0604020202020204" pitchFamily="34" charset="0"/>
+              </a:rPr>
+              <a:t>ffffff</a:t>
+            </a:r>
+            <a:r>
+              <a:rPr lang="en-US" sz="4000" dirty="0" smtClean="0">
+                <a:latin typeface="Arial" panose="020B0604020202020204" pitchFamily="34" charset="0"/>
+                <a:cs typeface="Arial" panose="020B0604020202020204" pitchFamily="34" charset="0"/>
+              </a:rPr>
+              <a:t>​​</a:t>
+            </a:r>
+            <a:br>
+              <a:rPr lang="en-US" sz="4000" dirty="0" smtClean="0">
+                <a:latin typeface="Arial" panose="020B0604020202020204" pitchFamily="34" charset="0"/>
+                <a:cs typeface="Arial" panose="020B0604020202020204" pitchFamily="34" charset="0"/>
+              </a:rPr>
+            </a:br>
+            <a:r>
+              <a:rPr lang="en-US" sz="4000" dirty="0" smtClean="0">
+                <a:latin typeface="Arial" panose="020B0604020202020204" pitchFamily="34" charset="0"/>
+                <a:cs typeface="Arial" panose="020B0604020202020204" pitchFamily="34" charset="0"/>
+              </a:rPr>
+              <a:t>#894f10</a:t>
+            </a:r>
+          </a:p>
+          <a:p>
+            <a:pPr fontAlgn="base">
+              <a:lnSpc>
+                <a:spcPct val="120000"/>
+              </a:lnSpc>
+              <a:spcBef>
+                <a:spcPts val="0"/>
+              </a:spcBef>
+            </a:pPr>
+            <a:endParaRPr lang="en-US" sz="4000" dirty="0" smtClean="0">
+              <a:latin typeface="Arial" panose="020B0604020202020204" pitchFamily="34" charset="0"/>
+              <a:cs typeface="Arial" panose="020B0604020202020204" pitchFamily="34" charset="0"/>
+            </a:endParaRPr>
+          </a:p>
+          <a:p>
+            <a:pPr fontAlgn="base">
+              <a:lnSpc>
+                <a:spcPct val="120000"/>
+              </a:lnSpc>
+              <a:spcBef>
+                <a:spcPts val="0"/>
+              </a:spcBef>
+            </a:pPr>
+            <a:endParaRPr lang="en-US" sz="4000" dirty="0">
+              <a:latin typeface="Arial" panose="020B0604020202020204" pitchFamily="34" charset="0"/>
+              <a:cs typeface="Arial" panose="020B0604020202020204" pitchFamily="34" charset="0"/>
+            </a:endParaRPr>
+          </a:p>
+          <a:p>
+            <a:pPr fontAlgn="base">
+              <a:lnSpc>
+                <a:spcPct val="120000"/>
+              </a:lnSpc>
+              <a:spcBef>
+                <a:spcPts val="0"/>
+              </a:spcBef>
+            </a:pPr>
+            <a:r>
+              <a:rPr lang="en-US" sz="4000" b="1" dirty="0">
+                <a:latin typeface="Arial" panose="020B0604020202020204" pitchFamily="34" charset="0"/>
+                <a:cs typeface="Arial" panose="020B0604020202020204" pitchFamily="34" charset="0"/>
+              </a:rPr>
+              <a:t>TIPOGRAFIA:</a:t>
+            </a:r>
+            <a:r>
+              <a:rPr lang="en-US" sz="4000" dirty="0">
+                <a:latin typeface="Arial" panose="020B0604020202020204" pitchFamily="34" charset="0"/>
+                <a:cs typeface="Arial" panose="020B0604020202020204" pitchFamily="34" charset="0"/>
+              </a:rPr>
+              <a:t>​</a:t>
+            </a:r>
+            <a:br>
+              <a:rPr lang="en-US" sz="4000" dirty="0">
+                <a:latin typeface="Arial" panose="020B0604020202020204" pitchFamily="34" charset="0"/>
+                <a:cs typeface="Arial" panose="020B0604020202020204" pitchFamily="34" charset="0"/>
+              </a:rPr>
+            </a:br>
+            <a:r>
+              <a:rPr lang="en-US" sz="4000" dirty="0" err="1">
+                <a:latin typeface="Arial" panose="020B0604020202020204" pitchFamily="34" charset="0"/>
+                <a:cs typeface="Arial" panose="020B0604020202020204" pitchFamily="34" charset="0"/>
+              </a:rPr>
+              <a:t>Letras</a:t>
+            </a:r>
+            <a:r>
+              <a:rPr lang="en-US" sz="4000" dirty="0">
+                <a:latin typeface="Arial" panose="020B0604020202020204" pitchFamily="34" charset="0"/>
+                <a:cs typeface="Arial" panose="020B0604020202020204" pitchFamily="34" charset="0"/>
+              </a:rPr>
+              <a:t> simples e </a:t>
+            </a:r>
+            <a:r>
+              <a:rPr lang="en-US" sz="4000" dirty="0" err="1">
+                <a:latin typeface="Arial" panose="020B0604020202020204" pitchFamily="34" charset="0"/>
+                <a:cs typeface="Arial" panose="020B0604020202020204" pitchFamily="34" charset="0"/>
+              </a:rPr>
+              <a:t>leves</a:t>
+            </a:r>
+            <a:r>
+              <a:rPr lang="en-US" sz="4000" dirty="0">
+                <a:latin typeface="Arial" panose="020B0604020202020204" pitchFamily="34" charset="0"/>
+                <a:cs typeface="Arial" panose="020B0604020202020204" pitchFamily="34" charset="0"/>
+              </a:rPr>
+              <a:t> que </a:t>
+            </a:r>
+            <a:r>
+              <a:rPr lang="en-US" sz="4000" dirty="0" err="1">
+                <a:latin typeface="Arial" panose="020B0604020202020204" pitchFamily="34" charset="0"/>
+                <a:cs typeface="Arial" panose="020B0604020202020204" pitchFamily="34" charset="0"/>
+              </a:rPr>
+              <a:t>tentam</a:t>
+            </a:r>
+            <a:r>
+              <a:rPr lang="en-US" sz="4000" dirty="0">
+                <a:latin typeface="Arial" panose="020B0604020202020204" pitchFamily="34" charset="0"/>
+                <a:cs typeface="Arial" panose="020B0604020202020204" pitchFamily="34" charset="0"/>
+              </a:rPr>
+              <a:t> </a:t>
+            </a:r>
+            <a:r>
+              <a:rPr lang="en-US" sz="4000" dirty="0" err="1">
+                <a:latin typeface="Arial" panose="020B0604020202020204" pitchFamily="34" charset="0"/>
+                <a:cs typeface="Arial" panose="020B0604020202020204" pitchFamily="34" charset="0"/>
+              </a:rPr>
+              <a:t>mostrar</a:t>
+            </a:r>
+            <a:r>
+              <a:rPr lang="en-US" sz="4000" dirty="0">
+                <a:latin typeface="Arial" panose="020B0604020202020204" pitchFamily="34" charset="0"/>
+                <a:cs typeface="Arial" panose="020B0604020202020204" pitchFamily="34" charset="0"/>
+              </a:rPr>
+              <a:t> </a:t>
+            </a:r>
+            <a:r>
+              <a:rPr lang="en-US" sz="4000" dirty="0" err="1">
+                <a:latin typeface="Arial" panose="020B0604020202020204" pitchFamily="34" charset="0"/>
+                <a:cs typeface="Arial" panose="020B0604020202020204" pitchFamily="34" charset="0"/>
+              </a:rPr>
+              <a:t>como</a:t>
+            </a:r>
+            <a:r>
+              <a:rPr lang="en-US" sz="4000" dirty="0">
+                <a:latin typeface="Arial" panose="020B0604020202020204" pitchFamily="34" charset="0"/>
+                <a:cs typeface="Arial" panose="020B0604020202020204" pitchFamily="34" charset="0"/>
+              </a:rPr>
+              <a:t> a </a:t>
+            </a:r>
+            <a:r>
+              <a:rPr lang="en-US" sz="4000" dirty="0" err="1">
+                <a:latin typeface="Arial" panose="020B0604020202020204" pitchFamily="34" charset="0"/>
+                <a:cs typeface="Arial" panose="020B0604020202020204" pitchFamily="34" charset="0"/>
+              </a:rPr>
+              <a:t>empresa</a:t>
+            </a:r>
+            <a:r>
+              <a:rPr lang="en-US" sz="4000" dirty="0" smtClean="0">
+                <a:latin typeface="Arial" panose="020B0604020202020204" pitchFamily="34" charset="0"/>
+                <a:cs typeface="Arial" panose="020B0604020202020204" pitchFamily="34" charset="0"/>
+              </a:rPr>
+              <a:t>​ </a:t>
+            </a:r>
+            <a:r>
+              <a:rPr lang="en-US" sz="4000" dirty="0" err="1" smtClean="0">
+                <a:latin typeface="Arial" panose="020B0604020202020204" pitchFamily="34" charset="0"/>
+                <a:cs typeface="Arial" panose="020B0604020202020204" pitchFamily="34" charset="0"/>
+              </a:rPr>
+              <a:t>traz</a:t>
+            </a:r>
+            <a:r>
+              <a:rPr lang="en-US" sz="4000" dirty="0">
+                <a:latin typeface="Arial" panose="020B0604020202020204" pitchFamily="34" charset="0"/>
+                <a:cs typeface="Arial" panose="020B0604020202020204" pitchFamily="34" charset="0"/>
+              </a:rPr>
+              <a:t> </a:t>
+            </a:r>
+            <a:r>
+              <a:rPr lang="en-US" sz="4000" dirty="0" err="1">
+                <a:latin typeface="Arial" panose="020B0604020202020204" pitchFamily="34" charset="0"/>
+                <a:cs typeface="Arial" panose="020B0604020202020204" pitchFamily="34" charset="0"/>
+              </a:rPr>
+              <a:t>praticidade</a:t>
+            </a:r>
+            <a:r>
+              <a:rPr lang="en-US" sz="4000" dirty="0">
+                <a:latin typeface="Arial" panose="020B0604020202020204" pitchFamily="34" charset="0"/>
+                <a:cs typeface="Arial" panose="020B0604020202020204" pitchFamily="34" charset="0"/>
+              </a:rPr>
+              <a:t> e </a:t>
+            </a:r>
+            <a:r>
+              <a:rPr lang="en-US" sz="4000" dirty="0" err="1">
+                <a:latin typeface="Arial" panose="020B0604020202020204" pitchFamily="34" charset="0"/>
+                <a:cs typeface="Arial" panose="020B0604020202020204" pitchFamily="34" charset="0"/>
+              </a:rPr>
+              <a:t>modernidade</a:t>
+            </a:r>
+            <a:r>
+              <a:rPr lang="en-US" sz="4000" dirty="0">
+                <a:latin typeface="Arial" panose="020B0604020202020204" pitchFamily="34" charset="0"/>
+                <a:cs typeface="Arial" panose="020B0604020202020204" pitchFamily="34" charset="0"/>
+              </a:rPr>
+              <a:t>. ​</a:t>
+            </a:r>
+            <a:br>
+              <a:rPr lang="en-US" sz="4000" dirty="0">
+                <a:latin typeface="Arial" panose="020B0604020202020204" pitchFamily="34" charset="0"/>
+                <a:cs typeface="Arial" panose="020B0604020202020204" pitchFamily="34" charset="0"/>
+              </a:rPr>
+            </a:br>
+            <a:r>
+              <a:rPr lang="en-US" sz="4000" dirty="0" smtClean="0">
+                <a:latin typeface="Arial" panose="020B0604020202020204" pitchFamily="34" charset="0"/>
+                <a:cs typeface="Arial" panose="020B0604020202020204" pitchFamily="34" charset="0"/>
+              </a:rPr>
+              <a:t>​</a:t>
+            </a:r>
+            <a:br>
+              <a:rPr lang="en-US" sz="4000" dirty="0" smtClean="0">
+                <a:latin typeface="Arial" panose="020B0604020202020204" pitchFamily="34" charset="0"/>
+                <a:cs typeface="Arial" panose="020B0604020202020204" pitchFamily="34" charset="0"/>
+              </a:rPr>
+            </a:br>
+            <a:endParaRPr lang="en-US" sz="4000" dirty="0">
+              <a:latin typeface="Arial" panose="020B0604020202020204" pitchFamily="34" charset="0"/>
+              <a:cs typeface="Arial" panose="020B0604020202020204" pitchFamily="34" charset="0"/>
+            </a:endParaRPr>
+          </a:p>
+          <a:p>
+            <a:pPr fontAlgn="base">
+              <a:lnSpc>
+                <a:spcPct val="120000"/>
+              </a:lnSpc>
+              <a:spcBef>
+                <a:spcPts val="0"/>
+              </a:spcBef>
+            </a:pPr>
+            <a:r>
+              <a:rPr lang="en-US" sz="4000" dirty="0">
+                <a:latin typeface="Arial" panose="020B0604020202020204" pitchFamily="34" charset="0"/>
+                <a:cs typeface="Arial" panose="020B0604020202020204" pitchFamily="34" charset="0"/>
+              </a:rPr>
+              <a:t> </a:t>
+            </a:r>
+            <a:r>
+              <a:rPr lang="en-US" sz="4000" b="1" dirty="0">
+                <a:latin typeface="Arial" panose="020B0604020202020204" pitchFamily="34" charset="0"/>
+                <a:cs typeface="Arial" panose="020B0604020202020204" pitchFamily="34" charset="0"/>
+              </a:rPr>
+              <a:t>Fonte: </a:t>
+            </a:r>
+            <a:r>
+              <a:rPr lang="en-US" sz="4000" dirty="0" err="1">
+                <a:latin typeface="Arial" panose="020B0604020202020204" pitchFamily="34" charset="0"/>
+                <a:cs typeface="Arial" panose="020B0604020202020204" pitchFamily="34" charset="0"/>
+              </a:rPr>
+              <a:t>Pacifico</a:t>
+            </a:r>
+            <a:r>
+              <a:rPr lang="en-US" sz="4000" dirty="0">
+                <a:latin typeface="Arial" panose="020B0604020202020204" pitchFamily="34" charset="0"/>
+                <a:cs typeface="Arial" panose="020B0604020202020204" pitchFamily="34" charset="0"/>
+              </a:rPr>
+              <a:t> </a:t>
+            </a:r>
+            <a:r>
+              <a:rPr lang="en-US" sz="4000" dirty="0" smtClean="0">
+                <a:latin typeface="Arial" panose="020B0604020202020204" pitchFamily="34" charset="0"/>
+                <a:cs typeface="Arial" panose="020B0604020202020204" pitchFamily="34" charset="0"/>
+              </a:rPr>
+              <a:t>​</a:t>
+            </a:r>
+            <a:r>
+              <a:rPr lang="en-US" sz="4000" dirty="0" smtClean="0">
+                <a:latin typeface="Arial" panose="020B0604020202020204" pitchFamily="34" charset="0"/>
+                <a:cs typeface="Arial" panose="020B0604020202020204" pitchFamily="34" charset="0"/>
+              </a:rPr>
+              <a:t/>
+            </a:r>
+            <a:br>
+              <a:rPr lang="en-US" sz="4000" dirty="0" smtClean="0">
+                <a:latin typeface="Arial" panose="020B0604020202020204" pitchFamily="34" charset="0"/>
+                <a:cs typeface="Arial" panose="020B0604020202020204" pitchFamily="34" charset="0"/>
+              </a:rPr>
+            </a:br>
+            <a:r>
+              <a:rPr lang="en-US" sz="3400" dirty="0" err="1" smtClean="0">
+                <a:latin typeface="Arial" panose="020B0604020202020204" pitchFamily="34" charset="0"/>
+                <a:cs typeface="Arial" panose="020B0604020202020204" pitchFamily="34" charset="0"/>
+              </a:rPr>
+              <a:t>Disponível</a:t>
+            </a:r>
+            <a:r>
+              <a:rPr lang="en-US" sz="3400" dirty="0">
+                <a:latin typeface="Arial" panose="020B0604020202020204" pitchFamily="34" charset="0"/>
+                <a:cs typeface="Arial" panose="020B0604020202020204" pitchFamily="34" charset="0"/>
+              </a:rPr>
+              <a:t> </a:t>
+            </a:r>
+            <a:r>
+              <a:rPr lang="en-US" sz="3400" dirty="0" err="1" smtClean="0">
+                <a:latin typeface="Arial" panose="020B0604020202020204" pitchFamily="34" charset="0"/>
+                <a:cs typeface="Arial" panose="020B0604020202020204" pitchFamily="34" charset="0"/>
+              </a:rPr>
+              <a:t>em</a:t>
+            </a:r>
+            <a:r>
+              <a:rPr lang="en-US" sz="3400" dirty="0" smtClean="0">
+                <a:latin typeface="Arial" panose="020B0604020202020204" pitchFamily="34" charset="0"/>
+                <a:cs typeface="Arial" panose="020B0604020202020204" pitchFamily="34" charset="0"/>
+              </a:rPr>
+              <a:t>: </a:t>
+            </a:r>
+            <a:r>
+              <a:rPr lang="en-US" sz="3400" dirty="0" smtClean="0">
+                <a:latin typeface="Arial" panose="020B0604020202020204" pitchFamily="34" charset="0"/>
+                <a:cs typeface="Arial" panose="020B0604020202020204" pitchFamily="34" charset="0"/>
+              </a:rPr>
+              <a:t>www.fonts.google.com/?query=pacific&amp;selection.family=Pacifico</a:t>
+            </a:r>
+            <a:endParaRPr lang="en-US" sz="3400" dirty="0">
+              <a:latin typeface="Arial" panose="020B0604020202020204" pitchFamily="34" charset="0"/>
+              <a:cs typeface="Arial" panose="020B0604020202020204" pitchFamily="34" charset="0"/>
+            </a:endParaRPr>
+          </a:p>
+          <a:p>
+            <a:endParaRPr lang="pt-BR" dirty="0"/>
+          </a:p>
+        </p:txBody>
+      </p:sp>
+      <p:sp>
+        <p:nvSpPr>
+          <p:cNvPr id="4" name="Espaço Reservado para Número de Slide 3"/>
+          <p:cNvSpPr>
+            <a:spLocks noGrp="1"/>
+          </p:cNvSpPr>
+          <p:nvPr>
+            <p:ph type="sldNum" sz="quarter" idx="12"/>
+          </p:nvPr>
+        </p:nvSpPr>
+        <p:spPr/>
+        <p:txBody>
+          <a:bodyPr/>
+          <a:lstStyle/>
+          <a:p>
+            <a:pPr rtl="0"/>
+            <a:fld id="{4FAB73BC-B049-4115-A692-8D63A059BFB8}" type="slidenum">
+              <a:rPr lang="pt-BR" noProof="0" smtClean="0"/>
+              <a:t>5</a:t>
+            </a:fld>
+            <a:endParaRPr lang="pt-BR" noProof="0" dirty="0"/>
+          </a:p>
+        </p:txBody>
+      </p:sp>
+      <p:pic>
+        <p:nvPicPr>
+          <p:cNvPr id="5" name="Imagem 4"/>
+          <p:cNvPicPr>
+            <a:picLocks noChangeAspect="1"/>
+          </p:cNvPicPr>
+          <p:nvPr/>
+        </p:nvPicPr>
+        <p:blipFill>
+          <a:blip r:embed="rId2">
+            <a:extLst>
+              <a:ext uri="{28A0092B-C50C-407E-A947-70E740481C1C}">
+                <a14:useLocalDpi xmlns:a14="http://schemas.microsoft.com/office/drawing/2010/main" val="0"/>
+              </a:ext>
+            </a:extLst>
+          </a:blip>
+          <a:stretch>
+            <a:fillRect/>
+          </a:stretch>
+        </p:blipFill>
+        <p:spPr>
+          <a:xfrm>
+            <a:off x="5902413" y="-84082"/>
+            <a:ext cx="6289587" cy="6942082"/>
+          </a:xfrm>
+          <a:prstGeom prst="rect">
+            <a:avLst/>
+          </a:prstGeom>
+        </p:spPr>
+      </p:pic>
+      <p:sp>
+        <p:nvSpPr>
+          <p:cNvPr id="6" name="Retângulo 5"/>
+          <p:cNvSpPr/>
+          <p:nvPr/>
+        </p:nvSpPr>
+        <p:spPr>
+          <a:xfrm>
+            <a:off x="1534510" y="3668110"/>
+            <a:ext cx="199697" cy="126124"/>
+          </a:xfrm>
+          <a:prstGeom prst="rect">
+            <a:avLst/>
+          </a:prstGeom>
+          <a:solidFill>
+            <a:srgbClr val="337744"/>
+          </a:solidFill>
+          <a:ln>
+            <a:solidFill>
+              <a:srgbClr val="337744"/>
+            </a:solidFill>
+          </a:ln>
+        </p:spPr>
+        <p:style>
+          <a:lnRef idx="2">
+            <a:schemeClr val="accent1">
+              <a:shade val="50000"/>
+            </a:schemeClr>
+          </a:lnRef>
+          <a:fillRef idx="1">
+            <a:schemeClr val="accent1"/>
+          </a:fillRef>
+          <a:effectRef idx="0">
+            <a:schemeClr val="accent1"/>
+          </a:effectRef>
+          <a:fontRef idx="minor">
+            <a:schemeClr val="lt1"/>
+          </a:fontRef>
+        </p:style>
+        <p:txBody>
+          <a:bodyPr rtlCol="0" anchor="ctr"/>
+          <a:lstStyle/>
+          <a:p>
+            <a:pPr algn="ctr"/>
+            <a:endParaRPr lang="pt-BR" b="1"/>
+          </a:p>
+        </p:txBody>
+      </p:sp>
+      <p:sp>
+        <p:nvSpPr>
+          <p:cNvPr id="8" name="Retângulo 7"/>
+          <p:cNvSpPr/>
+          <p:nvPr/>
+        </p:nvSpPr>
+        <p:spPr>
+          <a:xfrm>
+            <a:off x="1534510" y="3883572"/>
+            <a:ext cx="199697" cy="126124"/>
+          </a:xfrm>
+          <a:prstGeom prst="rect">
+            <a:avLst/>
+          </a:prstGeom>
+          <a:solidFill>
+            <a:srgbClr val="8FBB1C"/>
+          </a:solidFill>
+          <a:ln>
+            <a:solidFill>
+              <a:srgbClr val="8FBB1C"/>
+            </a:solidFill>
+          </a:ln>
+        </p:spPr>
+        <p:style>
+          <a:lnRef idx="2">
+            <a:schemeClr val="accent1">
+              <a:shade val="50000"/>
+            </a:schemeClr>
+          </a:lnRef>
+          <a:fillRef idx="1">
+            <a:schemeClr val="accent1"/>
+          </a:fillRef>
+          <a:effectRef idx="0">
+            <a:schemeClr val="accent1"/>
+          </a:effectRef>
+          <a:fontRef idx="minor">
+            <a:schemeClr val="lt1"/>
+          </a:fontRef>
+        </p:style>
+        <p:txBody>
+          <a:bodyPr rtlCol="0" anchor="ctr"/>
+          <a:lstStyle/>
+          <a:p>
+            <a:pPr algn="ctr"/>
+            <a:endParaRPr lang="pt-BR"/>
+          </a:p>
+        </p:txBody>
+      </p:sp>
+      <p:sp>
+        <p:nvSpPr>
+          <p:cNvPr id="9" name="Retângulo 8"/>
+          <p:cNvSpPr/>
+          <p:nvPr/>
+        </p:nvSpPr>
+        <p:spPr>
+          <a:xfrm>
+            <a:off x="1534510" y="4072758"/>
+            <a:ext cx="199697" cy="126124"/>
+          </a:xfrm>
+          <a:prstGeom prst="rect">
+            <a:avLst/>
+          </a:prstGeom>
+          <a:solidFill>
+            <a:srgbClr val="FFFFFF"/>
+          </a:solidFill>
+          <a:ln>
+            <a:solidFill>
+              <a:schemeClr val="bg1">
+                <a:lumMod val="85000"/>
+              </a:schemeClr>
+            </a:solidFill>
+          </a:ln>
+        </p:spPr>
+        <p:style>
+          <a:lnRef idx="2">
+            <a:schemeClr val="accent1">
+              <a:shade val="50000"/>
+            </a:schemeClr>
+          </a:lnRef>
+          <a:fillRef idx="1">
+            <a:schemeClr val="accent1"/>
+          </a:fillRef>
+          <a:effectRef idx="0">
+            <a:schemeClr val="accent1"/>
+          </a:effectRef>
+          <a:fontRef idx="minor">
+            <a:schemeClr val="lt1"/>
+          </a:fontRef>
+        </p:style>
+        <p:txBody>
+          <a:bodyPr rtlCol="0" anchor="ctr"/>
+          <a:lstStyle/>
+          <a:p>
+            <a:pPr algn="ctr"/>
+            <a:endParaRPr lang="pt-BR"/>
+          </a:p>
+        </p:txBody>
+      </p:sp>
+      <p:sp>
+        <p:nvSpPr>
+          <p:cNvPr id="11" name="Retângulo 10"/>
+          <p:cNvSpPr/>
+          <p:nvPr/>
+        </p:nvSpPr>
+        <p:spPr>
+          <a:xfrm>
+            <a:off x="1534507" y="4287063"/>
+            <a:ext cx="199697" cy="126124"/>
+          </a:xfrm>
+          <a:prstGeom prst="rect">
+            <a:avLst/>
+          </a:prstGeom>
+          <a:solidFill>
+            <a:srgbClr val="894F10"/>
+          </a:solidFill>
+          <a:ln>
+            <a:solidFill>
+              <a:srgbClr val="894F10"/>
+            </a:solidFill>
+          </a:ln>
+        </p:spPr>
+        <p:style>
+          <a:lnRef idx="2">
+            <a:schemeClr val="accent1">
+              <a:shade val="50000"/>
+            </a:schemeClr>
+          </a:lnRef>
+          <a:fillRef idx="1">
+            <a:schemeClr val="accent1"/>
+          </a:fillRef>
+          <a:effectRef idx="0">
+            <a:schemeClr val="accent1"/>
+          </a:effectRef>
+          <a:fontRef idx="minor">
+            <a:schemeClr val="lt1"/>
+          </a:fontRef>
+        </p:style>
+        <p:txBody>
+          <a:bodyPr rtlCol="0" anchor="ctr"/>
+          <a:lstStyle/>
+          <a:p>
+            <a:pPr algn="ctr"/>
+            <a:endParaRPr lang="pt-BR"/>
+          </a:p>
+        </p:txBody>
+      </p:sp>
+    </p:spTree>
+    <p:extLst>
+      <p:ext uri="{BB962C8B-B14F-4D97-AF65-F5344CB8AC3E}">
+        <p14:creationId xmlns:p14="http://schemas.microsoft.com/office/powerpoint/2010/main" val="1977514925"/>
+      </p:ext>
+    </p:extLst>
+  </p:cSld>
+  <p:clrMapOvr>
+    <a:masterClrMapping/>
+  </p:clrMapOvr>
+  <p:timing>
+    <p:tnLst>
+      <p:par>
+        <p:cTn id="1" dur="indefinite" restart="never" nodeType="tmRoot"/>
+      </p:par>
+    </p:tnLst>
+  </p:timing>
+</p:sld>
+</file>
+
+<file path=ppt/slides/slide6.xml><?xml version="1.0" encoding="utf-8"?>
+<p:sld xmlns:a="http://schemas.openxmlformats.org/drawingml/2006/main" xmlns:r="http://schemas.openxmlformats.org/officeDocument/2006/relationships" xmlns:p="http://schemas.openxmlformats.org/presentationml/2006/main">
+  <p:cSld>
+    <p:spTree>
+      <p:nvGrpSpPr>
+        <p:cNvPr id="1" name=""/>
+        <p:cNvGrpSpPr/>
+        <p:nvPr/>
+      </p:nvGrpSpPr>
+      <p:grpSpPr>
+        <a:xfrm>
+          <a:off x="0" y="0"/>
+          <a:ext cx="0" cy="0"/>
+          <a:chOff x="0" y="0"/>
+          <a:chExt cx="0" cy="0"/>
+        </a:xfrm>
+      </p:grpSpPr>
+      <p:pic>
+        <p:nvPicPr>
+          <p:cNvPr id="3" name="Imagem 2"/>
+          <p:cNvPicPr>
+            <a:picLocks noChangeAspect="1"/>
+          </p:cNvPicPr>
+          <p:nvPr/>
+        </p:nvPicPr>
+        <p:blipFill>
+          <a:blip r:embed="rId2">
+            <a:extLst>
+              <a:ext uri="{28A0092B-C50C-407E-A947-70E740481C1C}">
+                <a14:useLocalDpi xmlns:a14="http://schemas.microsoft.com/office/drawing/2010/main" val="0"/>
+              </a:ext>
+            </a:extLst>
+          </a:blip>
+          <a:stretch>
+            <a:fillRect/>
+          </a:stretch>
+        </p:blipFill>
+        <p:spPr>
+          <a:xfrm>
+            <a:off x="0" y="0"/>
+            <a:ext cx="12192000" cy="6860943"/>
+          </a:xfrm>
+          <a:prstGeom prst="rect">
+            <a:avLst/>
+          </a:prstGeom>
+        </p:spPr>
+      </p:pic>
+    </p:spTree>
+    <p:extLst>
+      <p:ext uri="{BB962C8B-B14F-4D97-AF65-F5344CB8AC3E}">
+        <p14:creationId xmlns:p14="http://schemas.microsoft.com/office/powerpoint/2010/main" val="2565620711"/>
+      </p:ext>
+    </p:extLst>
+  </p:cSld>
+  <p:clrMapOvr>
+    <a:masterClrMapping/>
+  </p:clrMapOvr>
+  <p:timing>
+    <p:tnLst>
+      <p:par>
+        <p:cTn id="1" dur="indefinite" restart="never" nodeType="tmRoot"/>
+      </p:par>
+    </p:tnLst>
+  </p:timing>
+</p:sld>
+</file>
+
+<file path=ppt/slides/slide7.xml><?xml version="1.0" encoding="utf-8"?>
+<p:sld xmlns:a="http://schemas.openxmlformats.org/drawingml/2006/main" xmlns:r="http://schemas.openxmlformats.org/officeDocument/2006/relationships" xmlns:p="http://schemas.openxmlformats.org/presentationml/2006/main">
+  <p:cSld>
+    <p:spTree>
+      <p:nvGrpSpPr>
+        <p:cNvPr id="1" name=""/>
+        <p:cNvGrpSpPr/>
+        <p:nvPr/>
+      </p:nvGrpSpPr>
+      <p:grpSpPr>
+        <a:xfrm>
+          <a:off x="0" y="0"/>
+          <a:ext cx="0" cy="0"/>
+          <a:chOff x="0" y="0"/>
+          <a:chExt cx="0" cy="0"/>
+        </a:xfrm>
+      </p:grpSpPr>
+      <p:pic>
+        <p:nvPicPr>
+          <p:cNvPr id="5" name="Imagem 4"/>
+          <p:cNvPicPr>
+            <a:picLocks noChangeAspect="1"/>
+          </p:cNvPicPr>
+          <p:nvPr/>
+        </p:nvPicPr>
+        <p:blipFill>
+          <a:blip r:embed="rId2">
+            <a:extLst>
+              <a:ext uri="{28A0092B-C50C-407E-A947-70E740481C1C}">
+                <a14:useLocalDpi xmlns:a14="http://schemas.microsoft.com/office/drawing/2010/main" val="0"/>
+              </a:ext>
+            </a:extLst>
+          </a:blip>
+          <a:stretch>
+            <a:fillRect/>
+          </a:stretch>
+        </p:blipFill>
+        <p:spPr>
+          <a:xfrm>
+            <a:off x="157655" y="238418"/>
+            <a:ext cx="11908221" cy="6619582"/>
+          </a:xfrm>
+          <a:prstGeom prst="rect">
+            <a:avLst/>
+          </a:prstGeom>
+        </p:spPr>
+      </p:pic>
+    </p:spTree>
+    <p:extLst>
+      <p:ext uri="{BB962C8B-B14F-4D97-AF65-F5344CB8AC3E}">
+        <p14:creationId xmlns:p14="http://schemas.microsoft.com/office/powerpoint/2010/main" val="4235555087"/>
       </p:ext>
     </p:extLst>
   </p:cSld>
@@ -9578,14 +7641,6 @@
 <file path=ppt/slides/slide8.xml><?xml version="1.0" encoding="utf-8"?>
 <p:sld xmlns:a="http://schemas.openxmlformats.org/drawingml/2006/main" xmlns:r="http://schemas.openxmlformats.org/officeDocument/2006/relationships" xmlns:p="http://schemas.openxmlformats.org/presentationml/2006/main">
   <p:cSld>
-    <p:bg>
-      <p:bgPr>
-        <a:solidFill>
-          <a:schemeClr val="bg1"/>
-        </a:solidFill>
-        <a:effectLst/>
-      </p:bgPr>
-    </p:bg>
     <p:spTree>
       <p:nvGrpSpPr>
         <p:cNvPr id="1" name=""/>
@@ -9600,478 +7655,16 @@
           <a:chExt cx="0" cy="0"/>
         </a:xfrm>
       </p:grpSpPr>
-      <p:sp>
-        <p:nvSpPr>
-          <p:cNvPr id="22" name="Retângulo 13">
-            <a:extLst>
-              <a:ext uri="{FF2B5EF4-FFF2-40B4-BE49-F238E27FC236}">
-                <a16:creationId xmlns:a16="http://schemas.microsoft.com/office/drawing/2014/main" id="{A943D298-0548-4C7A-870B-7594104F8214}"/>
-              </a:ext>
-              <a:ext uri="{C183D7F6-B498-43B3-948B-1728B52AA6E4}">
-                <adec:decorative xmlns="" xmlns:adec="http://schemas.microsoft.com/office/drawing/2017/decorative" val="1"/>
-              </a:ext>
-            </a:extLst>
-          </p:cNvPr>
-          <p:cNvSpPr>
-            <a:spLocks noGrp="1" noRot="1" noChangeAspect="1" noMove="1" noResize="1" noEditPoints="1" noAdjustHandles="1" noChangeArrowheads="1" noChangeShapeType="1" noTextEdit="1"/>
-          </p:cNvSpPr>
-          <p:nvPr>
-            <p:extLst>
-              <p:ext uri="{386F3935-93C4-4BCD-93E2-E3B085C9AB24}">
-                <p16:designElem xmlns:p16="http://schemas.microsoft.com/office/powerpoint/2015/main" val="1"/>
-              </p:ext>
-            </p:extLst>
-          </p:nvPr>
-        </p:nvSpPr>
-        <p:spPr bwMode="white">
-          <a:xfrm>
-            <a:off x="-7620" y="-1"/>
-            <a:ext cx="12207240" cy="6858001"/>
-          </a:xfrm>
-          <a:prstGeom prst="rect">
-            <a:avLst/>
-          </a:prstGeom>
-          <a:solidFill>
-            <a:schemeClr val="bg1"/>
-          </a:solidFill>
-          <a:ln>
-            <a:noFill/>
-          </a:ln>
-        </p:spPr>
-        <p:style>
-          <a:lnRef idx="2">
-            <a:schemeClr val="accent1">
-              <a:shade val="50000"/>
-            </a:schemeClr>
-          </a:lnRef>
-          <a:fillRef idx="1">
-            <a:schemeClr val="accent1"/>
-          </a:fillRef>
-          <a:effectRef idx="0">
-            <a:schemeClr val="accent1"/>
-          </a:effectRef>
-          <a:fontRef idx="minor">
-            <a:schemeClr val="lt1"/>
-          </a:fontRef>
-        </p:style>
-        <p:txBody>
-          <a:bodyPr rot="0" spcFirstLastPara="0" vert="horz" wrap="square" lIns="91440" tIns="45720" rIns="91440" bIns="45720" numCol="1" spcCol="0" rtlCol="0" fromWordArt="0" anchor="ctr" anchorCtr="0" forceAA="0" compatLnSpc="1">
-            <a:prstTxWarp prst="textNoShape">
-              <a:avLst/>
-            </a:prstTxWarp>
-            <a:noAutofit/>
-          </a:bodyPr>
-          <a:lstStyle>
-            <a:defPPr>
-              <a:defRPr lang="en-US"/>
-            </a:defPPr>
-            <a:lvl1pPr marL="0" algn="l" defTabSz="914400" rtl="0" eaLnBrk="1" latinLnBrk="0" hangingPunct="1">
-              <a:defRPr sz="1800" kern="1200">
-                <a:solidFill>
-                  <a:schemeClr val="lt1"/>
-                </a:solidFill>
-                <a:latin typeface="+mn-lt"/>
-                <a:ea typeface="+mn-ea"/>
-                <a:cs typeface="+mn-cs"/>
-              </a:defRPr>
-            </a:lvl1pPr>
-            <a:lvl2pPr marL="457200" algn="l" defTabSz="914400" rtl="0" eaLnBrk="1" latinLnBrk="0" hangingPunct="1">
-              <a:defRPr sz="1800" kern="1200">
-                <a:solidFill>
-                  <a:schemeClr val="lt1"/>
-                </a:solidFill>
-                <a:latin typeface="+mn-lt"/>
-                <a:ea typeface="+mn-ea"/>
-                <a:cs typeface="+mn-cs"/>
-              </a:defRPr>
-            </a:lvl2pPr>
-            <a:lvl3pPr marL="914400" algn="l" defTabSz="914400" rtl="0" eaLnBrk="1" latinLnBrk="0" hangingPunct="1">
-              <a:defRPr sz="1800" kern="1200">
-                <a:solidFill>
-                  <a:schemeClr val="lt1"/>
-                </a:solidFill>
-                <a:latin typeface="+mn-lt"/>
-                <a:ea typeface="+mn-ea"/>
-                <a:cs typeface="+mn-cs"/>
-              </a:defRPr>
-            </a:lvl3pPr>
-            <a:lvl4pPr marL="1371600" algn="l" defTabSz="914400" rtl="0" eaLnBrk="1" latinLnBrk="0" hangingPunct="1">
-              <a:defRPr sz="1800" kern="1200">
-                <a:solidFill>
-                  <a:schemeClr val="lt1"/>
-                </a:solidFill>
-                <a:latin typeface="+mn-lt"/>
-                <a:ea typeface="+mn-ea"/>
-                <a:cs typeface="+mn-cs"/>
-              </a:defRPr>
-            </a:lvl4pPr>
-            <a:lvl5pPr marL="1828800" algn="l" defTabSz="914400" rtl="0" eaLnBrk="1" latinLnBrk="0" hangingPunct="1">
-              <a:defRPr sz="1800" kern="1200">
-                <a:solidFill>
-                  <a:schemeClr val="lt1"/>
-                </a:solidFill>
-                <a:latin typeface="+mn-lt"/>
-                <a:ea typeface="+mn-ea"/>
-                <a:cs typeface="+mn-cs"/>
-              </a:defRPr>
-            </a:lvl5pPr>
-            <a:lvl6pPr marL="2286000" algn="l" defTabSz="914400" rtl="0" eaLnBrk="1" latinLnBrk="0" hangingPunct="1">
-              <a:defRPr sz="1800" kern="1200">
-                <a:solidFill>
-                  <a:schemeClr val="lt1"/>
-                </a:solidFill>
-                <a:latin typeface="+mn-lt"/>
-                <a:ea typeface="+mn-ea"/>
-                <a:cs typeface="+mn-cs"/>
-              </a:defRPr>
-            </a:lvl6pPr>
-            <a:lvl7pPr marL="2743200" algn="l" defTabSz="914400" rtl="0" eaLnBrk="1" latinLnBrk="0" hangingPunct="1">
-              <a:defRPr sz="1800" kern="1200">
-                <a:solidFill>
-                  <a:schemeClr val="lt1"/>
-                </a:solidFill>
-                <a:latin typeface="+mn-lt"/>
-                <a:ea typeface="+mn-ea"/>
-                <a:cs typeface="+mn-cs"/>
-              </a:defRPr>
-            </a:lvl7pPr>
-            <a:lvl8pPr marL="3200400" algn="l" defTabSz="914400" rtl="0" eaLnBrk="1" latinLnBrk="0" hangingPunct="1">
-              <a:defRPr sz="1800" kern="1200">
-                <a:solidFill>
-                  <a:schemeClr val="lt1"/>
-                </a:solidFill>
-                <a:latin typeface="+mn-lt"/>
-                <a:ea typeface="+mn-ea"/>
-                <a:cs typeface="+mn-cs"/>
-              </a:defRPr>
-            </a:lvl8pPr>
-            <a:lvl9pPr marL="3657600" algn="l" defTabSz="914400" rtl="0" eaLnBrk="1" latinLnBrk="0" hangingPunct="1">
-              <a:defRPr sz="1800" kern="1200">
-                <a:solidFill>
-                  <a:schemeClr val="lt1"/>
-                </a:solidFill>
-                <a:latin typeface="+mn-lt"/>
-                <a:ea typeface="+mn-ea"/>
-                <a:cs typeface="+mn-cs"/>
-              </a:defRPr>
-            </a:lvl9pPr>
-          </a:lstStyle>
-          <a:p>
-            <a:pPr algn="ctr" rtl="0"/>
-            <a:endParaRPr lang="pt-BR" dirty="0"/>
-          </a:p>
-        </p:txBody>
-      </p:sp>
-      <p:sp>
-        <p:nvSpPr>
-          <p:cNvPr id="23" name="Retângulo 15">
-            <a:extLst>
-              <a:ext uri="{FF2B5EF4-FFF2-40B4-BE49-F238E27FC236}">
-                <a16:creationId xmlns:a16="http://schemas.microsoft.com/office/drawing/2014/main" id="{FF7B26C5-D249-4988-B86B-5A3D9E7BD900}"/>
-              </a:ext>
-              <a:ext uri="{C183D7F6-B498-43B3-948B-1728B52AA6E4}">
-                <adec:decorative xmlns="" xmlns:adec="http://schemas.microsoft.com/office/drawing/2017/decorative" val="1"/>
-              </a:ext>
-            </a:extLst>
-          </p:cNvPr>
-          <p:cNvSpPr>
-            <a:spLocks noGrp="1" noRot="1" noChangeAspect="1" noMove="1" noResize="1" noEditPoints="1" noAdjustHandles="1" noChangeArrowheads="1" noChangeShapeType="1" noTextEdit="1"/>
-          </p:cNvSpPr>
-          <p:nvPr>
-            <p:extLst>
-              <p:ext uri="{386F3935-93C4-4BCD-93E2-E3B085C9AB24}">
-                <p16:designElem xmlns:p16="http://schemas.microsoft.com/office/powerpoint/2015/main" val="1"/>
-              </p:ext>
-            </p:extLst>
-          </p:nvPr>
-        </p:nvSpPr>
-        <p:spPr>
-          <a:xfrm>
-            <a:off x="-22860" y="0"/>
-            <a:ext cx="12188952" cy="6858000"/>
-          </a:xfrm>
-          <a:prstGeom prst="rect">
-            <a:avLst/>
-          </a:prstGeom>
-          <a:blipFill dpi="0" rotWithShape="1">
-            <a:blip r:embed="rId3">
-              <a:alphaModFix amt="45000"/>
-              <a:lum bright="70000" contrast="-70000"/>
-            </a:blip>
-            <a:srcRect/>
-            <a:tile tx="0" ty="-762000" sx="92000" sy="89000" flip="xy" algn="ctr"/>
-          </a:blipFill>
-          <a:ln>
-            <a:noFill/>
-          </a:ln>
-        </p:spPr>
-        <p:style>
-          <a:lnRef idx="2">
-            <a:schemeClr val="accent1">
-              <a:shade val="50000"/>
-            </a:schemeClr>
-          </a:lnRef>
-          <a:fillRef idx="1">
-            <a:schemeClr val="accent1"/>
-          </a:fillRef>
-          <a:effectRef idx="0">
-            <a:schemeClr val="accent1"/>
-          </a:effectRef>
-          <a:fontRef idx="minor">
-            <a:schemeClr val="lt1"/>
-          </a:fontRef>
-        </p:style>
-        <p:txBody>
-          <a:bodyPr rtlCol="0" anchor="ctr"/>
-          <a:lstStyle/>
-          <a:p>
-            <a:pPr algn="ctr" rtl="0"/>
-            <a:endParaRPr lang="pt-BR" dirty="0"/>
-          </a:p>
-        </p:txBody>
-      </p:sp>
-      <p:sp>
-        <p:nvSpPr>
-          <p:cNvPr id="2" name="Título 1">
-            <a:extLst>
-              <a:ext uri="{FF2B5EF4-FFF2-40B4-BE49-F238E27FC236}">
-                <a16:creationId xmlns:a16="http://schemas.microsoft.com/office/drawing/2014/main" id="{23F6D5E8-15CF-4755-910B-1B5A1E777357}"/>
-              </a:ext>
-            </a:extLst>
-          </p:cNvPr>
-          <p:cNvSpPr>
-            <a:spLocks noGrp="1"/>
-          </p:cNvSpPr>
-          <p:nvPr>
-            <p:ph type="title"/>
-          </p:nvPr>
-        </p:nvSpPr>
-        <p:spPr>
-          <a:xfrm>
-            <a:off x="-7619" y="-1"/>
-            <a:ext cx="9099068" cy="735726"/>
-          </a:xfrm>
-        </p:spPr>
-        <p:txBody>
-          <a:bodyPr rtlCol="0">
-            <a:normAutofit/>
-          </a:bodyPr>
-          <a:lstStyle/>
-          <a:p>
-            <a:pPr rtl="0"/>
-            <a:r>
-              <a:rPr lang="pt-BR" sz="3600" dirty="0" smtClean="0"/>
-              <a:t>frutas</a:t>
-            </a:r>
-            <a:endParaRPr lang="pt-BR" sz="3600" dirty="0"/>
-          </a:p>
-        </p:txBody>
-      </p:sp>
-      <p:grpSp>
-        <p:nvGrpSpPr>
-          <p:cNvPr id="24" name="Grupo 17">
-            <a:extLst>
-              <a:ext uri="{FF2B5EF4-FFF2-40B4-BE49-F238E27FC236}">
-                <a16:creationId xmlns:a16="http://schemas.microsoft.com/office/drawing/2014/main" id="{46FDAED0-8B04-4181-B3D3-EA0A93C6659B}"/>
-              </a:ext>
-              <a:ext uri="{C183D7F6-B498-43B3-948B-1728B52AA6E4}">
-                <adec:decorative xmlns="" xmlns:adec="http://schemas.microsoft.com/office/drawing/2017/decorative" val="1"/>
-              </a:ext>
-            </a:extLst>
-          </p:cNvPr>
-          <p:cNvGrpSpPr>
-            <a:grpSpLocks noGrp="1" noUngrp="1" noRot="1" noChangeAspect="1" noMove="1" noResize="1"/>
-          </p:cNvGrpSpPr>
-          <p:nvPr>
-            <p:extLst>
-              <p:ext uri="{386F3935-93C4-4BCD-93E2-E3B085C9AB24}">
-                <p16:designElem xmlns:p16="http://schemas.microsoft.com/office/powerpoint/2015/main" val="1"/>
-              </p:ext>
-            </p:extLst>
-          </p:nvPr>
-        </p:nvGrpSpPr>
-        <p:grpSpPr>
-          <a:xfrm>
-            <a:off x="11401725" y="6229681"/>
-            <a:ext cx="457200" cy="457200"/>
-            <a:chOff x="11361456" y="6195813"/>
-            <a:chExt cx="548640" cy="548640"/>
-          </a:xfrm>
-        </p:grpSpPr>
-        <p:sp>
-          <p:nvSpPr>
-            <p:cNvPr id="19" name="Oval 18">
-              <a:extLst>
-                <a:ext uri="{FF2B5EF4-FFF2-40B4-BE49-F238E27FC236}">
-                  <a16:creationId xmlns:a16="http://schemas.microsoft.com/office/drawing/2014/main" id="{161B6F0D-567B-4CFA-BF50-79FDAC6EBDC8}"/>
-                </a:ext>
-                <a:ext uri="{C183D7F6-B498-43B3-948B-1728B52AA6E4}">
-                  <adec:decorative xmlns="" xmlns:adec="http://schemas.microsoft.com/office/drawing/2017/decorative" val="1"/>
-                </a:ext>
-              </a:extLst>
-            </p:cNvPr>
-            <p:cNvSpPr/>
-            <p:nvPr>
-              <p:extLst>
-                <p:ext uri="{386F3935-93C4-4BCD-93E2-E3B085C9AB24}">
-                  <p16:designElem xmlns:p16="http://schemas.microsoft.com/office/powerpoint/2015/main" val="1"/>
-                </p:ext>
-              </p:extLst>
-            </p:nvPr>
-          </p:nvSpPr>
-          <p:spPr>
-            <a:xfrm>
-              <a:off x="11361456" y="6195813"/>
-              <a:ext cx="548640" cy="548640"/>
-            </a:xfrm>
-            <a:prstGeom prst="ellipse">
-              <a:avLst/>
-            </a:prstGeom>
-            <a:blipFill dpi="0" rotWithShape="1">
-              <a:blip r:embed="rId4">
-                <a:duotone>
-                  <a:schemeClr val="accent1">
-                    <a:shade val="45000"/>
-                    <a:satMod val="135000"/>
-                  </a:schemeClr>
-                  <a:prstClr val="white"/>
-                </a:duotone>
-                <a:extLst/>
-              </a:blip>
-              <a:srcRect/>
-              <a:tile tx="50800" ty="0" sx="85000" sy="85000" flip="none" algn="tl"/>
-            </a:blipFill>
-            <a:ln w="25400" cap="flat" cmpd="sng" algn="ctr">
-              <a:noFill/>
-              <a:prstDash val="solid"/>
-            </a:ln>
-            <a:effectLst/>
-          </p:spPr>
-          <p:txBody>
-            <a:bodyPr lIns="0" tIns="0" rIns="0" bIns="0" rtlCol="0" anchor="ctr"/>
-            <a:lstStyle/>
-            <a:p>
-              <a:pPr marL="0" marR="0" lvl="0" indent="0" algn="ctr" defTabSz="914400" rtl="0" eaLnBrk="1" fontAlgn="auto" latinLnBrk="0" hangingPunct="1">
-                <a:lnSpc>
-                  <a:spcPct val="100000"/>
-                </a:lnSpc>
-                <a:spcBef>
-                  <a:spcPts val="0"/>
-                </a:spcBef>
-                <a:spcAft>
-                  <a:spcPts val="0"/>
-                </a:spcAft>
-                <a:buClrTx/>
-                <a:buSzTx/>
-                <a:buFontTx/>
-                <a:buNone/>
-                <a:tabLst/>
-                <a:defRPr/>
-              </a:pPr>
-              <a:endParaRPr kumimoji="0" lang="pt-BR" sz="2000" b="0" i="0" u="none" strike="noStrike" kern="0" cap="none" spc="0" normalizeH="0" baseline="0" dirty="0">
-                <a:ln>
-                  <a:noFill/>
-                </a:ln>
-                <a:solidFill>
-                  <a:prstClr val="white"/>
-                </a:solidFill>
-                <a:effectLst/>
-                <a:uLnTx/>
-                <a:uFillTx/>
-                <a:latin typeface="Rockwell Extra Bold" pitchFamily="18" charset="0"/>
-                <a:ea typeface="+mn-ea"/>
-                <a:cs typeface="+mn-cs"/>
-              </a:endParaRPr>
-            </a:p>
-          </p:txBody>
-        </p:sp>
-        <p:sp>
-          <p:nvSpPr>
-            <p:cNvPr id="20" name="Oval 19">
-              <a:extLst>
-                <a:ext uri="{FF2B5EF4-FFF2-40B4-BE49-F238E27FC236}">
-                  <a16:creationId xmlns:a16="http://schemas.microsoft.com/office/drawing/2014/main" id="{8CE5D194-0A7E-49A6-B737-F71C1B3960DA}"/>
-                </a:ext>
-                <a:ext uri="{C183D7F6-B498-43B3-948B-1728B52AA6E4}">
-                  <adec:decorative xmlns="" xmlns:adec="http://schemas.microsoft.com/office/drawing/2017/decorative" val="1"/>
-                </a:ext>
-              </a:extLst>
-            </p:cNvPr>
-            <p:cNvSpPr/>
-            <p:nvPr>
-              <p:extLst>
-                <p:ext uri="{386F3935-93C4-4BCD-93E2-E3B085C9AB24}">
-                  <p16:designElem xmlns:p16="http://schemas.microsoft.com/office/powerpoint/2015/main" val="1"/>
-                </p:ext>
-              </p:extLst>
-            </p:nvPr>
-          </p:nvSpPr>
-          <p:spPr>
-            <a:xfrm>
-              <a:off x="11396488" y="6230844"/>
-              <a:ext cx="478576" cy="478578"/>
-            </a:xfrm>
-            <a:prstGeom prst="ellipse">
-              <a:avLst/>
-            </a:prstGeom>
-            <a:noFill/>
-            <a:ln w="12700" cap="flat" cmpd="sng" algn="ctr">
-              <a:solidFill>
-                <a:srgbClr val="FFFFFF"/>
-              </a:solidFill>
-              <a:prstDash val="solid"/>
-            </a:ln>
-            <a:effectLst/>
-          </p:spPr>
-          <p:txBody>
-            <a:bodyPr rtlCol="0" anchor="ctr"/>
-            <a:lstStyle/>
-            <a:p>
-              <a:pPr marL="0" marR="0" lvl="0" indent="0" algn="ctr" defTabSz="914400" rtl="0" eaLnBrk="1" fontAlgn="auto" latinLnBrk="0" hangingPunct="1">
-                <a:lnSpc>
-                  <a:spcPct val="100000"/>
-                </a:lnSpc>
-                <a:spcBef>
-                  <a:spcPts val="0"/>
-                </a:spcBef>
-                <a:spcAft>
-                  <a:spcPts val="0"/>
-                </a:spcAft>
-                <a:buClrTx/>
-                <a:buSzTx/>
-                <a:buFontTx/>
-                <a:buNone/>
-                <a:tabLst/>
-                <a:defRPr/>
-              </a:pPr>
-              <a:endParaRPr kumimoji="0" lang="pt-BR" sz="1800" b="0" i="0" u="none" strike="noStrike" kern="0" cap="none" spc="0" normalizeH="0" baseline="0" dirty="0">
-                <a:ln>
-                  <a:noFill/>
-                </a:ln>
-                <a:solidFill>
-                  <a:prstClr val="white"/>
-                </a:solidFill>
-                <a:effectLst/>
-                <a:uLnTx/>
-                <a:uFillTx/>
-                <a:latin typeface="Calibri"/>
-                <a:ea typeface="+mn-ea"/>
-                <a:cs typeface="+mn-cs"/>
-              </a:endParaRPr>
-            </a:p>
-          </p:txBody>
-        </p:sp>
-      </p:grpSp>
       <p:pic>
         <p:nvPicPr>
-          <p:cNvPr id="3" name="Imagem 2"/>
+          <p:cNvPr id="5" name="Imagem 4"/>
           <p:cNvPicPr>
             <a:picLocks noChangeAspect="1"/>
           </p:cNvPicPr>
           <p:nvPr/>
         </p:nvPicPr>
         <p:blipFill>
-          <a:blip r:embed="rId5">
+          <a:blip r:embed="rId2">
             <a:extLst>
               <a:ext uri="{28A0092B-C50C-407E-A947-70E740481C1C}">
                 <a14:useLocalDpi xmlns:a14="http://schemas.microsoft.com/office/drawing/2010/main" val="0"/>
@@ -10084,8 +7677,8 @@
         </p:blipFill>
         <p:spPr>
           <a:xfrm>
-            <a:off x="-53606" y="623578"/>
-            <a:ext cx="12299211" cy="6234421"/>
+            <a:off x="1011995" y="451944"/>
+            <a:ext cx="10969798" cy="6259938"/>
           </a:xfrm>
           <a:prstGeom prst="rect">
             <a:avLst/>
@@ -10095,7 +7688,7 @@
     </p:spTree>
     <p:extLst>
       <p:ext uri="{BB962C8B-B14F-4D97-AF65-F5344CB8AC3E}">
-        <p14:creationId xmlns:p14="http://schemas.microsoft.com/office/powerpoint/2010/main" val="3101478463"/>
+        <p14:creationId xmlns:p14="http://schemas.microsoft.com/office/powerpoint/2010/main" val="951809979"/>
       </p:ext>
     </p:extLst>
   </p:cSld>
@@ -10139,10 +7732,47 @@
       </p:grpSpPr>
       <p:sp>
         <p:nvSpPr>
-          <p:cNvPr id="22" name="Retângulo 13">
+          <p:cNvPr id="2" name="Título 1">
             <a:extLst>
               <a:ext uri="{FF2B5EF4-FFF2-40B4-BE49-F238E27FC236}">
-                <a16:creationId xmlns:a16="http://schemas.microsoft.com/office/drawing/2014/main" id="{A943D298-0548-4C7A-870B-7594104F8214}"/>
+                <a16:creationId xmlns:a16="http://schemas.microsoft.com/office/drawing/2014/main" id="{23F6D5E8-15CF-4755-910B-1B5A1E777357}"/>
+              </a:ext>
+            </a:extLst>
+          </p:cNvPr>
+          <p:cNvSpPr>
+            <a:spLocks noGrp="1"/>
+          </p:cNvSpPr>
+          <p:nvPr>
+            <p:ph type="title"/>
+          </p:nvPr>
+        </p:nvSpPr>
+        <p:spPr>
+          <a:xfrm>
+            <a:off x="123917" y="95749"/>
+            <a:ext cx="8694262" cy="587423"/>
+          </a:xfrm>
+        </p:spPr>
+        <p:txBody>
+          <a:bodyPr rtlCol="0">
+            <a:normAutofit fontScale="90000"/>
+          </a:bodyPr>
+          <a:lstStyle/>
+          <a:p>
+            <a:pPr rtl="0"/>
+            <a:r>
+              <a:rPr lang="pt-BR" dirty="0" err="1" smtClean="0"/>
+              <a:t>git</a:t>
+            </a:r>
+            <a:endParaRPr lang="pt-BR" dirty="0"/>
+          </a:p>
+        </p:txBody>
+      </p:sp>
+      <p:sp>
+        <p:nvSpPr>
+          <p:cNvPr id="18" name="Retângulo 17">
+            <a:extLst>
+              <a:ext uri="{FF2B5EF4-FFF2-40B4-BE49-F238E27FC236}">
+                <a16:creationId xmlns:a16="http://schemas.microsoft.com/office/drawing/2014/main" id="{3FD711E9-7F79-40A9-8D9E-4AE293C154A5}"/>
               </a:ext>
               <a:ext uri="{C183D7F6-B498-43B3-948B-1728B52AA6E4}">
                 <adec:decorative xmlns="" xmlns:adec="http://schemas.microsoft.com/office/drawing/2017/decorative" val="1"/>
@@ -10160,180 +7790,32 @@
             </p:extLst>
           </p:nvPr>
         </p:nvSpPr>
-        <p:spPr bwMode="white">
-          <a:xfrm>
-            <a:off x="-7620" y="-1"/>
-            <a:ext cx="12207240" cy="6858001"/>
-          </a:xfrm>
-          <a:prstGeom prst="rect">
-            <a:avLst/>
-          </a:prstGeom>
-          <a:solidFill>
-            <a:schemeClr val="bg1"/>
-          </a:solidFill>
-          <a:ln>
-            <a:noFill/>
-          </a:ln>
-        </p:spPr>
-        <p:style>
-          <a:lnRef idx="2">
-            <a:schemeClr val="accent1">
-              <a:shade val="50000"/>
-            </a:schemeClr>
-          </a:lnRef>
-          <a:fillRef idx="1">
-            <a:schemeClr val="accent1"/>
-          </a:fillRef>
-          <a:effectRef idx="0">
-            <a:schemeClr val="accent1"/>
-          </a:effectRef>
-          <a:fontRef idx="minor">
-            <a:schemeClr val="lt1"/>
-          </a:fontRef>
-        </p:style>
-        <p:txBody>
-          <a:bodyPr rot="0" spcFirstLastPara="0" vert="horz" wrap="square" lIns="91440" tIns="45720" rIns="91440" bIns="45720" numCol="1" spcCol="0" rtlCol="0" fromWordArt="0" anchor="ctr" anchorCtr="0" forceAA="0" compatLnSpc="1">
-            <a:prstTxWarp prst="textNoShape">
-              <a:avLst/>
-            </a:prstTxWarp>
-            <a:noAutofit/>
-          </a:bodyPr>
-          <a:lstStyle>
-            <a:defPPr>
-              <a:defRPr lang="en-US"/>
-            </a:defPPr>
-            <a:lvl1pPr marL="0" algn="l" defTabSz="914400" rtl="0" eaLnBrk="1" latinLnBrk="0" hangingPunct="1">
-              <a:defRPr sz="1800" kern="1200">
-                <a:solidFill>
-                  <a:schemeClr val="lt1"/>
-                </a:solidFill>
-                <a:latin typeface="+mn-lt"/>
-                <a:ea typeface="+mn-ea"/>
-                <a:cs typeface="+mn-cs"/>
-              </a:defRPr>
-            </a:lvl1pPr>
-            <a:lvl2pPr marL="457200" algn="l" defTabSz="914400" rtl="0" eaLnBrk="1" latinLnBrk="0" hangingPunct="1">
-              <a:defRPr sz="1800" kern="1200">
-                <a:solidFill>
-                  <a:schemeClr val="lt1"/>
-                </a:solidFill>
-                <a:latin typeface="+mn-lt"/>
-                <a:ea typeface="+mn-ea"/>
-                <a:cs typeface="+mn-cs"/>
-              </a:defRPr>
-            </a:lvl2pPr>
-            <a:lvl3pPr marL="914400" algn="l" defTabSz="914400" rtl="0" eaLnBrk="1" latinLnBrk="0" hangingPunct="1">
-              <a:defRPr sz="1800" kern="1200">
-                <a:solidFill>
-                  <a:schemeClr val="lt1"/>
-                </a:solidFill>
-                <a:latin typeface="+mn-lt"/>
-                <a:ea typeface="+mn-ea"/>
-                <a:cs typeface="+mn-cs"/>
-              </a:defRPr>
-            </a:lvl3pPr>
-            <a:lvl4pPr marL="1371600" algn="l" defTabSz="914400" rtl="0" eaLnBrk="1" latinLnBrk="0" hangingPunct="1">
-              <a:defRPr sz="1800" kern="1200">
-                <a:solidFill>
-                  <a:schemeClr val="lt1"/>
-                </a:solidFill>
-                <a:latin typeface="+mn-lt"/>
-                <a:ea typeface="+mn-ea"/>
-                <a:cs typeface="+mn-cs"/>
-              </a:defRPr>
-            </a:lvl4pPr>
-            <a:lvl5pPr marL="1828800" algn="l" defTabSz="914400" rtl="0" eaLnBrk="1" latinLnBrk="0" hangingPunct="1">
-              <a:defRPr sz="1800" kern="1200">
-                <a:solidFill>
-                  <a:schemeClr val="lt1"/>
-                </a:solidFill>
-                <a:latin typeface="+mn-lt"/>
-                <a:ea typeface="+mn-ea"/>
-                <a:cs typeface="+mn-cs"/>
-              </a:defRPr>
-            </a:lvl5pPr>
-            <a:lvl6pPr marL="2286000" algn="l" defTabSz="914400" rtl="0" eaLnBrk="1" latinLnBrk="0" hangingPunct="1">
-              <a:defRPr sz="1800" kern="1200">
-                <a:solidFill>
-                  <a:schemeClr val="lt1"/>
-                </a:solidFill>
-                <a:latin typeface="+mn-lt"/>
-                <a:ea typeface="+mn-ea"/>
-                <a:cs typeface="+mn-cs"/>
-              </a:defRPr>
-            </a:lvl6pPr>
-            <a:lvl7pPr marL="2743200" algn="l" defTabSz="914400" rtl="0" eaLnBrk="1" latinLnBrk="0" hangingPunct="1">
-              <a:defRPr sz="1800" kern="1200">
-                <a:solidFill>
-                  <a:schemeClr val="lt1"/>
-                </a:solidFill>
-                <a:latin typeface="+mn-lt"/>
-                <a:ea typeface="+mn-ea"/>
-                <a:cs typeface="+mn-cs"/>
-              </a:defRPr>
-            </a:lvl7pPr>
-            <a:lvl8pPr marL="3200400" algn="l" defTabSz="914400" rtl="0" eaLnBrk="1" latinLnBrk="0" hangingPunct="1">
-              <a:defRPr sz="1800" kern="1200">
-                <a:solidFill>
-                  <a:schemeClr val="lt1"/>
-                </a:solidFill>
-                <a:latin typeface="+mn-lt"/>
-                <a:ea typeface="+mn-ea"/>
-                <a:cs typeface="+mn-cs"/>
-              </a:defRPr>
-            </a:lvl8pPr>
-            <a:lvl9pPr marL="3657600" algn="l" defTabSz="914400" rtl="0" eaLnBrk="1" latinLnBrk="0" hangingPunct="1">
-              <a:defRPr sz="1800" kern="1200">
-                <a:solidFill>
-                  <a:schemeClr val="lt1"/>
-                </a:solidFill>
-                <a:latin typeface="+mn-lt"/>
-                <a:ea typeface="+mn-ea"/>
-                <a:cs typeface="+mn-cs"/>
-              </a:defRPr>
-            </a:lvl9pPr>
-          </a:lstStyle>
-          <a:p>
-            <a:pPr algn="ctr" rtl="0"/>
-            <a:endParaRPr lang="pt-BR" dirty="0"/>
-          </a:p>
-        </p:txBody>
-      </p:sp>
-      <p:sp>
-        <p:nvSpPr>
-          <p:cNvPr id="23" name="Retângulo 15">
-            <a:extLst>
-              <a:ext uri="{FF2B5EF4-FFF2-40B4-BE49-F238E27FC236}">
-                <a16:creationId xmlns:a16="http://schemas.microsoft.com/office/drawing/2014/main" id="{FF7B26C5-D249-4988-B86B-5A3D9E7BD900}"/>
-              </a:ext>
-              <a:ext uri="{C183D7F6-B498-43B3-948B-1728B52AA6E4}">
-                <adec:decorative xmlns="" xmlns:adec="http://schemas.microsoft.com/office/drawing/2017/decorative" val="1"/>
-              </a:ext>
-            </a:extLst>
-          </p:cNvPr>
-          <p:cNvSpPr>
-            <a:spLocks noGrp="1" noRot="1" noChangeAspect="1" noMove="1" noResize="1" noEditPoints="1" noAdjustHandles="1" noChangeArrowheads="1" noChangeShapeType="1" noTextEdit="1"/>
-          </p:cNvSpPr>
-          <p:nvPr>
-            <p:extLst>
-              <p:ext uri="{386F3935-93C4-4BCD-93E2-E3B085C9AB24}">
-                <p16:designElem xmlns:p16="http://schemas.microsoft.com/office/powerpoint/2015/main" val="1"/>
-              </p:ext>
-            </p:extLst>
-          </p:nvPr>
-        </p:nvSpPr>
         <p:spPr>
           <a:xfrm>
-            <a:off x="-22860" y="0"/>
-            <a:ext cx="12188952" cy="6858000"/>
+            <a:off x="1066800" y="2013293"/>
+            <a:ext cx="10058400" cy="80683"/>
           </a:xfrm>
           <a:prstGeom prst="rect">
             <a:avLst/>
           </a:prstGeom>
           <a:blipFill dpi="0" rotWithShape="1">
             <a:blip r:embed="rId3">
-              <a:alphaModFix amt="45000"/>
+              <a:alphaModFix amt="85000"/>
               <a:lum bright="70000" contrast="-70000"/>
+              <a:extLst>
+                <a:ext uri="{BEBA8EAE-BF5A-486C-A8C5-ECC9F3942E4B}">
+                  <a14:imgProps xmlns:a14="http://schemas.microsoft.com/office/drawing/2010/main">
+                    <a14:imgLayer r:embed="rId4">
+                      <a14:imgEffect>
+                        <a14:sharpenSoften amount="61000"/>
+                      </a14:imgEffect>
+                    </a14:imgLayer>
+                  </a14:imgProps>
+                </a:ext>
+                <a:ext uri="{28A0092B-C50C-407E-A947-70E740481C1C}">
+                  <a14:useLocalDpi xmlns:a14="http://schemas.microsoft.com/office/drawing/2010/main" val="0"/>
+                </a:ext>
+              </a:extLst>
             </a:blip>
             <a:srcRect/>
             <a:tile tx="0" ty="-762000" sx="92000" sy="89000" flip="xy" algn="ctr"/>
@@ -10367,245 +7849,15 @@
           </a:p>
         </p:txBody>
       </p:sp>
-      <p:sp>
-        <p:nvSpPr>
-          <p:cNvPr id="2" name="Título 1">
-            <a:extLst>
-              <a:ext uri="{FF2B5EF4-FFF2-40B4-BE49-F238E27FC236}">
-                <a16:creationId xmlns:a16="http://schemas.microsoft.com/office/drawing/2014/main" id="{23F6D5E8-15CF-4755-910B-1B5A1E777357}"/>
-              </a:ext>
-            </a:extLst>
-          </p:cNvPr>
-          <p:cNvSpPr>
-            <a:spLocks noGrp="1"/>
-          </p:cNvSpPr>
-          <p:nvPr>
-            <p:ph type="title"/>
-          </p:nvPr>
-        </p:nvSpPr>
-        <p:spPr>
-          <a:xfrm>
-            <a:off x="-7619" y="-1"/>
-            <a:ext cx="9099068" cy="735726"/>
-          </a:xfrm>
-        </p:spPr>
-        <p:txBody>
-          <a:bodyPr rtlCol="0">
-            <a:normAutofit/>
-          </a:bodyPr>
-          <a:lstStyle/>
-          <a:p>
-            <a:pPr rtl="0"/>
-            <a:r>
-              <a:rPr lang="pt-BR" sz="3600" dirty="0" smtClean="0"/>
-              <a:t>Hortaliças</a:t>
-            </a:r>
-            <a:endParaRPr lang="pt-BR" sz="3600" dirty="0"/>
-          </a:p>
-        </p:txBody>
-      </p:sp>
-      <p:grpSp>
-        <p:nvGrpSpPr>
-          <p:cNvPr id="24" name="Grupo 17">
-            <a:extLst>
-              <a:ext uri="{FF2B5EF4-FFF2-40B4-BE49-F238E27FC236}">
-                <a16:creationId xmlns:a16="http://schemas.microsoft.com/office/drawing/2014/main" id="{46FDAED0-8B04-4181-B3D3-EA0A93C6659B}"/>
-              </a:ext>
-              <a:ext uri="{C183D7F6-B498-43B3-948B-1728B52AA6E4}">
-                <adec:decorative xmlns="" xmlns:adec="http://schemas.microsoft.com/office/drawing/2017/decorative" val="1"/>
-              </a:ext>
-            </a:extLst>
-          </p:cNvPr>
-          <p:cNvGrpSpPr>
-            <a:grpSpLocks noGrp="1" noUngrp="1" noRot="1" noChangeAspect="1" noMove="1" noResize="1"/>
-          </p:cNvGrpSpPr>
-          <p:nvPr>
-            <p:extLst>
-              <p:ext uri="{386F3935-93C4-4BCD-93E2-E3B085C9AB24}">
-                <p16:designElem xmlns:p16="http://schemas.microsoft.com/office/powerpoint/2015/main" val="1"/>
-              </p:ext>
-            </p:extLst>
-          </p:nvPr>
-        </p:nvGrpSpPr>
-        <p:grpSpPr>
-          <a:xfrm>
-            <a:off x="11401725" y="6229681"/>
-            <a:ext cx="457200" cy="457200"/>
-            <a:chOff x="11361456" y="6195813"/>
-            <a:chExt cx="548640" cy="548640"/>
-          </a:xfrm>
-        </p:grpSpPr>
-        <p:sp>
-          <p:nvSpPr>
-            <p:cNvPr id="19" name="Oval 18">
-              <a:extLst>
-                <a:ext uri="{FF2B5EF4-FFF2-40B4-BE49-F238E27FC236}">
-                  <a16:creationId xmlns:a16="http://schemas.microsoft.com/office/drawing/2014/main" id="{161B6F0D-567B-4CFA-BF50-79FDAC6EBDC8}"/>
-                </a:ext>
-                <a:ext uri="{C183D7F6-B498-43B3-948B-1728B52AA6E4}">
-                  <adec:decorative xmlns="" xmlns:adec="http://schemas.microsoft.com/office/drawing/2017/decorative" val="1"/>
-                </a:ext>
-              </a:extLst>
-            </p:cNvPr>
-            <p:cNvSpPr/>
-            <p:nvPr>
-              <p:extLst>
-                <p:ext uri="{386F3935-93C4-4BCD-93E2-E3B085C9AB24}">
-                  <p16:designElem xmlns:p16="http://schemas.microsoft.com/office/powerpoint/2015/main" val="1"/>
-                </p:ext>
-              </p:extLst>
-            </p:nvPr>
-          </p:nvSpPr>
-          <p:spPr>
-            <a:xfrm>
-              <a:off x="11361456" y="6195813"/>
-              <a:ext cx="548640" cy="548640"/>
-            </a:xfrm>
-            <a:prstGeom prst="ellipse">
-              <a:avLst/>
-            </a:prstGeom>
-            <a:blipFill dpi="0" rotWithShape="1">
-              <a:blip r:embed="rId4">
-                <a:duotone>
-                  <a:schemeClr val="accent1">
-                    <a:shade val="45000"/>
-                    <a:satMod val="135000"/>
-                  </a:schemeClr>
-                  <a:prstClr val="white"/>
-                </a:duotone>
-                <a:extLst/>
-              </a:blip>
-              <a:srcRect/>
-              <a:tile tx="50800" ty="0" sx="85000" sy="85000" flip="none" algn="tl"/>
-            </a:blipFill>
-            <a:ln w="25400" cap="flat" cmpd="sng" algn="ctr">
-              <a:noFill/>
-              <a:prstDash val="solid"/>
-            </a:ln>
-            <a:effectLst/>
-          </p:spPr>
-          <p:txBody>
-            <a:bodyPr lIns="0" tIns="0" rIns="0" bIns="0" rtlCol="0" anchor="ctr"/>
-            <a:lstStyle/>
-            <a:p>
-              <a:pPr marL="0" marR="0" lvl="0" indent="0" algn="ctr" defTabSz="914400" rtl="0" eaLnBrk="1" fontAlgn="auto" latinLnBrk="0" hangingPunct="1">
-                <a:lnSpc>
-                  <a:spcPct val="100000"/>
-                </a:lnSpc>
-                <a:spcBef>
-                  <a:spcPts val="0"/>
-                </a:spcBef>
-                <a:spcAft>
-                  <a:spcPts val="0"/>
-                </a:spcAft>
-                <a:buClrTx/>
-                <a:buSzTx/>
-                <a:buFontTx/>
-                <a:buNone/>
-                <a:tabLst/>
-                <a:defRPr/>
-              </a:pPr>
-              <a:endParaRPr kumimoji="0" lang="pt-BR" sz="2000" b="0" i="0" u="none" strike="noStrike" kern="0" cap="none" spc="0" normalizeH="0" baseline="0" dirty="0">
-                <a:ln>
-                  <a:noFill/>
-                </a:ln>
-                <a:solidFill>
-                  <a:prstClr val="white"/>
-                </a:solidFill>
-                <a:effectLst/>
-                <a:uLnTx/>
-                <a:uFillTx/>
-                <a:latin typeface="Rockwell Extra Bold" pitchFamily="18" charset="0"/>
-                <a:ea typeface="+mn-ea"/>
-                <a:cs typeface="+mn-cs"/>
-              </a:endParaRPr>
-            </a:p>
-          </p:txBody>
-        </p:sp>
-        <p:sp>
-          <p:nvSpPr>
-            <p:cNvPr id="20" name="Oval 19">
-              <a:extLst>
-                <a:ext uri="{FF2B5EF4-FFF2-40B4-BE49-F238E27FC236}">
-                  <a16:creationId xmlns:a16="http://schemas.microsoft.com/office/drawing/2014/main" id="{8CE5D194-0A7E-49A6-B737-F71C1B3960DA}"/>
-                </a:ext>
-                <a:ext uri="{C183D7F6-B498-43B3-948B-1728B52AA6E4}">
-                  <adec:decorative xmlns="" xmlns:adec="http://schemas.microsoft.com/office/drawing/2017/decorative" val="1"/>
-                </a:ext>
-              </a:extLst>
-            </p:cNvPr>
-            <p:cNvSpPr/>
-            <p:nvPr>
-              <p:extLst>
-                <p:ext uri="{386F3935-93C4-4BCD-93E2-E3B085C9AB24}">
-                  <p16:designElem xmlns:p16="http://schemas.microsoft.com/office/powerpoint/2015/main" val="1"/>
-                </p:ext>
-              </p:extLst>
-            </p:nvPr>
-          </p:nvSpPr>
-          <p:spPr>
-            <a:xfrm>
-              <a:off x="11396488" y="6230844"/>
-              <a:ext cx="478576" cy="478578"/>
-            </a:xfrm>
-            <a:prstGeom prst="ellipse">
-              <a:avLst/>
-            </a:prstGeom>
-            <a:noFill/>
-            <a:ln w="12700" cap="flat" cmpd="sng" algn="ctr">
-              <a:solidFill>
-                <a:srgbClr val="FFFFFF"/>
-              </a:solidFill>
-              <a:prstDash val="solid"/>
-            </a:ln>
-            <a:effectLst/>
-          </p:spPr>
-          <p:txBody>
-            <a:bodyPr rtlCol="0" anchor="ctr"/>
-            <a:lstStyle/>
-            <a:p>
-              <a:pPr marL="0" marR="0" lvl="0" indent="0" algn="ctr" defTabSz="914400" rtl="0" eaLnBrk="1" fontAlgn="auto" latinLnBrk="0" hangingPunct="1">
-                <a:lnSpc>
-                  <a:spcPct val="100000"/>
-                </a:lnSpc>
-                <a:spcBef>
-                  <a:spcPts val="0"/>
-                </a:spcBef>
-                <a:spcAft>
-                  <a:spcPts val="0"/>
-                </a:spcAft>
-                <a:buClrTx/>
-                <a:buSzTx/>
-                <a:buFontTx/>
-                <a:buNone/>
-                <a:tabLst/>
-                <a:defRPr/>
-              </a:pPr>
-              <a:endParaRPr kumimoji="0" lang="pt-BR" sz="1800" b="0" i="0" u="none" strike="noStrike" kern="0" cap="none" spc="0" normalizeH="0" baseline="0" dirty="0">
-                <a:ln>
-                  <a:noFill/>
-                </a:ln>
-                <a:solidFill>
-                  <a:prstClr val="white"/>
-                </a:solidFill>
-                <a:effectLst/>
-                <a:uLnTx/>
-                <a:uFillTx/>
-                <a:latin typeface="Calibri"/>
-                <a:ea typeface="+mn-ea"/>
-                <a:cs typeface="+mn-cs"/>
-              </a:endParaRPr>
-            </a:p>
-          </p:txBody>
-        </p:sp>
-      </p:grpSp>
       <p:pic>
         <p:nvPicPr>
-          <p:cNvPr id="3" name="Imagem 2"/>
+          <p:cNvPr id="6" name="Espaço Reservado para Conteúdo 5"/>
           <p:cNvPicPr>
-            <a:picLocks noChangeAspect="1"/>
+            <a:picLocks noGrp="1" noChangeAspect="1"/>
           </p:cNvPicPr>
-          <p:nvPr/>
+          <p:nvPr>
+            <p:ph idx="1"/>
+          </p:nvPr>
         </p:nvPicPr>
         <p:blipFill>
           <a:blip r:embed="rId5">
@@ -10621,18 +7873,15 @@
         </p:blipFill>
         <p:spPr>
           <a:xfrm>
-            <a:off x="-56388" y="661911"/>
-            <a:ext cx="12291154" cy="6196089"/>
+            <a:off x="168166" y="871051"/>
+            <a:ext cx="11873838" cy="5824039"/>
           </a:xfrm>
-          <a:prstGeom prst="rect">
-            <a:avLst/>
-          </a:prstGeom>
         </p:spPr>
       </p:pic>
     </p:spTree>
     <p:extLst>
       <p:ext uri="{BB962C8B-B14F-4D97-AF65-F5344CB8AC3E}">
-        <p14:creationId xmlns:p14="http://schemas.microsoft.com/office/powerpoint/2010/main" val="3496448969"/>
+        <p14:creationId xmlns:p14="http://schemas.microsoft.com/office/powerpoint/2010/main" val="3818373988"/>
       </p:ext>
     </p:extLst>
   </p:cSld>
@@ -11699,16 +8948,16 @@
 <file path=customXml/itemProps1.xml><?xml version="1.0" encoding="utf-8"?>
 <ds:datastoreItem xmlns:ds="http://schemas.openxmlformats.org/officeDocument/2006/customXml" ds:itemID="{3E5F63BB-8299-4DC6-BEF4-D74C2867262F}">
   <ds:schemaRefs>
+    <ds:schemaRef ds:uri="http://purl.org/dc/elements/1.1/"/>
+    <ds:schemaRef ds:uri="http://purl.org/dc/terms/"/>
+    <ds:schemaRef ds:uri="http://schemas.microsoft.com/office/infopath/2007/PartnerControls"/>
+    <ds:schemaRef ds:uri="16c05727-aa75-4e4a-9b5f-8a80a1165891"/>
+    <ds:schemaRef ds:uri="http://purl.org/dc/dcmitype/"/>
+    <ds:schemaRef ds:uri="http://www.w3.org/XML/1998/namespace"/>
+    <ds:schemaRef ds:uri="71af3243-3dd4-4a8d-8c0d-dd76da1f02a5"/>
     <ds:schemaRef ds:uri="http://schemas.microsoft.com/office/2006/documentManagement/types"/>
     <ds:schemaRef ds:uri="http://schemas.openxmlformats.org/package/2006/metadata/core-properties"/>
-    <ds:schemaRef ds:uri="http://schemas.microsoft.com/office/infopath/2007/PartnerControls"/>
-    <ds:schemaRef ds:uri="http://purl.org/dc/dcmitype/"/>
-    <ds:schemaRef ds:uri="http://purl.org/dc/elements/1.1/"/>
     <ds:schemaRef ds:uri="http://schemas.microsoft.com/office/2006/metadata/properties"/>
-    <ds:schemaRef ds:uri="http://www.w3.org/XML/1998/namespace"/>
-    <ds:schemaRef ds:uri="16c05727-aa75-4e4a-9b5f-8a80a1165891"/>
-    <ds:schemaRef ds:uri="71af3243-3dd4-4a8d-8c0d-dd76da1f02a5"/>
-    <ds:schemaRef ds:uri="http://purl.org/dc/terms/"/>
   </ds:schemaRefs>
 </ds:datastoreItem>
 </file>
